--- a/需求分析/SE2020-G14-软件需求说明(SRS)0.2/SE2020-G14-软件需求规格说明(SRS)0.2.pptx
+++ b/需求分析/SE2020-G14-软件需求说明(SRS)0.2/SE2020-G14-软件需求规格说明(SRS)0.2.pptx
@@ -5,10 +5,10 @@
     <p:sldMasterId id="2147483940" r:id="rId1"/>
   </p:sldMasterIdLst>
   <p:notesMasterIdLst>
-    <p:notesMasterId r:id="rId25"/>
+    <p:notesMasterId r:id="rId23"/>
   </p:notesMasterIdLst>
   <p:handoutMasterIdLst>
-    <p:handoutMasterId r:id="rId26"/>
+    <p:handoutMasterId r:id="rId24"/>
   </p:handoutMasterIdLst>
   <p:sldIdLst>
     <p:sldId id="3191" r:id="rId2"/>
@@ -18,27 +18,25 @@
     <p:sldId id="3125" r:id="rId6"/>
     <p:sldId id="3193" r:id="rId7"/>
     <p:sldId id="3212" r:id="rId8"/>
-    <p:sldId id="3213" r:id="rId9"/>
-    <p:sldId id="3214" r:id="rId10"/>
-    <p:sldId id="3196" r:id="rId11"/>
-    <p:sldId id="3215" r:id="rId12"/>
-    <p:sldId id="3216" r:id="rId13"/>
-    <p:sldId id="3217" r:id="rId14"/>
-    <p:sldId id="3218" r:id="rId15"/>
+    <p:sldId id="3218" r:id="rId9"/>
+    <p:sldId id="3213" r:id="rId10"/>
+    <p:sldId id="3214" r:id="rId11"/>
+    <p:sldId id="3196" r:id="rId12"/>
+    <p:sldId id="3217" r:id="rId13"/>
+    <p:sldId id="3206" r:id="rId14"/>
+    <p:sldId id="3150" r:id="rId15"/>
     <p:sldId id="3219" r:id="rId16"/>
-    <p:sldId id="3206" r:id="rId17"/>
-    <p:sldId id="3150" r:id="rId18"/>
-    <p:sldId id="3207" r:id="rId19"/>
-    <p:sldId id="3195" r:id="rId20"/>
-    <p:sldId id="3204" r:id="rId21"/>
-    <p:sldId id="3205" r:id="rId22"/>
-    <p:sldId id="3146" r:id="rId23"/>
-    <p:sldId id="3197" r:id="rId24"/>
+    <p:sldId id="3207" r:id="rId17"/>
+    <p:sldId id="3195" r:id="rId18"/>
+    <p:sldId id="3204" r:id="rId19"/>
+    <p:sldId id="3205" r:id="rId20"/>
+    <p:sldId id="3146" r:id="rId21"/>
+    <p:sldId id="3197" r:id="rId22"/>
   </p:sldIdLst>
   <p:sldSz cx="12858750" cy="7232650"/>
   <p:notesSz cx="6858000" cy="9144000"/>
   <p:custDataLst>
-    <p:tags r:id="rId27"/>
+    <p:tags r:id="rId25"/>
   </p:custDataLst>
   <p:defaultTextStyle>
     <a:defPPr>
@@ -294,7 +292,7 @@
           <a:p>
             <a:fld id="{717742FC-62BB-4B81-9CA5-3B750A4B4580}" type="datetimeFigureOut">
               <a:rPr lang="zh-CN" altLang="en-US" smtClean="0"/>
-              <a:t>2020/11/16</a:t>
+              <a:t>2020/11/19</a:t>
             </a:fld>
             <a:endParaRPr lang="zh-CN" altLang="en-US"/>
           </a:p>
@@ -468,7 +466,7 @@
               <a:pPr>
                 <a:defRPr/>
               </a:pPr>
-              <a:t>2020/11/16</a:t>
+              <a:t>2020/11/19</a:t>
             </a:fld>
             <a:endParaRPr lang="zh-CN" altLang="en-US"/>
           </a:p>
@@ -925,7 +923,7 @@
             <a:fld id="{418F03C3-53C1-4F10-8DAF-D1F318E96C6E}" type="slidenum">
               <a:rPr lang="zh-CN" altLang="en-US" smtClean="0"/>
               <a:pPr/>
-              <a:t>19</a:t>
+              <a:t>17</a:t>
             </a:fld>
             <a:endParaRPr lang="zh-CN" altLang="en-US"/>
           </a:p>
@@ -1010,7 +1008,7 @@
             <a:fld id="{418F03C3-53C1-4F10-8DAF-D1F318E96C6E}" type="slidenum">
               <a:rPr lang="zh-CN" altLang="en-US" smtClean="0"/>
               <a:pPr/>
-              <a:t>21</a:t>
+              <a:t>19</a:t>
             </a:fld>
             <a:endParaRPr lang="zh-CN" altLang="en-US"/>
           </a:p>
@@ -1095,7 +1093,7 @@
             <a:fld id="{418F03C3-53C1-4F10-8DAF-D1F318E96C6E}" type="slidenum">
               <a:rPr lang="zh-CN" altLang="en-US" smtClean="0"/>
               <a:pPr/>
-              <a:t>22</a:t>
+              <a:t>20</a:t>
             </a:fld>
             <a:endParaRPr lang="zh-CN" altLang="en-US"/>
           </a:p>
@@ -1180,7 +1178,7 @@
             <a:fld id="{418F03C3-53C1-4F10-8DAF-D1F318E96C6E}" type="slidenum">
               <a:rPr lang="zh-CN" altLang="en-US" smtClean="0"/>
               <a:pPr/>
-              <a:t>23</a:t>
+              <a:t>21</a:t>
             </a:fld>
             <a:endParaRPr lang="zh-CN" altLang="en-US"/>
           </a:p>
@@ -1689,7 +1687,7 @@
             <a:fld id="{418F03C3-53C1-4F10-8DAF-D1F318E96C6E}" type="slidenum">
               <a:rPr lang="zh-CN" altLang="en-US" smtClean="0"/>
               <a:pPr/>
-              <a:t>10</a:t>
+              <a:t>11</a:t>
             </a:fld>
             <a:endParaRPr lang="zh-CN" altLang="en-US"/>
           </a:p>
@@ -1774,7 +1772,7 @@
             <a:fld id="{418F03C3-53C1-4F10-8DAF-D1F318E96C6E}" type="slidenum">
               <a:rPr lang="zh-CN" altLang="en-US" smtClean="0"/>
               <a:pPr/>
-              <a:t>16</a:t>
+              <a:t>13</a:t>
             </a:fld>
             <a:endParaRPr lang="zh-CN" altLang="en-US"/>
           </a:p>
@@ -1859,7 +1857,7 @@
             <a:fld id="{418F03C3-53C1-4F10-8DAF-D1F318E96C6E}" type="slidenum">
               <a:rPr lang="zh-CN" altLang="en-US" smtClean="0"/>
               <a:pPr/>
-              <a:t>17</a:t>
+              <a:t>14</a:t>
             </a:fld>
             <a:endParaRPr lang="zh-CN" altLang="en-US"/>
           </a:p>
@@ -1994,7 +1992,7 @@
           <a:p>
             <a:fld id="{43A93E93-166D-47F5-9EF1-ACEABE24AEEA}" type="datetimeFigureOut">
               <a:rPr lang="zh-CN" altLang="en-US" smtClean="0"/>
-              <a:t>2020/11/16</a:t>
+              <a:t>2020/11/19</a:t>
             </a:fld>
             <a:endParaRPr lang="zh-CN" altLang="en-US"/>
           </a:p>
@@ -2754,7 +2752,7 @@
           <a:p>
             <a:fld id="{43A93E93-166D-47F5-9EF1-ACEABE24AEEA}" type="datetimeFigureOut">
               <a:rPr lang="zh-CN" altLang="en-US" smtClean="0"/>
-              <a:t>2020/11/16</a:t>
+              <a:t>2020/11/19</a:t>
             </a:fld>
             <a:endParaRPr lang="zh-CN" altLang="en-US"/>
           </a:p>
@@ -4017,7 +4015,7 @@
         <p:spPr bwMode="auto">
           <a:xfrm>
             <a:off x="464763" y="1612251"/>
-            <a:ext cx="6965368" cy="2123658"/>
+            <a:ext cx="6328977" cy="2123658"/>
           </a:xfrm>
           <a:prstGeom prst="rect">
             <a:avLst/>
@@ -4185,7 +4183,7 @@
                 </a:solidFill>
                 <a:latin typeface="Calibri Light" panose="020F0302020204030204" pitchFamily="34" charset="0"/>
               </a:rPr>
-              <a:t>0.1.1</a:t>
+              <a:t>0.2</a:t>
             </a:r>
             <a:endParaRPr lang="zh-CN" altLang="en-US" sz="6600" dirty="0">
               <a:solidFill>
@@ -4458,6 +4456,497 @@
 </file>
 
 <file path=ppt/slides/slide10.xml><?xml version="1.0" encoding="utf-8"?>
+<p:sld xmlns:a="http://schemas.openxmlformats.org/drawingml/2006/main" xmlns:r="http://schemas.openxmlformats.org/officeDocument/2006/relationships" xmlns:p="http://schemas.openxmlformats.org/presentationml/2006/main">
+  <p:cSld>
+    <p:spTree>
+      <p:nvGrpSpPr>
+        <p:cNvPr id="1" name=""/>
+        <p:cNvGrpSpPr/>
+        <p:nvPr/>
+      </p:nvGrpSpPr>
+      <p:grpSpPr>
+        <a:xfrm>
+          <a:off x="0" y="0"/>
+          <a:ext cx="0" cy="0"/>
+          <a:chOff x="0" y="0"/>
+          <a:chExt cx="0" cy="0"/>
+        </a:xfrm>
+      </p:grpSpPr>
+      <p:sp>
+        <p:nvSpPr>
+          <p:cNvPr id="3" name="椭圆 2">
+            <a:extLst>
+              <a:ext uri="{FF2B5EF4-FFF2-40B4-BE49-F238E27FC236}">
+                <a16:creationId xmlns:a16="http://schemas.microsoft.com/office/drawing/2014/main" id="{EBBF36DC-77E8-4DEA-AEB2-8620B9DF24B7}"/>
+              </a:ext>
+            </a:extLst>
+          </p:cNvPr>
+          <p:cNvSpPr/>
+          <p:nvPr/>
+        </p:nvSpPr>
+        <p:spPr>
+          <a:xfrm>
+            <a:off x="532958" y="327049"/>
+            <a:ext cx="367982" cy="367982"/>
+          </a:xfrm>
+          <a:prstGeom prst="ellipse">
+            <a:avLst/>
+          </a:prstGeom>
+          <a:ln>
+            <a:noFill/>
+          </a:ln>
+          <a:effectLst>
+            <a:outerShdw blurRad="127000" dist="76200" dir="2700000" algn="tl" rotWithShape="0">
+              <a:prstClr val="black">
+                <a:alpha val="40000"/>
+              </a:prstClr>
+            </a:outerShdw>
+          </a:effectLst>
+        </p:spPr>
+        <p:style>
+          <a:lnRef idx="2">
+            <a:schemeClr val="accent1">
+              <a:shade val="50000"/>
+            </a:schemeClr>
+          </a:lnRef>
+          <a:fillRef idx="1">
+            <a:schemeClr val="accent1"/>
+          </a:fillRef>
+          <a:effectRef idx="0">
+            <a:schemeClr val="accent1"/>
+          </a:effectRef>
+          <a:fontRef idx="minor">
+            <a:schemeClr val="lt1"/>
+          </a:fontRef>
+        </p:style>
+        <p:txBody>
+          <a:bodyPr rtlCol="0" anchor="ctr"/>
+          <a:lstStyle/>
+          <a:p>
+            <a:pPr algn="ctr"/>
+            <a:endParaRPr lang="zh-CN" altLang="en-US">
+              <a:solidFill>
+                <a:schemeClr val="accent2">
+                  <a:lumMod val="75000"/>
+                </a:schemeClr>
+              </a:solidFill>
+              <a:latin typeface="Arial" panose="020B0604020202020204" pitchFamily="34" charset="0"/>
+              <a:ea typeface="微软雅黑" panose="020B0503020204020204" pitchFamily="34" charset="-122"/>
+              <a:sym typeface="Arial" panose="020B0604020202020204" pitchFamily="34" charset="0"/>
+            </a:endParaRPr>
+          </a:p>
+        </p:txBody>
+      </p:sp>
+      <p:sp>
+        <p:nvSpPr>
+          <p:cNvPr id="5" name="椭圆 4">
+            <a:extLst>
+              <a:ext uri="{FF2B5EF4-FFF2-40B4-BE49-F238E27FC236}">
+                <a16:creationId xmlns:a16="http://schemas.microsoft.com/office/drawing/2014/main" id="{F3559A36-02B3-431C-94D7-9D95B74F1B78}"/>
+              </a:ext>
+            </a:extLst>
+          </p:cNvPr>
+          <p:cNvSpPr/>
+          <p:nvPr/>
+        </p:nvSpPr>
+        <p:spPr>
+          <a:xfrm>
+            <a:off x="800016" y="327049"/>
+            <a:ext cx="201847" cy="201847"/>
+          </a:xfrm>
+          <a:prstGeom prst="ellipse">
+            <a:avLst/>
+          </a:prstGeom>
+          <a:solidFill>
+            <a:schemeClr val="bg1">
+              <a:lumMod val="95000"/>
+            </a:schemeClr>
+          </a:solidFill>
+          <a:ln>
+            <a:noFill/>
+          </a:ln>
+          <a:effectLst>
+            <a:outerShdw blurRad="127000" dist="76200" dir="2700000" algn="tl" rotWithShape="0">
+              <a:prstClr val="black">
+                <a:alpha val="40000"/>
+              </a:prstClr>
+            </a:outerShdw>
+          </a:effectLst>
+        </p:spPr>
+        <p:style>
+          <a:lnRef idx="2">
+            <a:schemeClr val="accent1">
+              <a:shade val="50000"/>
+            </a:schemeClr>
+          </a:lnRef>
+          <a:fillRef idx="1">
+            <a:schemeClr val="accent1"/>
+          </a:fillRef>
+          <a:effectRef idx="0">
+            <a:schemeClr val="accent1"/>
+          </a:effectRef>
+          <a:fontRef idx="minor">
+            <a:schemeClr val="lt1"/>
+          </a:fontRef>
+        </p:style>
+        <p:txBody>
+          <a:bodyPr rtlCol="0" anchor="ctr"/>
+          <a:lstStyle/>
+          <a:p>
+            <a:pPr algn="ctr"/>
+            <a:endParaRPr lang="zh-CN" altLang="en-US">
+              <a:solidFill>
+                <a:schemeClr val="accent2">
+                  <a:lumMod val="75000"/>
+                </a:schemeClr>
+              </a:solidFill>
+              <a:latin typeface="Arial" panose="020B0604020202020204" pitchFamily="34" charset="0"/>
+              <a:ea typeface="微软雅黑" panose="020B0503020204020204" pitchFamily="34" charset="-122"/>
+              <a:sym typeface="Arial" panose="020B0604020202020204" pitchFamily="34" charset="0"/>
+            </a:endParaRPr>
+          </a:p>
+        </p:txBody>
+      </p:sp>
+      <p:sp>
+        <p:nvSpPr>
+          <p:cNvPr id="7" name="Content Placeholder 2">
+            <a:extLst>
+              <a:ext uri="{FF2B5EF4-FFF2-40B4-BE49-F238E27FC236}">
+                <a16:creationId xmlns:a16="http://schemas.microsoft.com/office/drawing/2014/main" id="{CD95E236-9D21-43E9-B8CC-9428D6C33ECE}"/>
+              </a:ext>
+            </a:extLst>
+          </p:cNvPr>
+          <p:cNvSpPr txBox="1">
+            <a:spLocks/>
+          </p:cNvSpPr>
+          <p:nvPr/>
+        </p:nvSpPr>
+        <p:spPr>
+          <a:xfrm>
+            <a:off x="1095236" y="242438"/>
+            <a:ext cx="3067050" cy="367982"/>
+          </a:xfrm>
+          <a:prstGeom prst="rect">
+            <a:avLst/>
+          </a:prstGeom>
+        </p:spPr>
+        <p:txBody>
+          <a:bodyPr vert="horz" lIns="96435" tIns="48218" rIns="96435" bIns="48218" rtlCol="0" anchor="t">
+            <a:noAutofit/>
+          </a:bodyPr>
+          <a:lstStyle>
+            <a:lvl1pPr marL="0" indent="0" algn="r" defTabSz="457200" rtl="0" eaLnBrk="1" latinLnBrk="0" hangingPunct="1">
+              <a:spcBef>
+                <a:spcPct val="20000"/>
+              </a:spcBef>
+              <a:spcAft>
+                <a:spcPts val="600"/>
+              </a:spcAft>
+              <a:buClr>
+                <a:schemeClr val="accent1">
+                  <a:lumMod val="75000"/>
+                </a:schemeClr>
+              </a:buClr>
+              <a:buSzPct val="145000"/>
+              <a:buFont typeface="Arial"/>
+              <a:buNone/>
+              <a:defRPr sz="2100" kern="1200" cap="none">
+                <a:solidFill>
+                  <a:schemeClr val="tx1"/>
+                </a:solidFill>
+                <a:effectLst/>
+                <a:latin typeface="+mn-lt"/>
+                <a:ea typeface="+mn-ea"/>
+                <a:cs typeface="+mn-cs"/>
+              </a:defRPr>
+            </a:lvl1pPr>
+            <a:lvl2pPr marL="457200" indent="0" algn="ctr" defTabSz="457200" rtl="0" eaLnBrk="1" latinLnBrk="0" hangingPunct="1">
+              <a:spcBef>
+                <a:spcPct val="20000"/>
+              </a:spcBef>
+              <a:spcAft>
+                <a:spcPts val="600"/>
+              </a:spcAft>
+              <a:buClr>
+                <a:schemeClr val="accent1">
+                  <a:lumMod val="75000"/>
+                </a:schemeClr>
+              </a:buClr>
+              <a:buSzPct val="145000"/>
+              <a:buFont typeface="Arial"/>
+              <a:buNone/>
+              <a:defRPr sz="2000" kern="1200" cap="none">
+                <a:solidFill>
+                  <a:schemeClr val="tx1">
+                    <a:tint val="75000"/>
+                  </a:schemeClr>
+                </a:solidFill>
+                <a:effectLst/>
+                <a:latin typeface="+mn-lt"/>
+                <a:ea typeface="+mn-ea"/>
+                <a:cs typeface="+mn-cs"/>
+              </a:defRPr>
+            </a:lvl2pPr>
+            <a:lvl3pPr marL="914400" indent="0" algn="ctr" defTabSz="457200" rtl="0" eaLnBrk="1" latinLnBrk="0" hangingPunct="1">
+              <a:spcBef>
+                <a:spcPct val="20000"/>
+              </a:spcBef>
+              <a:spcAft>
+                <a:spcPts val="600"/>
+              </a:spcAft>
+              <a:buClr>
+                <a:schemeClr val="accent1">
+                  <a:lumMod val="75000"/>
+                </a:schemeClr>
+              </a:buClr>
+              <a:buSzPct val="145000"/>
+              <a:buFont typeface="Arial"/>
+              <a:buNone/>
+              <a:defRPr sz="1800" kern="1200" cap="none">
+                <a:solidFill>
+                  <a:schemeClr val="tx1">
+                    <a:tint val="75000"/>
+                  </a:schemeClr>
+                </a:solidFill>
+                <a:effectLst/>
+                <a:latin typeface="+mn-lt"/>
+                <a:ea typeface="+mn-ea"/>
+                <a:cs typeface="+mn-cs"/>
+              </a:defRPr>
+            </a:lvl3pPr>
+            <a:lvl4pPr marL="1371600" indent="0" algn="ctr" defTabSz="457200" rtl="0" eaLnBrk="1" latinLnBrk="0" hangingPunct="1">
+              <a:spcBef>
+                <a:spcPct val="20000"/>
+              </a:spcBef>
+              <a:spcAft>
+                <a:spcPts val="600"/>
+              </a:spcAft>
+              <a:buClr>
+                <a:schemeClr val="accent1">
+                  <a:lumMod val="75000"/>
+                </a:schemeClr>
+              </a:buClr>
+              <a:buSzPct val="145000"/>
+              <a:buFont typeface="Arial"/>
+              <a:buNone/>
+              <a:defRPr sz="1600" kern="1200" cap="none">
+                <a:solidFill>
+                  <a:schemeClr val="tx1">
+                    <a:tint val="75000"/>
+                  </a:schemeClr>
+                </a:solidFill>
+                <a:effectLst/>
+                <a:latin typeface="+mn-lt"/>
+                <a:ea typeface="+mn-ea"/>
+                <a:cs typeface="+mn-cs"/>
+              </a:defRPr>
+            </a:lvl4pPr>
+            <a:lvl5pPr marL="1828800" indent="0" algn="ctr" defTabSz="457200" rtl="0" eaLnBrk="1" latinLnBrk="0" hangingPunct="1">
+              <a:spcBef>
+                <a:spcPct val="20000"/>
+              </a:spcBef>
+              <a:spcAft>
+                <a:spcPts val="600"/>
+              </a:spcAft>
+              <a:buClr>
+                <a:schemeClr val="accent1">
+                  <a:lumMod val="75000"/>
+                </a:schemeClr>
+              </a:buClr>
+              <a:buSzPct val="145000"/>
+              <a:buFont typeface="Arial"/>
+              <a:buNone/>
+              <a:defRPr sz="1400" kern="1200" cap="none">
+                <a:solidFill>
+                  <a:schemeClr val="tx1">
+                    <a:tint val="75000"/>
+                  </a:schemeClr>
+                </a:solidFill>
+                <a:effectLst/>
+                <a:latin typeface="+mn-lt"/>
+                <a:ea typeface="+mn-ea"/>
+                <a:cs typeface="+mn-cs"/>
+              </a:defRPr>
+            </a:lvl5pPr>
+            <a:lvl6pPr marL="2286000" indent="0" algn="ctr" defTabSz="457200" rtl="0" eaLnBrk="1" latinLnBrk="0" hangingPunct="1">
+              <a:spcBef>
+                <a:spcPct val="20000"/>
+              </a:spcBef>
+              <a:spcAft>
+                <a:spcPts val="600"/>
+              </a:spcAft>
+              <a:buClr>
+                <a:schemeClr val="accent1">
+                  <a:lumMod val="75000"/>
+                </a:schemeClr>
+              </a:buClr>
+              <a:buSzPct val="145000"/>
+              <a:buFont typeface="Arial"/>
+              <a:buNone/>
+              <a:defRPr sz="1400" kern="1200" cap="none">
+                <a:solidFill>
+                  <a:schemeClr val="tx1">
+                    <a:tint val="75000"/>
+                  </a:schemeClr>
+                </a:solidFill>
+                <a:effectLst/>
+                <a:latin typeface="+mn-lt"/>
+                <a:ea typeface="+mn-ea"/>
+                <a:cs typeface="+mn-cs"/>
+              </a:defRPr>
+            </a:lvl6pPr>
+            <a:lvl7pPr marL="2743200" indent="0" algn="ctr" defTabSz="457200" rtl="0" eaLnBrk="1" latinLnBrk="0" hangingPunct="1">
+              <a:spcBef>
+                <a:spcPct val="20000"/>
+              </a:spcBef>
+              <a:spcAft>
+                <a:spcPts val="600"/>
+              </a:spcAft>
+              <a:buClr>
+                <a:schemeClr val="accent1">
+                  <a:lumMod val="75000"/>
+                </a:schemeClr>
+              </a:buClr>
+              <a:buSzPct val="145000"/>
+              <a:buFont typeface="Arial"/>
+              <a:buNone/>
+              <a:defRPr sz="1400" kern="1200" cap="none">
+                <a:solidFill>
+                  <a:schemeClr val="tx1">
+                    <a:tint val="75000"/>
+                  </a:schemeClr>
+                </a:solidFill>
+                <a:effectLst/>
+                <a:latin typeface="+mn-lt"/>
+                <a:ea typeface="+mn-ea"/>
+                <a:cs typeface="+mn-cs"/>
+              </a:defRPr>
+            </a:lvl7pPr>
+            <a:lvl8pPr marL="3200400" indent="0" algn="ctr" defTabSz="457200" rtl="0" eaLnBrk="1" latinLnBrk="0" hangingPunct="1">
+              <a:spcBef>
+                <a:spcPct val="20000"/>
+              </a:spcBef>
+              <a:spcAft>
+                <a:spcPts val="600"/>
+              </a:spcAft>
+              <a:buClr>
+                <a:schemeClr val="accent1">
+                  <a:lumMod val="75000"/>
+                </a:schemeClr>
+              </a:buClr>
+              <a:buSzPct val="145000"/>
+              <a:buFont typeface="Arial"/>
+              <a:buNone/>
+              <a:defRPr sz="1400" kern="1200" cap="none">
+                <a:solidFill>
+                  <a:schemeClr val="tx1">
+                    <a:tint val="75000"/>
+                  </a:schemeClr>
+                </a:solidFill>
+                <a:effectLst/>
+                <a:latin typeface="+mn-lt"/>
+                <a:ea typeface="+mn-ea"/>
+                <a:cs typeface="+mn-cs"/>
+              </a:defRPr>
+            </a:lvl8pPr>
+            <a:lvl9pPr marL="3657600" indent="0" algn="ctr" defTabSz="457200" rtl="0" eaLnBrk="1" latinLnBrk="0" hangingPunct="1">
+              <a:spcBef>
+                <a:spcPct val="20000"/>
+              </a:spcBef>
+              <a:spcAft>
+                <a:spcPts val="600"/>
+              </a:spcAft>
+              <a:buClr>
+                <a:schemeClr val="accent1">
+                  <a:lumMod val="75000"/>
+                </a:schemeClr>
+              </a:buClr>
+              <a:buSzPct val="145000"/>
+              <a:buFont typeface="Arial"/>
+              <a:buNone/>
+              <a:defRPr sz="1400" kern="1200" cap="none">
+                <a:solidFill>
+                  <a:schemeClr val="tx1">
+                    <a:tint val="75000"/>
+                  </a:schemeClr>
+                </a:solidFill>
+                <a:effectLst/>
+                <a:latin typeface="+mn-lt"/>
+                <a:ea typeface="+mn-ea"/>
+                <a:cs typeface="+mn-cs"/>
+              </a:defRPr>
+            </a:lvl9pPr>
+          </a:lstStyle>
+          <a:p>
+            <a:pPr algn="l"/>
+            <a:r>
+              <a:rPr lang="en-US" altLang="zh-CN" sz="3200" dirty="0">
+                <a:latin typeface="+mn-ea"/>
+                <a:cs typeface="+mn-ea"/>
+                <a:sym typeface="Arial" panose="020B0604020202020204" pitchFamily="34" charset="0"/>
+              </a:rPr>
+              <a:t>ER</a:t>
+            </a:r>
+            <a:r>
+              <a:rPr lang="zh-CN" altLang="en-US" sz="3200" dirty="0">
+                <a:latin typeface="+mn-ea"/>
+                <a:cs typeface="+mn-ea"/>
+                <a:sym typeface="Arial" panose="020B0604020202020204" pitchFamily="34" charset="0"/>
+              </a:rPr>
+              <a:t>图</a:t>
+            </a:r>
+            <a:endParaRPr lang="en-US" sz="3200" dirty="0">
+              <a:latin typeface="+mn-ea"/>
+              <a:cs typeface="+mn-ea"/>
+              <a:sym typeface="Arial" panose="020B0604020202020204" pitchFamily="34" charset="0"/>
+            </a:endParaRPr>
+          </a:p>
+        </p:txBody>
+      </p:sp>
+      <p:pic>
+        <p:nvPicPr>
+          <p:cNvPr id="8" name="图片 7">
+            <a:extLst>
+              <a:ext uri="{FF2B5EF4-FFF2-40B4-BE49-F238E27FC236}">
+                <a16:creationId xmlns:a16="http://schemas.microsoft.com/office/drawing/2014/main" id="{85D74427-71E8-4E50-BCED-864D2C9645E4}"/>
+              </a:ext>
+            </a:extLst>
+          </p:cNvPr>
+          <p:cNvPicPr>
+            <a:picLocks noChangeAspect="1"/>
+          </p:cNvPicPr>
+          <p:nvPr/>
+        </p:nvPicPr>
+        <p:blipFill>
+          <a:blip r:embed="rId2"/>
+          <a:stretch>
+            <a:fillRect/>
+          </a:stretch>
+        </p:blipFill>
+        <p:spPr>
+          <a:xfrm>
+            <a:off x="2618188" y="351088"/>
+            <a:ext cx="7314681" cy="6494707"/>
+          </a:xfrm>
+          <a:prstGeom prst="rect">
+            <a:avLst/>
+          </a:prstGeom>
+        </p:spPr>
+      </p:pic>
+    </p:spTree>
+    <p:extLst>
+      <p:ext uri="{BB962C8B-B14F-4D97-AF65-F5344CB8AC3E}">
+        <p14:creationId xmlns:p14="http://schemas.microsoft.com/office/powerpoint/2010/main" val="136936819"/>
+      </p:ext>
+    </p:extLst>
+  </p:cSld>
+  <p:clrMapOvr>
+    <a:masterClrMapping/>
+  </p:clrMapOvr>
+</p:sld>
+</file>
+
+<file path=ppt/slides/slide11.xml><?xml version="1.0" encoding="utf-8"?>
 <p:sld xmlns:a="http://schemas.openxmlformats.org/drawingml/2006/main" xmlns:r="http://schemas.openxmlformats.org/officeDocument/2006/relationships" xmlns:p="http://schemas.openxmlformats.org/presentationml/2006/main">
   <p:cSld>
     <p:spTree>
@@ -4964,723 +5453,6 @@
 </p:sld>
 </file>
 
-<file path=ppt/slides/slide11.xml><?xml version="1.0" encoding="utf-8"?>
-<p:sld xmlns:a="http://schemas.openxmlformats.org/drawingml/2006/main" xmlns:r="http://schemas.openxmlformats.org/officeDocument/2006/relationships" xmlns:p="http://schemas.openxmlformats.org/presentationml/2006/main">
-  <p:cSld>
-    <p:bg>
-      <p:bgPr>
-        <a:solidFill>
-          <a:schemeClr val="tx1"/>
-        </a:solidFill>
-        <a:effectLst/>
-      </p:bgPr>
-    </p:bg>
-    <p:spTree>
-      <p:nvGrpSpPr>
-        <p:cNvPr id="1" name=""/>
-        <p:cNvGrpSpPr/>
-        <p:nvPr/>
-      </p:nvGrpSpPr>
-      <p:grpSpPr>
-        <a:xfrm>
-          <a:off x="0" y="0"/>
-          <a:ext cx="0" cy="0"/>
-          <a:chOff x="0" y="0"/>
-          <a:chExt cx="0" cy="0"/>
-        </a:xfrm>
-      </p:grpSpPr>
-      <p:pic>
-        <p:nvPicPr>
-          <p:cNvPr id="3" name="图片 2">
-            <a:extLst>
-              <a:ext uri="{FF2B5EF4-FFF2-40B4-BE49-F238E27FC236}">
-                <a16:creationId xmlns:a16="http://schemas.microsoft.com/office/drawing/2014/main" id="{76E3653A-87E0-401E-BCD1-2063A19EA9AB}"/>
-              </a:ext>
-            </a:extLst>
-          </p:cNvPr>
-          <p:cNvPicPr>
-            <a:picLocks noChangeAspect="1"/>
-          </p:cNvPicPr>
-          <p:nvPr/>
-        </p:nvPicPr>
-        <p:blipFill>
-          <a:blip r:embed="rId2" cstate="print">
-            <a:extLst>
-              <a:ext uri="{28A0092B-C50C-407E-A947-70E740481C1C}">
-                <a14:useLocalDpi xmlns:a14="http://schemas.microsoft.com/office/drawing/2010/main" val="0"/>
-              </a:ext>
-            </a:extLst>
-          </a:blip>
-          <a:stretch>
-            <a:fillRect/>
-          </a:stretch>
-        </p:blipFill>
-        <p:spPr>
-          <a:xfrm>
-            <a:off x="3621063" y="598250"/>
-            <a:ext cx="2592288" cy="5610363"/>
-          </a:xfrm>
-          <a:prstGeom prst="rect">
-            <a:avLst/>
-          </a:prstGeom>
-        </p:spPr>
-      </p:pic>
-      <p:sp>
-        <p:nvSpPr>
-          <p:cNvPr id="5" name="椭圆 4">
-            <a:extLst>
-              <a:ext uri="{FF2B5EF4-FFF2-40B4-BE49-F238E27FC236}">
-                <a16:creationId xmlns:a16="http://schemas.microsoft.com/office/drawing/2014/main" id="{F1E17BAF-219F-45C1-AE09-47D140557B75}"/>
-              </a:ext>
-            </a:extLst>
-          </p:cNvPr>
-          <p:cNvSpPr/>
-          <p:nvPr/>
-        </p:nvSpPr>
-        <p:spPr>
-          <a:xfrm>
-            <a:off x="532958" y="327049"/>
-            <a:ext cx="367982" cy="367982"/>
-          </a:xfrm>
-          <a:prstGeom prst="ellipse">
-            <a:avLst/>
-          </a:prstGeom>
-          <a:solidFill>
-            <a:schemeClr val="bg1"/>
-          </a:solidFill>
-          <a:ln>
-            <a:noFill/>
-          </a:ln>
-          <a:effectLst>
-            <a:outerShdw blurRad="127000" dist="76200" dir="2700000" algn="tl" rotWithShape="0">
-              <a:prstClr val="black">
-                <a:alpha val="40000"/>
-              </a:prstClr>
-            </a:outerShdw>
-          </a:effectLst>
-        </p:spPr>
-        <p:style>
-          <a:lnRef idx="2">
-            <a:schemeClr val="accent1">
-              <a:shade val="50000"/>
-            </a:schemeClr>
-          </a:lnRef>
-          <a:fillRef idx="1">
-            <a:schemeClr val="accent1"/>
-          </a:fillRef>
-          <a:effectRef idx="0">
-            <a:schemeClr val="accent1"/>
-          </a:effectRef>
-          <a:fontRef idx="minor">
-            <a:schemeClr val="lt1"/>
-          </a:fontRef>
-        </p:style>
-        <p:txBody>
-          <a:bodyPr rtlCol="0" anchor="ctr"/>
-          <a:lstStyle/>
-          <a:p>
-            <a:pPr algn="ctr"/>
-            <a:endParaRPr lang="zh-CN" altLang="en-US">
-              <a:solidFill>
-                <a:schemeClr val="accent2">
-                  <a:lumMod val="75000"/>
-                </a:schemeClr>
-              </a:solidFill>
-              <a:latin typeface="Arial" panose="020B0604020202020204" pitchFamily="34" charset="0"/>
-              <a:ea typeface="微软雅黑" panose="020B0503020204020204" pitchFamily="34" charset="-122"/>
-              <a:sym typeface="Arial" panose="020B0604020202020204" pitchFamily="34" charset="0"/>
-            </a:endParaRPr>
-          </a:p>
-        </p:txBody>
-      </p:sp>
-      <p:sp>
-        <p:nvSpPr>
-          <p:cNvPr id="7" name="椭圆 6">
-            <a:extLst>
-              <a:ext uri="{FF2B5EF4-FFF2-40B4-BE49-F238E27FC236}">
-                <a16:creationId xmlns:a16="http://schemas.microsoft.com/office/drawing/2014/main" id="{4966F4C6-FF98-46EB-9A27-78A113B51EF7}"/>
-              </a:ext>
-            </a:extLst>
-          </p:cNvPr>
-          <p:cNvSpPr/>
-          <p:nvPr/>
-        </p:nvSpPr>
-        <p:spPr>
-          <a:xfrm>
-            <a:off x="800016" y="327049"/>
-            <a:ext cx="201847" cy="201847"/>
-          </a:xfrm>
-          <a:prstGeom prst="ellipse">
-            <a:avLst/>
-          </a:prstGeom>
-          <a:solidFill>
-            <a:schemeClr val="bg1">
-              <a:lumMod val="95000"/>
-            </a:schemeClr>
-          </a:solidFill>
-          <a:ln>
-            <a:noFill/>
-          </a:ln>
-          <a:effectLst>
-            <a:outerShdw blurRad="127000" dist="76200" dir="2700000" algn="tl" rotWithShape="0">
-              <a:prstClr val="black">
-                <a:alpha val="40000"/>
-              </a:prstClr>
-            </a:outerShdw>
-          </a:effectLst>
-        </p:spPr>
-        <p:style>
-          <a:lnRef idx="2">
-            <a:schemeClr val="accent1">
-              <a:shade val="50000"/>
-            </a:schemeClr>
-          </a:lnRef>
-          <a:fillRef idx="1">
-            <a:schemeClr val="accent1"/>
-          </a:fillRef>
-          <a:effectRef idx="0">
-            <a:schemeClr val="accent1"/>
-          </a:effectRef>
-          <a:fontRef idx="minor">
-            <a:schemeClr val="lt1"/>
-          </a:fontRef>
-        </p:style>
-        <p:txBody>
-          <a:bodyPr rtlCol="0" anchor="ctr"/>
-          <a:lstStyle/>
-          <a:p>
-            <a:pPr algn="ctr"/>
-            <a:endParaRPr lang="zh-CN" altLang="en-US">
-              <a:solidFill>
-                <a:schemeClr val="accent2">
-                  <a:lumMod val="75000"/>
-                </a:schemeClr>
-              </a:solidFill>
-              <a:latin typeface="Arial" panose="020B0604020202020204" pitchFamily="34" charset="0"/>
-              <a:ea typeface="微软雅黑" panose="020B0503020204020204" pitchFamily="34" charset="-122"/>
-              <a:sym typeface="Arial" panose="020B0604020202020204" pitchFamily="34" charset="0"/>
-            </a:endParaRPr>
-          </a:p>
-        </p:txBody>
-      </p:sp>
-      <p:sp>
-        <p:nvSpPr>
-          <p:cNvPr id="9" name="Content Placeholder 2">
-            <a:extLst>
-              <a:ext uri="{FF2B5EF4-FFF2-40B4-BE49-F238E27FC236}">
-                <a16:creationId xmlns:a16="http://schemas.microsoft.com/office/drawing/2014/main" id="{0670751B-BF73-4E45-980D-EE450ED5704C}"/>
-              </a:ext>
-            </a:extLst>
-          </p:cNvPr>
-          <p:cNvSpPr txBox="1">
-            <a:spLocks/>
-          </p:cNvSpPr>
-          <p:nvPr/>
-        </p:nvSpPr>
-        <p:spPr>
-          <a:xfrm>
-            <a:off x="1095236" y="242438"/>
-            <a:ext cx="3067050" cy="367982"/>
-          </a:xfrm>
-          <a:prstGeom prst="rect">
-            <a:avLst/>
-          </a:prstGeom>
-        </p:spPr>
-        <p:txBody>
-          <a:bodyPr vert="horz" lIns="96435" tIns="48218" rIns="96435" bIns="48218" rtlCol="0" anchor="t">
-            <a:noAutofit/>
-          </a:bodyPr>
-          <a:lstStyle>
-            <a:lvl1pPr marL="0" indent="0" algn="r" defTabSz="457200" rtl="0" eaLnBrk="1" latinLnBrk="0" hangingPunct="1">
-              <a:spcBef>
-                <a:spcPct val="20000"/>
-              </a:spcBef>
-              <a:spcAft>
-                <a:spcPts val="600"/>
-              </a:spcAft>
-              <a:buClr>
-                <a:schemeClr val="accent1">
-                  <a:lumMod val="75000"/>
-                </a:schemeClr>
-              </a:buClr>
-              <a:buSzPct val="145000"/>
-              <a:buFont typeface="Arial"/>
-              <a:buNone/>
-              <a:defRPr sz="2100" kern="1200" cap="none">
-                <a:solidFill>
-                  <a:schemeClr val="tx1"/>
-                </a:solidFill>
-                <a:effectLst/>
-                <a:latin typeface="+mn-lt"/>
-                <a:ea typeface="+mn-ea"/>
-                <a:cs typeface="+mn-cs"/>
-              </a:defRPr>
-            </a:lvl1pPr>
-            <a:lvl2pPr marL="457200" indent="0" algn="ctr" defTabSz="457200" rtl="0" eaLnBrk="1" latinLnBrk="0" hangingPunct="1">
-              <a:spcBef>
-                <a:spcPct val="20000"/>
-              </a:spcBef>
-              <a:spcAft>
-                <a:spcPts val="600"/>
-              </a:spcAft>
-              <a:buClr>
-                <a:schemeClr val="accent1">
-                  <a:lumMod val="75000"/>
-                </a:schemeClr>
-              </a:buClr>
-              <a:buSzPct val="145000"/>
-              <a:buFont typeface="Arial"/>
-              <a:buNone/>
-              <a:defRPr sz="2000" kern="1200" cap="none">
-                <a:solidFill>
-                  <a:schemeClr val="tx1">
-                    <a:tint val="75000"/>
-                  </a:schemeClr>
-                </a:solidFill>
-                <a:effectLst/>
-                <a:latin typeface="+mn-lt"/>
-                <a:ea typeface="+mn-ea"/>
-                <a:cs typeface="+mn-cs"/>
-              </a:defRPr>
-            </a:lvl2pPr>
-            <a:lvl3pPr marL="914400" indent="0" algn="ctr" defTabSz="457200" rtl="0" eaLnBrk="1" latinLnBrk="0" hangingPunct="1">
-              <a:spcBef>
-                <a:spcPct val="20000"/>
-              </a:spcBef>
-              <a:spcAft>
-                <a:spcPts val="600"/>
-              </a:spcAft>
-              <a:buClr>
-                <a:schemeClr val="accent1">
-                  <a:lumMod val="75000"/>
-                </a:schemeClr>
-              </a:buClr>
-              <a:buSzPct val="145000"/>
-              <a:buFont typeface="Arial"/>
-              <a:buNone/>
-              <a:defRPr sz="1800" kern="1200" cap="none">
-                <a:solidFill>
-                  <a:schemeClr val="tx1">
-                    <a:tint val="75000"/>
-                  </a:schemeClr>
-                </a:solidFill>
-                <a:effectLst/>
-                <a:latin typeface="+mn-lt"/>
-                <a:ea typeface="+mn-ea"/>
-                <a:cs typeface="+mn-cs"/>
-              </a:defRPr>
-            </a:lvl3pPr>
-            <a:lvl4pPr marL="1371600" indent="0" algn="ctr" defTabSz="457200" rtl="0" eaLnBrk="1" latinLnBrk="0" hangingPunct="1">
-              <a:spcBef>
-                <a:spcPct val="20000"/>
-              </a:spcBef>
-              <a:spcAft>
-                <a:spcPts val="600"/>
-              </a:spcAft>
-              <a:buClr>
-                <a:schemeClr val="accent1">
-                  <a:lumMod val="75000"/>
-                </a:schemeClr>
-              </a:buClr>
-              <a:buSzPct val="145000"/>
-              <a:buFont typeface="Arial"/>
-              <a:buNone/>
-              <a:defRPr sz="1600" kern="1200" cap="none">
-                <a:solidFill>
-                  <a:schemeClr val="tx1">
-                    <a:tint val="75000"/>
-                  </a:schemeClr>
-                </a:solidFill>
-                <a:effectLst/>
-                <a:latin typeface="+mn-lt"/>
-                <a:ea typeface="+mn-ea"/>
-                <a:cs typeface="+mn-cs"/>
-              </a:defRPr>
-            </a:lvl4pPr>
-            <a:lvl5pPr marL="1828800" indent="0" algn="ctr" defTabSz="457200" rtl="0" eaLnBrk="1" latinLnBrk="0" hangingPunct="1">
-              <a:spcBef>
-                <a:spcPct val="20000"/>
-              </a:spcBef>
-              <a:spcAft>
-                <a:spcPts val="600"/>
-              </a:spcAft>
-              <a:buClr>
-                <a:schemeClr val="accent1">
-                  <a:lumMod val="75000"/>
-                </a:schemeClr>
-              </a:buClr>
-              <a:buSzPct val="145000"/>
-              <a:buFont typeface="Arial"/>
-              <a:buNone/>
-              <a:defRPr sz="1400" kern="1200" cap="none">
-                <a:solidFill>
-                  <a:schemeClr val="tx1">
-                    <a:tint val="75000"/>
-                  </a:schemeClr>
-                </a:solidFill>
-                <a:effectLst/>
-                <a:latin typeface="+mn-lt"/>
-                <a:ea typeface="+mn-ea"/>
-                <a:cs typeface="+mn-cs"/>
-              </a:defRPr>
-            </a:lvl5pPr>
-            <a:lvl6pPr marL="2286000" indent="0" algn="ctr" defTabSz="457200" rtl="0" eaLnBrk="1" latinLnBrk="0" hangingPunct="1">
-              <a:spcBef>
-                <a:spcPct val="20000"/>
-              </a:spcBef>
-              <a:spcAft>
-                <a:spcPts val="600"/>
-              </a:spcAft>
-              <a:buClr>
-                <a:schemeClr val="accent1">
-                  <a:lumMod val="75000"/>
-                </a:schemeClr>
-              </a:buClr>
-              <a:buSzPct val="145000"/>
-              <a:buFont typeface="Arial"/>
-              <a:buNone/>
-              <a:defRPr sz="1400" kern="1200" cap="none">
-                <a:solidFill>
-                  <a:schemeClr val="tx1">
-                    <a:tint val="75000"/>
-                  </a:schemeClr>
-                </a:solidFill>
-                <a:effectLst/>
-                <a:latin typeface="+mn-lt"/>
-                <a:ea typeface="+mn-ea"/>
-                <a:cs typeface="+mn-cs"/>
-              </a:defRPr>
-            </a:lvl6pPr>
-            <a:lvl7pPr marL="2743200" indent="0" algn="ctr" defTabSz="457200" rtl="0" eaLnBrk="1" latinLnBrk="0" hangingPunct="1">
-              <a:spcBef>
-                <a:spcPct val="20000"/>
-              </a:spcBef>
-              <a:spcAft>
-                <a:spcPts val="600"/>
-              </a:spcAft>
-              <a:buClr>
-                <a:schemeClr val="accent1">
-                  <a:lumMod val="75000"/>
-                </a:schemeClr>
-              </a:buClr>
-              <a:buSzPct val="145000"/>
-              <a:buFont typeface="Arial"/>
-              <a:buNone/>
-              <a:defRPr sz="1400" kern="1200" cap="none">
-                <a:solidFill>
-                  <a:schemeClr val="tx1">
-                    <a:tint val="75000"/>
-                  </a:schemeClr>
-                </a:solidFill>
-                <a:effectLst/>
-                <a:latin typeface="+mn-lt"/>
-                <a:ea typeface="+mn-ea"/>
-                <a:cs typeface="+mn-cs"/>
-              </a:defRPr>
-            </a:lvl7pPr>
-            <a:lvl8pPr marL="3200400" indent="0" algn="ctr" defTabSz="457200" rtl="0" eaLnBrk="1" latinLnBrk="0" hangingPunct="1">
-              <a:spcBef>
-                <a:spcPct val="20000"/>
-              </a:spcBef>
-              <a:spcAft>
-                <a:spcPts val="600"/>
-              </a:spcAft>
-              <a:buClr>
-                <a:schemeClr val="accent1">
-                  <a:lumMod val="75000"/>
-                </a:schemeClr>
-              </a:buClr>
-              <a:buSzPct val="145000"/>
-              <a:buFont typeface="Arial"/>
-              <a:buNone/>
-              <a:defRPr sz="1400" kern="1200" cap="none">
-                <a:solidFill>
-                  <a:schemeClr val="tx1">
-                    <a:tint val="75000"/>
-                  </a:schemeClr>
-                </a:solidFill>
-                <a:effectLst/>
-                <a:latin typeface="+mn-lt"/>
-                <a:ea typeface="+mn-ea"/>
-                <a:cs typeface="+mn-cs"/>
-              </a:defRPr>
-            </a:lvl8pPr>
-            <a:lvl9pPr marL="3657600" indent="0" algn="ctr" defTabSz="457200" rtl="0" eaLnBrk="1" latinLnBrk="0" hangingPunct="1">
-              <a:spcBef>
-                <a:spcPct val="20000"/>
-              </a:spcBef>
-              <a:spcAft>
-                <a:spcPts val="600"/>
-              </a:spcAft>
-              <a:buClr>
-                <a:schemeClr val="accent1">
-                  <a:lumMod val="75000"/>
-                </a:schemeClr>
-              </a:buClr>
-              <a:buSzPct val="145000"/>
-              <a:buFont typeface="Arial"/>
-              <a:buNone/>
-              <a:defRPr sz="1400" kern="1200" cap="none">
-                <a:solidFill>
-                  <a:schemeClr val="tx1">
-                    <a:tint val="75000"/>
-                  </a:schemeClr>
-                </a:solidFill>
-                <a:effectLst/>
-                <a:latin typeface="+mn-lt"/>
-                <a:ea typeface="+mn-ea"/>
-                <a:cs typeface="+mn-cs"/>
-              </a:defRPr>
-            </a:lvl9pPr>
-          </a:lstStyle>
-          <a:p>
-            <a:pPr algn="l"/>
-            <a:r>
-              <a:rPr lang="zh-CN" altLang="en-US" sz="3200" dirty="0">
-                <a:solidFill>
-                  <a:schemeClr val="bg1"/>
-                </a:solidFill>
-                <a:latin typeface="+mn-ea"/>
-                <a:cs typeface="+mn-ea"/>
-                <a:sym typeface="Arial" panose="020B0604020202020204" pitchFamily="34" charset="0"/>
-              </a:rPr>
-              <a:t>原型图（</a:t>
-            </a:r>
-            <a:r>
-              <a:rPr lang="en-US" altLang="zh-CN" sz="3200" dirty="0">
-                <a:solidFill>
-                  <a:schemeClr val="bg1"/>
-                </a:solidFill>
-                <a:latin typeface="+mn-ea"/>
-                <a:cs typeface="+mn-ea"/>
-                <a:sym typeface="Arial" panose="020B0604020202020204" pitchFamily="34" charset="0"/>
-              </a:rPr>
-              <a:t>1</a:t>
-            </a:r>
-            <a:r>
-              <a:rPr lang="zh-CN" altLang="en-US" sz="3200" dirty="0">
-                <a:solidFill>
-                  <a:schemeClr val="bg1"/>
-                </a:solidFill>
-                <a:latin typeface="+mn-ea"/>
-                <a:cs typeface="+mn-ea"/>
-                <a:sym typeface="Arial" panose="020B0604020202020204" pitchFamily="34" charset="0"/>
-              </a:rPr>
-              <a:t>）</a:t>
-            </a:r>
-            <a:endParaRPr lang="en-US" sz="3200" dirty="0">
-              <a:solidFill>
-                <a:schemeClr val="bg1"/>
-              </a:solidFill>
-              <a:latin typeface="+mn-ea"/>
-              <a:cs typeface="+mn-ea"/>
-              <a:sym typeface="Arial" panose="020B0604020202020204" pitchFamily="34" charset="0"/>
-            </a:endParaRPr>
-          </a:p>
-        </p:txBody>
-      </p:sp>
-      <p:sp>
-        <p:nvSpPr>
-          <p:cNvPr id="11" name="文本框 10">
-            <a:extLst>
-              <a:ext uri="{FF2B5EF4-FFF2-40B4-BE49-F238E27FC236}">
-                <a16:creationId xmlns:a16="http://schemas.microsoft.com/office/drawing/2014/main" id="{8A155DBB-8C31-4C91-AB69-550BAF33DAA5}"/>
-              </a:ext>
-            </a:extLst>
-          </p:cNvPr>
-          <p:cNvSpPr txBox="1"/>
-          <p:nvPr/>
-        </p:nvSpPr>
-        <p:spPr>
-          <a:xfrm>
-            <a:off x="4485159" y="6302107"/>
-            <a:ext cx="1440160" cy="338554"/>
-          </a:xfrm>
-          <a:prstGeom prst="rect">
-            <a:avLst/>
-          </a:prstGeom>
-          <a:noFill/>
-        </p:spPr>
-        <p:txBody>
-          <a:bodyPr wrap="square" rtlCol="0">
-            <a:spAutoFit/>
-          </a:bodyPr>
-          <a:lstStyle/>
-          <a:p>
-            <a:r>
-              <a:rPr lang="zh-CN" altLang="en-US" sz="1600" dirty="0">
-                <a:solidFill>
-                  <a:schemeClr val="bg1"/>
-                </a:solidFill>
-              </a:rPr>
-              <a:t>加载界面</a:t>
-            </a:r>
-          </a:p>
-        </p:txBody>
-      </p:sp>
-      <p:pic>
-        <p:nvPicPr>
-          <p:cNvPr id="13" name="图片 12">
-            <a:extLst>
-              <a:ext uri="{FF2B5EF4-FFF2-40B4-BE49-F238E27FC236}">
-                <a16:creationId xmlns:a16="http://schemas.microsoft.com/office/drawing/2014/main" id="{994CC349-6246-4395-AD3B-5553EC02F5D4}"/>
-              </a:ext>
-            </a:extLst>
-          </p:cNvPr>
-          <p:cNvPicPr>
-            <a:picLocks noChangeAspect="1"/>
-          </p:cNvPicPr>
-          <p:nvPr/>
-        </p:nvPicPr>
-        <p:blipFill>
-          <a:blip r:embed="rId3" cstate="print">
-            <a:extLst>
-              <a:ext uri="{28A0092B-C50C-407E-A947-70E740481C1C}">
-                <a14:useLocalDpi xmlns:a14="http://schemas.microsoft.com/office/drawing/2010/main" val="0"/>
-              </a:ext>
-            </a:extLst>
-          </a:blip>
-          <a:stretch>
-            <a:fillRect/>
-          </a:stretch>
-        </p:blipFill>
-        <p:spPr>
-          <a:xfrm>
-            <a:off x="6862738" y="598249"/>
-            <a:ext cx="2592289" cy="5610364"/>
-          </a:xfrm>
-          <a:prstGeom prst="rect">
-            <a:avLst/>
-          </a:prstGeom>
-        </p:spPr>
-      </p:pic>
-      <p:sp>
-        <p:nvSpPr>
-          <p:cNvPr id="15" name="文本框 14">
-            <a:extLst>
-              <a:ext uri="{FF2B5EF4-FFF2-40B4-BE49-F238E27FC236}">
-                <a16:creationId xmlns:a16="http://schemas.microsoft.com/office/drawing/2014/main" id="{8F586243-1AE7-4C52-B943-67E8DCDD9B8D}"/>
-              </a:ext>
-            </a:extLst>
-          </p:cNvPr>
-          <p:cNvSpPr txBox="1"/>
-          <p:nvPr/>
-        </p:nvSpPr>
-        <p:spPr>
-          <a:xfrm>
-            <a:off x="7270802" y="6302107"/>
-            <a:ext cx="1989554" cy="338554"/>
-          </a:xfrm>
-          <a:prstGeom prst="rect">
-            <a:avLst/>
-          </a:prstGeom>
-          <a:noFill/>
-        </p:spPr>
-        <p:txBody>
-          <a:bodyPr wrap="square" rtlCol="0">
-            <a:spAutoFit/>
-          </a:bodyPr>
-          <a:lstStyle/>
-          <a:p>
-            <a:r>
-              <a:rPr lang="zh-CN" altLang="en-US" sz="1600" dirty="0">
-                <a:solidFill>
-                  <a:schemeClr val="bg1"/>
-                </a:solidFill>
-              </a:rPr>
-              <a:t>账号密码登录界面</a:t>
-            </a:r>
-          </a:p>
-        </p:txBody>
-      </p:sp>
-      <p:sp>
-        <p:nvSpPr>
-          <p:cNvPr id="19" name="文本框 18">
-            <a:extLst>
-              <a:ext uri="{FF2B5EF4-FFF2-40B4-BE49-F238E27FC236}">
-                <a16:creationId xmlns:a16="http://schemas.microsoft.com/office/drawing/2014/main" id="{F90160AD-61C3-4701-B2C6-00FADFEFFFF4}"/>
-              </a:ext>
-            </a:extLst>
-          </p:cNvPr>
-          <p:cNvSpPr txBox="1"/>
-          <p:nvPr/>
-        </p:nvSpPr>
-        <p:spPr>
-          <a:xfrm>
-            <a:off x="10605839" y="6302107"/>
-            <a:ext cx="1800201" cy="338554"/>
-          </a:xfrm>
-          <a:prstGeom prst="rect">
-            <a:avLst/>
-          </a:prstGeom>
-          <a:noFill/>
-        </p:spPr>
-        <p:txBody>
-          <a:bodyPr wrap="square" rtlCol="0">
-            <a:spAutoFit/>
-          </a:bodyPr>
-          <a:lstStyle/>
-          <a:p>
-            <a:r>
-              <a:rPr lang="zh-CN" altLang="en-US" sz="1600" dirty="0">
-                <a:solidFill>
-                  <a:schemeClr val="bg1"/>
-                </a:solidFill>
-              </a:rPr>
-              <a:t>手机号登录界面</a:t>
-            </a:r>
-          </a:p>
-        </p:txBody>
-      </p:sp>
-      <p:pic>
-        <p:nvPicPr>
-          <p:cNvPr id="23" name="图片 22">
-            <a:extLst>
-              <a:ext uri="{FF2B5EF4-FFF2-40B4-BE49-F238E27FC236}">
-                <a16:creationId xmlns:a16="http://schemas.microsoft.com/office/drawing/2014/main" id="{48649BD0-671A-46F8-9C26-B32120DA0B69}"/>
-              </a:ext>
-            </a:extLst>
-          </p:cNvPr>
-          <p:cNvPicPr>
-            <a:picLocks noChangeAspect="1"/>
-          </p:cNvPicPr>
-          <p:nvPr/>
-        </p:nvPicPr>
-        <p:blipFill>
-          <a:blip r:embed="rId4" cstate="print">
-            <a:extLst>
-              <a:ext uri="{28A0092B-C50C-407E-A947-70E740481C1C}">
-                <a14:useLocalDpi xmlns:a14="http://schemas.microsoft.com/office/drawing/2010/main" val="0"/>
-              </a:ext>
-            </a:extLst>
-          </a:blip>
-          <a:stretch>
-            <a:fillRect/>
-          </a:stretch>
-        </p:blipFill>
-        <p:spPr>
-          <a:xfrm>
-            <a:off x="10029775" y="598248"/>
-            <a:ext cx="2592289" cy="5610365"/>
-          </a:xfrm>
-          <a:prstGeom prst="rect">
-            <a:avLst/>
-          </a:prstGeom>
-        </p:spPr>
-      </p:pic>
-    </p:spTree>
-    <p:extLst>
-      <p:ext uri="{BB962C8B-B14F-4D97-AF65-F5344CB8AC3E}">
-        <p14:creationId xmlns:p14="http://schemas.microsoft.com/office/powerpoint/2010/main" val="1419111281"/>
-      </p:ext>
-    </p:extLst>
-  </p:cSld>
-  <p:clrMapOvr>
-    <a:masterClrMapping/>
-  </p:clrMapOvr>
-</p:sld>
-</file>
-
 <file path=ppt/slides/slide12.xml><?xml version="1.0" encoding="utf-8"?>
 <p:sld xmlns:a="http://schemas.openxmlformats.org/drawingml/2006/main" xmlns:r="http://schemas.openxmlformats.org/officeDocument/2006/relationships" xmlns:p="http://schemas.openxmlformats.org/presentationml/2006/main">
   <p:cSld>
@@ -6125,746 +5897,7 @@
                 <a:cs typeface="+mn-ea"/>
                 <a:sym typeface="Arial" panose="020B0604020202020204" pitchFamily="34" charset="0"/>
               </a:rPr>
-              <a:t>原型图（</a:t>
-            </a:r>
-            <a:r>
-              <a:rPr lang="en-US" altLang="zh-CN" sz="3200" dirty="0">
-                <a:solidFill>
-                  <a:schemeClr val="bg1"/>
-                </a:solidFill>
-                <a:latin typeface="+mn-ea"/>
-                <a:cs typeface="+mn-ea"/>
-                <a:sym typeface="Arial" panose="020B0604020202020204" pitchFamily="34" charset="0"/>
-              </a:rPr>
-              <a:t>2</a:t>
-            </a:r>
-            <a:r>
-              <a:rPr lang="zh-CN" altLang="en-US" sz="3200" dirty="0">
-                <a:solidFill>
-                  <a:schemeClr val="bg1"/>
-                </a:solidFill>
-                <a:latin typeface="+mn-ea"/>
-                <a:cs typeface="+mn-ea"/>
-                <a:sym typeface="Arial" panose="020B0604020202020204" pitchFamily="34" charset="0"/>
-              </a:rPr>
-              <a:t>）</a:t>
-            </a:r>
-            <a:endParaRPr lang="en-US" sz="3200" dirty="0">
-              <a:solidFill>
-                <a:schemeClr val="bg1"/>
-              </a:solidFill>
-              <a:latin typeface="+mn-ea"/>
-              <a:cs typeface="+mn-ea"/>
-              <a:sym typeface="Arial" panose="020B0604020202020204" pitchFamily="34" charset="0"/>
-            </a:endParaRPr>
-          </a:p>
-        </p:txBody>
-      </p:sp>
-      <p:sp>
-        <p:nvSpPr>
-          <p:cNvPr id="11" name="文本框 10">
-            <a:extLst>
-              <a:ext uri="{FF2B5EF4-FFF2-40B4-BE49-F238E27FC236}">
-                <a16:creationId xmlns:a16="http://schemas.microsoft.com/office/drawing/2014/main" id="{8A155DBB-8C31-4C91-AB69-550BAF33DAA5}"/>
-              </a:ext>
-            </a:extLst>
-          </p:cNvPr>
-          <p:cNvSpPr txBox="1"/>
-          <p:nvPr/>
-        </p:nvSpPr>
-        <p:spPr>
-          <a:xfrm>
-            <a:off x="4076151" y="6302107"/>
-            <a:ext cx="1709524" cy="338554"/>
-          </a:xfrm>
-          <a:prstGeom prst="rect">
-            <a:avLst/>
-          </a:prstGeom>
-          <a:noFill/>
-        </p:spPr>
-        <p:txBody>
-          <a:bodyPr wrap="square" rtlCol="0">
-            <a:spAutoFit/>
-          </a:bodyPr>
-          <a:lstStyle/>
-          <a:p>
-            <a:r>
-              <a:rPr lang="zh-CN" altLang="en-US" sz="1600" dirty="0">
-                <a:solidFill>
-                  <a:schemeClr val="bg1"/>
-                </a:solidFill>
-              </a:rPr>
-              <a:t>手机号注册界面</a:t>
-            </a:r>
-          </a:p>
-        </p:txBody>
-      </p:sp>
-      <p:sp>
-        <p:nvSpPr>
-          <p:cNvPr id="15" name="文本框 14">
-            <a:extLst>
-              <a:ext uri="{FF2B5EF4-FFF2-40B4-BE49-F238E27FC236}">
-                <a16:creationId xmlns:a16="http://schemas.microsoft.com/office/drawing/2014/main" id="{8F586243-1AE7-4C52-B943-67E8DCDD9B8D}"/>
-              </a:ext>
-            </a:extLst>
-          </p:cNvPr>
-          <p:cNvSpPr txBox="1"/>
-          <p:nvPr/>
-        </p:nvSpPr>
-        <p:spPr>
-          <a:xfrm>
-            <a:off x="7680181" y="6302107"/>
-            <a:ext cx="1440160" cy="338554"/>
-          </a:xfrm>
-          <a:prstGeom prst="rect">
-            <a:avLst/>
-          </a:prstGeom>
-          <a:noFill/>
-        </p:spPr>
-        <p:txBody>
-          <a:bodyPr wrap="square" rtlCol="0">
-            <a:spAutoFit/>
-          </a:bodyPr>
-          <a:lstStyle/>
-          <a:p>
-            <a:r>
-              <a:rPr lang="zh-CN" altLang="en-US" sz="1600" dirty="0">
-                <a:solidFill>
-                  <a:schemeClr val="bg1"/>
-                </a:solidFill>
-              </a:rPr>
-              <a:t>设置密码</a:t>
-            </a:r>
-          </a:p>
-        </p:txBody>
-      </p:sp>
-      <p:sp>
-        <p:nvSpPr>
-          <p:cNvPr id="19" name="文本框 18">
-            <a:extLst>
-              <a:ext uri="{FF2B5EF4-FFF2-40B4-BE49-F238E27FC236}">
-                <a16:creationId xmlns:a16="http://schemas.microsoft.com/office/drawing/2014/main" id="{F90160AD-61C3-4701-B2C6-00FADFEFFFF4}"/>
-              </a:ext>
-            </a:extLst>
-          </p:cNvPr>
-          <p:cNvSpPr txBox="1"/>
-          <p:nvPr/>
-        </p:nvSpPr>
-        <p:spPr>
-          <a:xfrm>
-            <a:off x="10893871" y="6302107"/>
-            <a:ext cx="1800201" cy="338554"/>
-          </a:xfrm>
-          <a:prstGeom prst="rect">
-            <a:avLst/>
-          </a:prstGeom>
-          <a:noFill/>
-        </p:spPr>
-        <p:txBody>
-          <a:bodyPr wrap="square" rtlCol="0">
-            <a:spAutoFit/>
-          </a:bodyPr>
-          <a:lstStyle/>
-          <a:p>
-            <a:r>
-              <a:rPr lang="zh-CN" altLang="en-US" sz="1600" dirty="0">
-                <a:solidFill>
-                  <a:schemeClr val="bg1"/>
-                </a:solidFill>
-              </a:rPr>
-              <a:t>忘记密码</a:t>
-            </a:r>
-          </a:p>
-        </p:txBody>
-      </p:sp>
-      <p:pic>
-        <p:nvPicPr>
-          <p:cNvPr id="4" name="图片 3">
-            <a:extLst>
-              <a:ext uri="{FF2B5EF4-FFF2-40B4-BE49-F238E27FC236}">
-                <a16:creationId xmlns:a16="http://schemas.microsoft.com/office/drawing/2014/main" id="{5E6A24DF-9924-4DF3-9753-A0FB5D1B2857}"/>
-              </a:ext>
-            </a:extLst>
-          </p:cNvPr>
-          <p:cNvPicPr>
-            <a:picLocks noChangeAspect="1"/>
-          </p:cNvPicPr>
-          <p:nvPr/>
-        </p:nvPicPr>
-        <p:blipFill>
-          <a:blip r:embed="rId2" cstate="print">
-            <a:extLst>
-              <a:ext uri="{28A0092B-C50C-407E-A947-70E740481C1C}">
-                <a14:useLocalDpi xmlns:a14="http://schemas.microsoft.com/office/drawing/2010/main" val="0"/>
-              </a:ext>
-            </a:extLst>
-          </a:blip>
-          <a:stretch>
-            <a:fillRect/>
-          </a:stretch>
-        </p:blipFill>
-        <p:spPr>
-          <a:xfrm>
-            <a:off x="3621063" y="538924"/>
-            <a:ext cx="2619700" cy="5669689"/>
-          </a:xfrm>
-          <a:prstGeom prst="rect">
-            <a:avLst/>
-          </a:prstGeom>
-        </p:spPr>
-      </p:pic>
-      <p:pic>
-        <p:nvPicPr>
-          <p:cNvPr id="8" name="图片 7">
-            <a:extLst>
-              <a:ext uri="{FF2B5EF4-FFF2-40B4-BE49-F238E27FC236}">
-                <a16:creationId xmlns:a16="http://schemas.microsoft.com/office/drawing/2014/main" id="{B170DA85-FBF4-4996-BF8D-938089D3F299}"/>
-              </a:ext>
-            </a:extLst>
-          </p:cNvPr>
-          <p:cNvPicPr>
-            <a:picLocks noChangeAspect="1"/>
-          </p:cNvPicPr>
-          <p:nvPr/>
-        </p:nvPicPr>
-        <p:blipFill>
-          <a:blip r:embed="rId3" cstate="print">
-            <a:extLst>
-              <a:ext uri="{28A0092B-C50C-407E-A947-70E740481C1C}">
-                <a14:useLocalDpi xmlns:a14="http://schemas.microsoft.com/office/drawing/2010/main" val="0"/>
-              </a:ext>
-            </a:extLst>
-          </a:blip>
-          <a:stretch>
-            <a:fillRect/>
-          </a:stretch>
-        </p:blipFill>
-        <p:spPr>
-          <a:xfrm>
-            <a:off x="6789415" y="542565"/>
-            <a:ext cx="2619701" cy="5669690"/>
-          </a:xfrm>
-          <a:prstGeom prst="rect">
-            <a:avLst/>
-          </a:prstGeom>
-        </p:spPr>
-      </p:pic>
-      <p:pic>
-        <p:nvPicPr>
-          <p:cNvPr id="16" name="图片 15">
-            <a:extLst>
-              <a:ext uri="{FF2B5EF4-FFF2-40B4-BE49-F238E27FC236}">
-                <a16:creationId xmlns:a16="http://schemas.microsoft.com/office/drawing/2014/main" id="{61A66C95-C8D4-45EF-BB5E-64BECEDD680B}"/>
-              </a:ext>
-            </a:extLst>
-          </p:cNvPr>
-          <p:cNvPicPr>
-            <a:picLocks noChangeAspect="1"/>
-          </p:cNvPicPr>
-          <p:nvPr/>
-        </p:nvPicPr>
-        <p:blipFill>
-          <a:blip r:embed="rId4" cstate="print">
-            <a:extLst>
-              <a:ext uri="{28A0092B-C50C-407E-A947-70E740481C1C}">
-                <a14:useLocalDpi xmlns:a14="http://schemas.microsoft.com/office/drawing/2010/main" val="0"/>
-              </a:ext>
-            </a:extLst>
-          </a:blip>
-          <a:stretch>
-            <a:fillRect/>
-          </a:stretch>
-        </p:blipFill>
-        <p:spPr>
-          <a:xfrm>
-            <a:off x="9980003" y="538923"/>
-            <a:ext cx="2619701" cy="5669690"/>
-          </a:xfrm>
-          <a:prstGeom prst="rect">
-            <a:avLst/>
-          </a:prstGeom>
-        </p:spPr>
-      </p:pic>
-    </p:spTree>
-    <p:extLst>
-      <p:ext uri="{BB962C8B-B14F-4D97-AF65-F5344CB8AC3E}">
-        <p14:creationId xmlns:p14="http://schemas.microsoft.com/office/powerpoint/2010/main" val="705767148"/>
-      </p:ext>
-    </p:extLst>
-  </p:cSld>
-  <p:clrMapOvr>
-    <a:masterClrMapping/>
-  </p:clrMapOvr>
-</p:sld>
-</file>
-
-<file path=ppt/slides/slide13.xml><?xml version="1.0" encoding="utf-8"?>
-<p:sld xmlns:a="http://schemas.openxmlformats.org/drawingml/2006/main" xmlns:r="http://schemas.openxmlformats.org/officeDocument/2006/relationships" xmlns:p="http://schemas.openxmlformats.org/presentationml/2006/main">
-  <p:cSld>
-    <p:bg>
-      <p:bgPr>
-        <a:solidFill>
-          <a:schemeClr val="tx1"/>
-        </a:solidFill>
-        <a:effectLst/>
-      </p:bgPr>
-    </p:bg>
-    <p:spTree>
-      <p:nvGrpSpPr>
-        <p:cNvPr id="1" name=""/>
-        <p:cNvGrpSpPr/>
-        <p:nvPr/>
-      </p:nvGrpSpPr>
-      <p:grpSpPr>
-        <a:xfrm>
-          <a:off x="0" y="0"/>
-          <a:ext cx="0" cy="0"/>
-          <a:chOff x="0" y="0"/>
-          <a:chExt cx="0" cy="0"/>
-        </a:xfrm>
-      </p:grpSpPr>
-      <p:sp>
-        <p:nvSpPr>
-          <p:cNvPr id="5" name="椭圆 4">
-            <a:extLst>
-              <a:ext uri="{FF2B5EF4-FFF2-40B4-BE49-F238E27FC236}">
-                <a16:creationId xmlns:a16="http://schemas.microsoft.com/office/drawing/2014/main" id="{F1E17BAF-219F-45C1-AE09-47D140557B75}"/>
-              </a:ext>
-            </a:extLst>
-          </p:cNvPr>
-          <p:cNvSpPr/>
-          <p:nvPr/>
-        </p:nvSpPr>
-        <p:spPr>
-          <a:xfrm>
-            <a:off x="532958" y="327049"/>
-            <a:ext cx="367982" cy="367982"/>
-          </a:xfrm>
-          <a:prstGeom prst="ellipse">
-            <a:avLst/>
-          </a:prstGeom>
-          <a:solidFill>
-            <a:schemeClr val="bg1"/>
-          </a:solidFill>
-          <a:ln>
-            <a:noFill/>
-          </a:ln>
-          <a:effectLst>
-            <a:outerShdw blurRad="127000" dist="76200" dir="2700000" algn="tl" rotWithShape="0">
-              <a:prstClr val="black">
-                <a:alpha val="40000"/>
-              </a:prstClr>
-            </a:outerShdw>
-          </a:effectLst>
-        </p:spPr>
-        <p:style>
-          <a:lnRef idx="2">
-            <a:schemeClr val="accent1">
-              <a:shade val="50000"/>
-            </a:schemeClr>
-          </a:lnRef>
-          <a:fillRef idx="1">
-            <a:schemeClr val="accent1"/>
-          </a:fillRef>
-          <a:effectRef idx="0">
-            <a:schemeClr val="accent1"/>
-          </a:effectRef>
-          <a:fontRef idx="minor">
-            <a:schemeClr val="lt1"/>
-          </a:fontRef>
-        </p:style>
-        <p:txBody>
-          <a:bodyPr rtlCol="0" anchor="ctr"/>
-          <a:lstStyle/>
-          <a:p>
-            <a:pPr algn="ctr"/>
-            <a:endParaRPr lang="zh-CN" altLang="en-US">
-              <a:solidFill>
-                <a:schemeClr val="accent2">
-                  <a:lumMod val="75000"/>
-                </a:schemeClr>
-              </a:solidFill>
-              <a:latin typeface="Arial" panose="020B0604020202020204" pitchFamily="34" charset="0"/>
-              <a:ea typeface="微软雅黑" panose="020B0503020204020204" pitchFamily="34" charset="-122"/>
-              <a:sym typeface="Arial" panose="020B0604020202020204" pitchFamily="34" charset="0"/>
-            </a:endParaRPr>
-          </a:p>
-        </p:txBody>
-      </p:sp>
-      <p:sp>
-        <p:nvSpPr>
-          <p:cNvPr id="7" name="椭圆 6">
-            <a:extLst>
-              <a:ext uri="{FF2B5EF4-FFF2-40B4-BE49-F238E27FC236}">
-                <a16:creationId xmlns:a16="http://schemas.microsoft.com/office/drawing/2014/main" id="{4966F4C6-FF98-46EB-9A27-78A113B51EF7}"/>
-              </a:ext>
-            </a:extLst>
-          </p:cNvPr>
-          <p:cNvSpPr/>
-          <p:nvPr/>
-        </p:nvSpPr>
-        <p:spPr>
-          <a:xfrm>
-            <a:off x="800016" y="327049"/>
-            <a:ext cx="201847" cy="201847"/>
-          </a:xfrm>
-          <a:prstGeom prst="ellipse">
-            <a:avLst/>
-          </a:prstGeom>
-          <a:solidFill>
-            <a:schemeClr val="bg1">
-              <a:lumMod val="95000"/>
-            </a:schemeClr>
-          </a:solidFill>
-          <a:ln>
-            <a:noFill/>
-          </a:ln>
-          <a:effectLst>
-            <a:outerShdw blurRad="127000" dist="76200" dir="2700000" algn="tl" rotWithShape="0">
-              <a:prstClr val="black">
-                <a:alpha val="40000"/>
-              </a:prstClr>
-            </a:outerShdw>
-          </a:effectLst>
-        </p:spPr>
-        <p:style>
-          <a:lnRef idx="2">
-            <a:schemeClr val="accent1">
-              <a:shade val="50000"/>
-            </a:schemeClr>
-          </a:lnRef>
-          <a:fillRef idx="1">
-            <a:schemeClr val="accent1"/>
-          </a:fillRef>
-          <a:effectRef idx="0">
-            <a:schemeClr val="accent1"/>
-          </a:effectRef>
-          <a:fontRef idx="minor">
-            <a:schemeClr val="lt1"/>
-          </a:fontRef>
-        </p:style>
-        <p:txBody>
-          <a:bodyPr rtlCol="0" anchor="ctr"/>
-          <a:lstStyle/>
-          <a:p>
-            <a:pPr algn="ctr"/>
-            <a:endParaRPr lang="zh-CN" altLang="en-US">
-              <a:solidFill>
-                <a:schemeClr val="accent2">
-                  <a:lumMod val="75000"/>
-                </a:schemeClr>
-              </a:solidFill>
-              <a:latin typeface="Arial" panose="020B0604020202020204" pitchFamily="34" charset="0"/>
-              <a:ea typeface="微软雅黑" panose="020B0503020204020204" pitchFamily="34" charset="-122"/>
-              <a:sym typeface="Arial" panose="020B0604020202020204" pitchFamily="34" charset="0"/>
-            </a:endParaRPr>
-          </a:p>
-        </p:txBody>
-      </p:sp>
-      <p:sp>
-        <p:nvSpPr>
-          <p:cNvPr id="9" name="Content Placeholder 2">
-            <a:extLst>
-              <a:ext uri="{FF2B5EF4-FFF2-40B4-BE49-F238E27FC236}">
-                <a16:creationId xmlns:a16="http://schemas.microsoft.com/office/drawing/2014/main" id="{0670751B-BF73-4E45-980D-EE450ED5704C}"/>
-              </a:ext>
-            </a:extLst>
-          </p:cNvPr>
-          <p:cNvSpPr txBox="1">
-            <a:spLocks/>
-          </p:cNvSpPr>
-          <p:nvPr/>
-        </p:nvSpPr>
-        <p:spPr>
-          <a:xfrm>
-            <a:off x="1095236" y="242438"/>
-            <a:ext cx="3067050" cy="367982"/>
-          </a:xfrm>
-          <a:prstGeom prst="rect">
-            <a:avLst/>
-          </a:prstGeom>
-        </p:spPr>
-        <p:txBody>
-          <a:bodyPr vert="horz" lIns="96435" tIns="48218" rIns="96435" bIns="48218" rtlCol="0" anchor="t">
-            <a:noAutofit/>
-          </a:bodyPr>
-          <a:lstStyle>
-            <a:lvl1pPr marL="0" indent="0" algn="r" defTabSz="457200" rtl="0" eaLnBrk="1" latinLnBrk="0" hangingPunct="1">
-              <a:spcBef>
-                <a:spcPct val="20000"/>
-              </a:spcBef>
-              <a:spcAft>
-                <a:spcPts val="600"/>
-              </a:spcAft>
-              <a:buClr>
-                <a:schemeClr val="accent1">
-                  <a:lumMod val="75000"/>
-                </a:schemeClr>
-              </a:buClr>
-              <a:buSzPct val="145000"/>
-              <a:buFont typeface="Arial"/>
-              <a:buNone/>
-              <a:defRPr sz="2100" kern="1200" cap="none">
-                <a:solidFill>
-                  <a:schemeClr val="tx1"/>
-                </a:solidFill>
-                <a:effectLst/>
-                <a:latin typeface="+mn-lt"/>
-                <a:ea typeface="+mn-ea"/>
-                <a:cs typeface="+mn-cs"/>
-              </a:defRPr>
-            </a:lvl1pPr>
-            <a:lvl2pPr marL="457200" indent="0" algn="ctr" defTabSz="457200" rtl="0" eaLnBrk="1" latinLnBrk="0" hangingPunct="1">
-              <a:spcBef>
-                <a:spcPct val="20000"/>
-              </a:spcBef>
-              <a:spcAft>
-                <a:spcPts val="600"/>
-              </a:spcAft>
-              <a:buClr>
-                <a:schemeClr val="accent1">
-                  <a:lumMod val="75000"/>
-                </a:schemeClr>
-              </a:buClr>
-              <a:buSzPct val="145000"/>
-              <a:buFont typeface="Arial"/>
-              <a:buNone/>
-              <a:defRPr sz="2000" kern="1200" cap="none">
-                <a:solidFill>
-                  <a:schemeClr val="tx1">
-                    <a:tint val="75000"/>
-                  </a:schemeClr>
-                </a:solidFill>
-                <a:effectLst/>
-                <a:latin typeface="+mn-lt"/>
-                <a:ea typeface="+mn-ea"/>
-                <a:cs typeface="+mn-cs"/>
-              </a:defRPr>
-            </a:lvl2pPr>
-            <a:lvl3pPr marL="914400" indent="0" algn="ctr" defTabSz="457200" rtl="0" eaLnBrk="1" latinLnBrk="0" hangingPunct="1">
-              <a:spcBef>
-                <a:spcPct val="20000"/>
-              </a:spcBef>
-              <a:spcAft>
-                <a:spcPts val="600"/>
-              </a:spcAft>
-              <a:buClr>
-                <a:schemeClr val="accent1">
-                  <a:lumMod val="75000"/>
-                </a:schemeClr>
-              </a:buClr>
-              <a:buSzPct val="145000"/>
-              <a:buFont typeface="Arial"/>
-              <a:buNone/>
-              <a:defRPr sz="1800" kern="1200" cap="none">
-                <a:solidFill>
-                  <a:schemeClr val="tx1">
-                    <a:tint val="75000"/>
-                  </a:schemeClr>
-                </a:solidFill>
-                <a:effectLst/>
-                <a:latin typeface="+mn-lt"/>
-                <a:ea typeface="+mn-ea"/>
-                <a:cs typeface="+mn-cs"/>
-              </a:defRPr>
-            </a:lvl3pPr>
-            <a:lvl4pPr marL="1371600" indent="0" algn="ctr" defTabSz="457200" rtl="0" eaLnBrk="1" latinLnBrk="0" hangingPunct="1">
-              <a:spcBef>
-                <a:spcPct val="20000"/>
-              </a:spcBef>
-              <a:spcAft>
-                <a:spcPts val="600"/>
-              </a:spcAft>
-              <a:buClr>
-                <a:schemeClr val="accent1">
-                  <a:lumMod val="75000"/>
-                </a:schemeClr>
-              </a:buClr>
-              <a:buSzPct val="145000"/>
-              <a:buFont typeface="Arial"/>
-              <a:buNone/>
-              <a:defRPr sz="1600" kern="1200" cap="none">
-                <a:solidFill>
-                  <a:schemeClr val="tx1">
-                    <a:tint val="75000"/>
-                  </a:schemeClr>
-                </a:solidFill>
-                <a:effectLst/>
-                <a:latin typeface="+mn-lt"/>
-                <a:ea typeface="+mn-ea"/>
-                <a:cs typeface="+mn-cs"/>
-              </a:defRPr>
-            </a:lvl4pPr>
-            <a:lvl5pPr marL="1828800" indent="0" algn="ctr" defTabSz="457200" rtl="0" eaLnBrk="1" latinLnBrk="0" hangingPunct="1">
-              <a:spcBef>
-                <a:spcPct val="20000"/>
-              </a:spcBef>
-              <a:spcAft>
-                <a:spcPts val="600"/>
-              </a:spcAft>
-              <a:buClr>
-                <a:schemeClr val="accent1">
-                  <a:lumMod val="75000"/>
-                </a:schemeClr>
-              </a:buClr>
-              <a:buSzPct val="145000"/>
-              <a:buFont typeface="Arial"/>
-              <a:buNone/>
-              <a:defRPr sz="1400" kern="1200" cap="none">
-                <a:solidFill>
-                  <a:schemeClr val="tx1">
-                    <a:tint val="75000"/>
-                  </a:schemeClr>
-                </a:solidFill>
-                <a:effectLst/>
-                <a:latin typeface="+mn-lt"/>
-                <a:ea typeface="+mn-ea"/>
-                <a:cs typeface="+mn-cs"/>
-              </a:defRPr>
-            </a:lvl5pPr>
-            <a:lvl6pPr marL="2286000" indent="0" algn="ctr" defTabSz="457200" rtl="0" eaLnBrk="1" latinLnBrk="0" hangingPunct="1">
-              <a:spcBef>
-                <a:spcPct val="20000"/>
-              </a:spcBef>
-              <a:spcAft>
-                <a:spcPts val="600"/>
-              </a:spcAft>
-              <a:buClr>
-                <a:schemeClr val="accent1">
-                  <a:lumMod val="75000"/>
-                </a:schemeClr>
-              </a:buClr>
-              <a:buSzPct val="145000"/>
-              <a:buFont typeface="Arial"/>
-              <a:buNone/>
-              <a:defRPr sz="1400" kern="1200" cap="none">
-                <a:solidFill>
-                  <a:schemeClr val="tx1">
-                    <a:tint val="75000"/>
-                  </a:schemeClr>
-                </a:solidFill>
-                <a:effectLst/>
-                <a:latin typeface="+mn-lt"/>
-                <a:ea typeface="+mn-ea"/>
-                <a:cs typeface="+mn-cs"/>
-              </a:defRPr>
-            </a:lvl6pPr>
-            <a:lvl7pPr marL="2743200" indent="0" algn="ctr" defTabSz="457200" rtl="0" eaLnBrk="1" latinLnBrk="0" hangingPunct="1">
-              <a:spcBef>
-                <a:spcPct val="20000"/>
-              </a:spcBef>
-              <a:spcAft>
-                <a:spcPts val="600"/>
-              </a:spcAft>
-              <a:buClr>
-                <a:schemeClr val="accent1">
-                  <a:lumMod val="75000"/>
-                </a:schemeClr>
-              </a:buClr>
-              <a:buSzPct val="145000"/>
-              <a:buFont typeface="Arial"/>
-              <a:buNone/>
-              <a:defRPr sz="1400" kern="1200" cap="none">
-                <a:solidFill>
-                  <a:schemeClr val="tx1">
-                    <a:tint val="75000"/>
-                  </a:schemeClr>
-                </a:solidFill>
-                <a:effectLst/>
-                <a:latin typeface="+mn-lt"/>
-                <a:ea typeface="+mn-ea"/>
-                <a:cs typeface="+mn-cs"/>
-              </a:defRPr>
-            </a:lvl7pPr>
-            <a:lvl8pPr marL="3200400" indent="0" algn="ctr" defTabSz="457200" rtl="0" eaLnBrk="1" latinLnBrk="0" hangingPunct="1">
-              <a:spcBef>
-                <a:spcPct val="20000"/>
-              </a:spcBef>
-              <a:spcAft>
-                <a:spcPts val="600"/>
-              </a:spcAft>
-              <a:buClr>
-                <a:schemeClr val="accent1">
-                  <a:lumMod val="75000"/>
-                </a:schemeClr>
-              </a:buClr>
-              <a:buSzPct val="145000"/>
-              <a:buFont typeface="Arial"/>
-              <a:buNone/>
-              <a:defRPr sz="1400" kern="1200" cap="none">
-                <a:solidFill>
-                  <a:schemeClr val="tx1">
-                    <a:tint val="75000"/>
-                  </a:schemeClr>
-                </a:solidFill>
-                <a:effectLst/>
-                <a:latin typeface="+mn-lt"/>
-                <a:ea typeface="+mn-ea"/>
-                <a:cs typeface="+mn-cs"/>
-              </a:defRPr>
-            </a:lvl8pPr>
-            <a:lvl9pPr marL="3657600" indent="0" algn="ctr" defTabSz="457200" rtl="0" eaLnBrk="1" latinLnBrk="0" hangingPunct="1">
-              <a:spcBef>
-                <a:spcPct val="20000"/>
-              </a:spcBef>
-              <a:spcAft>
-                <a:spcPts val="600"/>
-              </a:spcAft>
-              <a:buClr>
-                <a:schemeClr val="accent1">
-                  <a:lumMod val="75000"/>
-                </a:schemeClr>
-              </a:buClr>
-              <a:buSzPct val="145000"/>
-              <a:buFont typeface="Arial"/>
-              <a:buNone/>
-              <a:defRPr sz="1400" kern="1200" cap="none">
-                <a:solidFill>
-                  <a:schemeClr val="tx1">
-                    <a:tint val="75000"/>
-                  </a:schemeClr>
-                </a:solidFill>
-                <a:effectLst/>
-                <a:latin typeface="+mn-lt"/>
-                <a:ea typeface="+mn-ea"/>
-                <a:cs typeface="+mn-cs"/>
-              </a:defRPr>
-            </a:lvl9pPr>
-          </a:lstStyle>
-          <a:p>
-            <a:pPr algn="l"/>
-            <a:r>
-              <a:rPr lang="zh-CN" altLang="en-US" sz="3200" dirty="0">
-                <a:solidFill>
-                  <a:schemeClr val="bg1"/>
-                </a:solidFill>
-                <a:latin typeface="+mn-ea"/>
-                <a:cs typeface="+mn-ea"/>
-                <a:sym typeface="Arial" panose="020B0604020202020204" pitchFamily="34" charset="0"/>
-              </a:rPr>
-              <a:t>原型图（</a:t>
-            </a:r>
-            <a:r>
-              <a:rPr lang="en-US" altLang="zh-CN" sz="3200" dirty="0">
-                <a:solidFill>
-                  <a:schemeClr val="bg1"/>
-                </a:solidFill>
-                <a:latin typeface="+mn-ea"/>
-                <a:cs typeface="+mn-ea"/>
-                <a:sym typeface="Arial" panose="020B0604020202020204" pitchFamily="34" charset="0"/>
-              </a:rPr>
-              <a:t>3</a:t>
-            </a:r>
-            <a:r>
-              <a:rPr lang="zh-CN" altLang="en-US" sz="3200" dirty="0">
-                <a:solidFill>
-                  <a:schemeClr val="bg1"/>
-                </a:solidFill>
-                <a:latin typeface="+mn-ea"/>
-                <a:cs typeface="+mn-ea"/>
-                <a:sym typeface="Arial" panose="020B0604020202020204" pitchFamily="34" charset="0"/>
-              </a:rPr>
-              <a:t>）</a:t>
+              <a:t>原型图</a:t>
             </a:r>
             <a:endParaRPr lang="en-US" sz="3200" dirty="0">
               <a:solidFill>
@@ -7102,6 +6135,36 @@
           </a:prstGeom>
         </p:spPr>
       </p:pic>
+      <p:pic>
+        <p:nvPicPr>
+          <p:cNvPr id="2" name="图片 1">
+            <a:extLst>
+              <a:ext uri="{FF2B5EF4-FFF2-40B4-BE49-F238E27FC236}">
+                <a16:creationId xmlns:a16="http://schemas.microsoft.com/office/drawing/2014/main" id="{9B56798A-7AA4-4A55-9809-28D2A1BBC778}"/>
+              </a:ext>
+            </a:extLst>
+          </p:cNvPr>
+          <p:cNvPicPr>
+            <a:picLocks noChangeAspect="1"/>
+          </p:cNvPicPr>
+          <p:nvPr/>
+        </p:nvPicPr>
+        <p:blipFill>
+          <a:blip r:embed="rId5"/>
+          <a:stretch>
+            <a:fillRect/>
+          </a:stretch>
+        </p:blipFill>
+        <p:spPr>
+          <a:xfrm>
+            <a:off x="380703" y="2175659"/>
+            <a:ext cx="2881331" cy="2881331"/>
+          </a:xfrm>
+          <a:prstGeom prst="rect">
+            <a:avLst/>
+          </a:prstGeom>
+        </p:spPr>
+      </p:pic>
     </p:spTree>
     <p:extLst>
       <p:ext uri="{BB962C8B-B14F-4D97-AF65-F5344CB8AC3E}">
@@ -7115,1435 +6178,7 @@
 </p:sld>
 </file>
 
-<file path=ppt/slides/slide14.xml><?xml version="1.0" encoding="utf-8"?>
-<p:sld xmlns:a="http://schemas.openxmlformats.org/drawingml/2006/main" xmlns:r="http://schemas.openxmlformats.org/officeDocument/2006/relationships" xmlns:p="http://schemas.openxmlformats.org/presentationml/2006/main">
-  <p:cSld>
-    <p:bg>
-      <p:bgPr>
-        <a:solidFill>
-          <a:schemeClr val="tx1"/>
-        </a:solidFill>
-        <a:effectLst/>
-      </p:bgPr>
-    </p:bg>
-    <p:spTree>
-      <p:nvGrpSpPr>
-        <p:cNvPr id="1" name=""/>
-        <p:cNvGrpSpPr/>
-        <p:nvPr/>
-      </p:nvGrpSpPr>
-      <p:grpSpPr>
-        <a:xfrm>
-          <a:off x="0" y="0"/>
-          <a:ext cx="0" cy="0"/>
-          <a:chOff x="0" y="0"/>
-          <a:chExt cx="0" cy="0"/>
-        </a:xfrm>
-      </p:grpSpPr>
-      <p:sp>
-        <p:nvSpPr>
-          <p:cNvPr id="5" name="椭圆 4">
-            <a:extLst>
-              <a:ext uri="{FF2B5EF4-FFF2-40B4-BE49-F238E27FC236}">
-                <a16:creationId xmlns:a16="http://schemas.microsoft.com/office/drawing/2014/main" id="{F1E17BAF-219F-45C1-AE09-47D140557B75}"/>
-              </a:ext>
-            </a:extLst>
-          </p:cNvPr>
-          <p:cNvSpPr/>
-          <p:nvPr/>
-        </p:nvSpPr>
-        <p:spPr>
-          <a:xfrm>
-            <a:off x="532958" y="327049"/>
-            <a:ext cx="367982" cy="367982"/>
-          </a:xfrm>
-          <a:prstGeom prst="ellipse">
-            <a:avLst/>
-          </a:prstGeom>
-          <a:solidFill>
-            <a:schemeClr val="bg1"/>
-          </a:solidFill>
-          <a:ln>
-            <a:noFill/>
-          </a:ln>
-          <a:effectLst>
-            <a:outerShdw blurRad="127000" dist="76200" dir="2700000" algn="tl" rotWithShape="0">
-              <a:prstClr val="black">
-                <a:alpha val="40000"/>
-              </a:prstClr>
-            </a:outerShdw>
-          </a:effectLst>
-        </p:spPr>
-        <p:style>
-          <a:lnRef idx="2">
-            <a:schemeClr val="accent1">
-              <a:shade val="50000"/>
-            </a:schemeClr>
-          </a:lnRef>
-          <a:fillRef idx="1">
-            <a:schemeClr val="accent1"/>
-          </a:fillRef>
-          <a:effectRef idx="0">
-            <a:schemeClr val="accent1"/>
-          </a:effectRef>
-          <a:fontRef idx="minor">
-            <a:schemeClr val="lt1"/>
-          </a:fontRef>
-        </p:style>
-        <p:txBody>
-          <a:bodyPr rtlCol="0" anchor="ctr"/>
-          <a:lstStyle/>
-          <a:p>
-            <a:pPr algn="ctr"/>
-            <a:endParaRPr lang="zh-CN" altLang="en-US">
-              <a:solidFill>
-                <a:schemeClr val="accent2">
-                  <a:lumMod val="75000"/>
-                </a:schemeClr>
-              </a:solidFill>
-              <a:latin typeface="Arial" panose="020B0604020202020204" pitchFamily="34" charset="0"/>
-              <a:ea typeface="微软雅黑" panose="020B0503020204020204" pitchFamily="34" charset="-122"/>
-              <a:sym typeface="Arial" panose="020B0604020202020204" pitchFamily="34" charset="0"/>
-            </a:endParaRPr>
-          </a:p>
-        </p:txBody>
-      </p:sp>
-      <p:sp>
-        <p:nvSpPr>
-          <p:cNvPr id="7" name="椭圆 6">
-            <a:extLst>
-              <a:ext uri="{FF2B5EF4-FFF2-40B4-BE49-F238E27FC236}">
-                <a16:creationId xmlns:a16="http://schemas.microsoft.com/office/drawing/2014/main" id="{4966F4C6-FF98-46EB-9A27-78A113B51EF7}"/>
-              </a:ext>
-            </a:extLst>
-          </p:cNvPr>
-          <p:cNvSpPr/>
-          <p:nvPr/>
-        </p:nvSpPr>
-        <p:spPr>
-          <a:xfrm>
-            <a:off x="800016" y="327049"/>
-            <a:ext cx="201847" cy="201847"/>
-          </a:xfrm>
-          <a:prstGeom prst="ellipse">
-            <a:avLst/>
-          </a:prstGeom>
-          <a:solidFill>
-            <a:schemeClr val="bg1">
-              <a:lumMod val="95000"/>
-            </a:schemeClr>
-          </a:solidFill>
-          <a:ln>
-            <a:noFill/>
-          </a:ln>
-          <a:effectLst>
-            <a:outerShdw blurRad="127000" dist="76200" dir="2700000" algn="tl" rotWithShape="0">
-              <a:prstClr val="black">
-                <a:alpha val="40000"/>
-              </a:prstClr>
-            </a:outerShdw>
-          </a:effectLst>
-        </p:spPr>
-        <p:style>
-          <a:lnRef idx="2">
-            <a:schemeClr val="accent1">
-              <a:shade val="50000"/>
-            </a:schemeClr>
-          </a:lnRef>
-          <a:fillRef idx="1">
-            <a:schemeClr val="accent1"/>
-          </a:fillRef>
-          <a:effectRef idx="0">
-            <a:schemeClr val="accent1"/>
-          </a:effectRef>
-          <a:fontRef idx="minor">
-            <a:schemeClr val="lt1"/>
-          </a:fontRef>
-        </p:style>
-        <p:txBody>
-          <a:bodyPr rtlCol="0" anchor="ctr"/>
-          <a:lstStyle/>
-          <a:p>
-            <a:pPr algn="ctr"/>
-            <a:endParaRPr lang="zh-CN" altLang="en-US">
-              <a:solidFill>
-                <a:schemeClr val="accent2">
-                  <a:lumMod val="75000"/>
-                </a:schemeClr>
-              </a:solidFill>
-              <a:latin typeface="Arial" panose="020B0604020202020204" pitchFamily="34" charset="0"/>
-              <a:ea typeface="微软雅黑" panose="020B0503020204020204" pitchFamily="34" charset="-122"/>
-              <a:sym typeface="Arial" panose="020B0604020202020204" pitchFamily="34" charset="0"/>
-            </a:endParaRPr>
-          </a:p>
-        </p:txBody>
-      </p:sp>
-      <p:sp>
-        <p:nvSpPr>
-          <p:cNvPr id="9" name="Content Placeholder 2">
-            <a:extLst>
-              <a:ext uri="{FF2B5EF4-FFF2-40B4-BE49-F238E27FC236}">
-                <a16:creationId xmlns:a16="http://schemas.microsoft.com/office/drawing/2014/main" id="{0670751B-BF73-4E45-980D-EE450ED5704C}"/>
-              </a:ext>
-            </a:extLst>
-          </p:cNvPr>
-          <p:cNvSpPr txBox="1">
-            <a:spLocks/>
-          </p:cNvSpPr>
-          <p:nvPr/>
-        </p:nvSpPr>
-        <p:spPr>
-          <a:xfrm>
-            <a:off x="1095236" y="242438"/>
-            <a:ext cx="3067050" cy="367982"/>
-          </a:xfrm>
-          <a:prstGeom prst="rect">
-            <a:avLst/>
-          </a:prstGeom>
-        </p:spPr>
-        <p:txBody>
-          <a:bodyPr vert="horz" lIns="96435" tIns="48218" rIns="96435" bIns="48218" rtlCol="0" anchor="t">
-            <a:noAutofit/>
-          </a:bodyPr>
-          <a:lstStyle>
-            <a:lvl1pPr marL="0" indent="0" algn="r" defTabSz="457200" rtl="0" eaLnBrk="1" latinLnBrk="0" hangingPunct="1">
-              <a:spcBef>
-                <a:spcPct val="20000"/>
-              </a:spcBef>
-              <a:spcAft>
-                <a:spcPts val="600"/>
-              </a:spcAft>
-              <a:buClr>
-                <a:schemeClr val="accent1">
-                  <a:lumMod val="75000"/>
-                </a:schemeClr>
-              </a:buClr>
-              <a:buSzPct val="145000"/>
-              <a:buFont typeface="Arial"/>
-              <a:buNone/>
-              <a:defRPr sz="2100" kern="1200" cap="none">
-                <a:solidFill>
-                  <a:schemeClr val="tx1"/>
-                </a:solidFill>
-                <a:effectLst/>
-                <a:latin typeface="+mn-lt"/>
-                <a:ea typeface="+mn-ea"/>
-                <a:cs typeface="+mn-cs"/>
-              </a:defRPr>
-            </a:lvl1pPr>
-            <a:lvl2pPr marL="457200" indent="0" algn="ctr" defTabSz="457200" rtl="0" eaLnBrk="1" latinLnBrk="0" hangingPunct="1">
-              <a:spcBef>
-                <a:spcPct val="20000"/>
-              </a:spcBef>
-              <a:spcAft>
-                <a:spcPts val="600"/>
-              </a:spcAft>
-              <a:buClr>
-                <a:schemeClr val="accent1">
-                  <a:lumMod val="75000"/>
-                </a:schemeClr>
-              </a:buClr>
-              <a:buSzPct val="145000"/>
-              <a:buFont typeface="Arial"/>
-              <a:buNone/>
-              <a:defRPr sz="2000" kern="1200" cap="none">
-                <a:solidFill>
-                  <a:schemeClr val="tx1">
-                    <a:tint val="75000"/>
-                  </a:schemeClr>
-                </a:solidFill>
-                <a:effectLst/>
-                <a:latin typeface="+mn-lt"/>
-                <a:ea typeface="+mn-ea"/>
-                <a:cs typeface="+mn-cs"/>
-              </a:defRPr>
-            </a:lvl2pPr>
-            <a:lvl3pPr marL="914400" indent="0" algn="ctr" defTabSz="457200" rtl="0" eaLnBrk="1" latinLnBrk="0" hangingPunct="1">
-              <a:spcBef>
-                <a:spcPct val="20000"/>
-              </a:spcBef>
-              <a:spcAft>
-                <a:spcPts val="600"/>
-              </a:spcAft>
-              <a:buClr>
-                <a:schemeClr val="accent1">
-                  <a:lumMod val="75000"/>
-                </a:schemeClr>
-              </a:buClr>
-              <a:buSzPct val="145000"/>
-              <a:buFont typeface="Arial"/>
-              <a:buNone/>
-              <a:defRPr sz="1800" kern="1200" cap="none">
-                <a:solidFill>
-                  <a:schemeClr val="tx1">
-                    <a:tint val="75000"/>
-                  </a:schemeClr>
-                </a:solidFill>
-                <a:effectLst/>
-                <a:latin typeface="+mn-lt"/>
-                <a:ea typeface="+mn-ea"/>
-                <a:cs typeface="+mn-cs"/>
-              </a:defRPr>
-            </a:lvl3pPr>
-            <a:lvl4pPr marL="1371600" indent="0" algn="ctr" defTabSz="457200" rtl="0" eaLnBrk="1" latinLnBrk="0" hangingPunct="1">
-              <a:spcBef>
-                <a:spcPct val="20000"/>
-              </a:spcBef>
-              <a:spcAft>
-                <a:spcPts val="600"/>
-              </a:spcAft>
-              <a:buClr>
-                <a:schemeClr val="accent1">
-                  <a:lumMod val="75000"/>
-                </a:schemeClr>
-              </a:buClr>
-              <a:buSzPct val="145000"/>
-              <a:buFont typeface="Arial"/>
-              <a:buNone/>
-              <a:defRPr sz="1600" kern="1200" cap="none">
-                <a:solidFill>
-                  <a:schemeClr val="tx1">
-                    <a:tint val="75000"/>
-                  </a:schemeClr>
-                </a:solidFill>
-                <a:effectLst/>
-                <a:latin typeface="+mn-lt"/>
-                <a:ea typeface="+mn-ea"/>
-                <a:cs typeface="+mn-cs"/>
-              </a:defRPr>
-            </a:lvl4pPr>
-            <a:lvl5pPr marL="1828800" indent="0" algn="ctr" defTabSz="457200" rtl="0" eaLnBrk="1" latinLnBrk="0" hangingPunct="1">
-              <a:spcBef>
-                <a:spcPct val="20000"/>
-              </a:spcBef>
-              <a:spcAft>
-                <a:spcPts val="600"/>
-              </a:spcAft>
-              <a:buClr>
-                <a:schemeClr val="accent1">
-                  <a:lumMod val="75000"/>
-                </a:schemeClr>
-              </a:buClr>
-              <a:buSzPct val="145000"/>
-              <a:buFont typeface="Arial"/>
-              <a:buNone/>
-              <a:defRPr sz="1400" kern="1200" cap="none">
-                <a:solidFill>
-                  <a:schemeClr val="tx1">
-                    <a:tint val="75000"/>
-                  </a:schemeClr>
-                </a:solidFill>
-                <a:effectLst/>
-                <a:latin typeface="+mn-lt"/>
-                <a:ea typeface="+mn-ea"/>
-                <a:cs typeface="+mn-cs"/>
-              </a:defRPr>
-            </a:lvl5pPr>
-            <a:lvl6pPr marL="2286000" indent="0" algn="ctr" defTabSz="457200" rtl="0" eaLnBrk="1" latinLnBrk="0" hangingPunct="1">
-              <a:spcBef>
-                <a:spcPct val="20000"/>
-              </a:spcBef>
-              <a:spcAft>
-                <a:spcPts val="600"/>
-              </a:spcAft>
-              <a:buClr>
-                <a:schemeClr val="accent1">
-                  <a:lumMod val="75000"/>
-                </a:schemeClr>
-              </a:buClr>
-              <a:buSzPct val="145000"/>
-              <a:buFont typeface="Arial"/>
-              <a:buNone/>
-              <a:defRPr sz="1400" kern="1200" cap="none">
-                <a:solidFill>
-                  <a:schemeClr val="tx1">
-                    <a:tint val="75000"/>
-                  </a:schemeClr>
-                </a:solidFill>
-                <a:effectLst/>
-                <a:latin typeface="+mn-lt"/>
-                <a:ea typeface="+mn-ea"/>
-                <a:cs typeface="+mn-cs"/>
-              </a:defRPr>
-            </a:lvl6pPr>
-            <a:lvl7pPr marL="2743200" indent="0" algn="ctr" defTabSz="457200" rtl="0" eaLnBrk="1" latinLnBrk="0" hangingPunct="1">
-              <a:spcBef>
-                <a:spcPct val="20000"/>
-              </a:spcBef>
-              <a:spcAft>
-                <a:spcPts val="600"/>
-              </a:spcAft>
-              <a:buClr>
-                <a:schemeClr val="accent1">
-                  <a:lumMod val="75000"/>
-                </a:schemeClr>
-              </a:buClr>
-              <a:buSzPct val="145000"/>
-              <a:buFont typeface="Arial"/>
-              <a:buNone/>
-              <a:defRPr sz="1400" kern="1200" cap="none">
-                <a:solidFill>
-                  <a:schemeClr val="tx1">
-                    <a:tint val="75000"/>
-                  </a:schemeClr>
-                </a:solidFill>
-                <a:effectLst/>
-                <a:latin typeface="+mn-lt"/>
-                <a:ea typeface="+mn-ea"/>
-                <a:cs typeface="+mn-cs"/>
-              </a:defRPr>
-            </a:lvl7pPr>
-            <a:lvl8pPr marL="3200400" indent="0" algn="ctr" defTabSz="457200" rtl="0" eaLnBrk="1" latinLnBrk="0" hangingPunct="1">
-              <a:spcBef>
-                <a:spcPct val="20000"/>
-              </a:spcBef>
-              <a:spcAft>
-                <a:spcPts val="600"/>
-              </a:spcAft>
-              <a:buClr>
-                <a:schemeClr val="accent1">
-                  <a:lumMod val="75000"/>
-                </a:schemeClr>
-              </a:buClr>
-              <a:buSzPct val="145000"/>
-              <a:buFont typeface="Arial"/>
-              <a:buNone/>
-              <a:defRPr sz="1400" kern="1200" cap="none">
-                <a:solidFill>
-                  <a:schemeClr val="tx1">
-                    <a:tint val="75000"/>
-                  </a:schemeClr>
-                </a:solidFill>
-                <a:effectLst/>
-                <a:latin typeface="+mn-lt"/>
-                <a:ea typeface="+mn-ea"/>
-                <a:cs typeface="+mn-cs"/>
-              </a:defRPr>
-            </a:lvl8pPr>
-            <a:lvl9pPr marL="3657600" indent="0" algn="ctr" defTabSz="457200" rtl="0" eaLnBrk="1" latinLnBrk="0" hangingPunct="1">
-              <a:spcBef>
-                <a:spcPct val="20000"/>
-              </a:spcBef>
-              <a:spcAft>
-                <a:spcPts val="600"/>
-              </a:spcAft>
-              <a:buClr>
-                <a:schemeClr val="accent1">
-                  <a:lumMod val="75000"/>
-                </a:schemeClr>
-              </a:buClr>
-              <a:buSzPct val="145000"/>
-              <a:buFont typeface="Arial"/>
-              <a:buNone/>
-              <a:defRPr sz="1400" kern="1200" cap="none">
-                <a:solidFill>
-                  <a:schemeClr val="tx1">
-                    <a:tint val="75000"/>
-                  </a:schemeClr>
-                </a:solidFill>
-                <a:effectLst/>
-                <a:latin typeface="+mn-lt"/>
-                <a:ea typeface="+mn-ea"/>
-                <a:cs typeface="+mn-cs"/>
-              </a:defRPr>
-            </a:lvl9pPr>
-          </a:lstStyle>
-          <a:p>
-            <a:pPr algn="l"/>
-            <a:r>
-              <a:rPr lang="zh-CN" altLang="en-US" sz="3200" dirty="0">
-                <a:solidFill>
-                  <a:schemeClr val="bg1"/>
-                </a:solidFill>
-                <a:latin typeface="+mn-ea"/>
-                <a:cs typeface="+mn-ea"/>
-                <a:sym typeface="Arial" panose="020B0604020202020204" pitchFamily="34" charset="0"/>
-              </a:rPr>
-              <a:t>原型图（</a:t>
-            </a:r>
-            <a:r>
-              <a:rPr lang="en-US" altLang="zh-CN" sz="3200" dirty="0">
-                <a:solidFill>
-                  <a:schemeClr val="bg1"/>
-                </a:solidFill>
-                <a:latin typeface="+mn-ea"/>
-                <a:cs typeface="+mn-ea"/>
-                <a:sym typeface="Arial" panose="020B0604020202020204" pitchFamily="34" charset="0"/>
-              </a:rPr>
-              <a:t>4</a:t>
-            </a:r>
-            <a:r>
-              <a:rPr lang="zh-CN" altLang="en-US" sz="3200" dirty="0">
-                <a:solidFill>
-                  <a:schemeClr val="bg1"/>
-                </a:solidFill>
-                <a:latin typeface="+mn-ea"/>
-                <a:cs typeface="+mn-ea"/>
-                <a:sym typeface="Arial" panose="020B0604020202020204" pitchFamily="34" charset="0"/>
-              </a:rPr>
-              <a:t>）</a:t>
-            </a:r>
-            <a:endParaRPr lang="en-US" sz="3200" dirty="0">
-              <a:solidFill>
-                <a:schemeClr val="bg1"/>
-              </a:solidFill>
-              <a:latin typeface="+mn-ea"/>
-              <a:cs typeface="+mn-ea"/>
-              <a:sym typeface="Arial" panose="020B0604020202020204" pitchFamily="34" charset="0"/>
-            </a:endParaRPr>
-          </a:p>
-        </p:txBody>
-      </p:sp>
-      <p:sp>
-        <p:nvSpPr>
-          <p:cNvPr id="11" name="文本框 10">
-            <a:extLst>
-              <a:ext uri="{FF2B5EF4-FFF2-40B4-BE49-F238E27FC236}">
-                <a16:creationId xmlns:a16="http://schemas.microsoft.com/office/drawing/2014/main" id="{8A155DBB-8C31-4C91-AB69-550BAF33DAA5}"/>
-              </a:ext>
-            </a:extLst>
-          </p:cNvPr>
-          <p:cNvSpPr txBox="1"/>
-          <p:nvPr/>
-        </p:nvSpPr>
-        <p:spPr>
-          <a:xfrm>
-            <a:off x="4269135" y="6302107"/>
-            <a:ext cx="1709524" cy="338554"/>
-          </a:xfrm>
-          <a:prstGeom prst="rect">
-            <a:avLst/>
-          </a:prstGeom>
-          <a:noFill/>
-        </p:spPr>
-        <p:txBody>
-          <a:bodyPr wrap="square" rtlCol="0">
-            <a:spAutoFit/>
-          </a:bodyPr>
-          <a:lstStyle/>
-          <a:p>
-            <a:r>
-              <a:rPr lang="zh-CN" altLang="en-US" sz="1600" dirty="0">
-                <a:solidFill>
-                  <a:schemeClr val="bg1"/>
-                </a:solidFill>
-              </a:rPr>
-              <a:t>记账支出界面</a:t>
-            </a:r>
-          </a:p>
-        </p:txBody>
-      </p:sp>
-      <p:sp>
-        <p:nvSpPr>
-          <p:cNvPr id="15" name="文本框 14">
-            <a:extLst>
-              <a:ext uri="{FF2B5EF4-FFF2-40B4-BE49-F238E27FC236}">
-                <a16:creationId xmlns:a16="http://schemas.microsoft.com/office/drawing/2014/main" id="{8F586243-1AE7-4C52-B943-67E8DCDD9B8D}"/>
-              </a:ext>
-            </a:extLst>
-          </p:cNvPr>
-          <p:cNvSpPr txBox="1"/>
-          <p:nvPr/>
-        </p:nvSpPr>
-        <p:spPr>
-          <a:xfrm>
-            <a:off x="7379184" y="6307109"/>
-            <a:ext cx="1440160" cy="338554"/>
-          </a:xfrm>
-          <a:prstGeom prst="rect">
-            <a:avLst/>
-          </a:prstGeom>
-          <a:noFill/>
-        </p:spPr>
-        <p:txBody>
-          <a:bodyPr wrap="square" rtlCol="0">
-            <a:spAutoFit/>
-          </a:bodyPr>
-          <a:lstStyle/>
-          <a:p>
-            <a:r>
-              <a:rPr lang="zh-CN" altLang="en-US" sz="1600" dirty="0">
-                <a:solidFill>
-                  <a:schemeClr val="bg1"/>
-                </a:solidFill>
-              </a:rPr>
-              <a:t>记账收入界面</a:t>
-            </a:r>
-          </a:p>
-        </p:txBody>
-      </p:sp>
-      <p:sp>
-        <p:nvSpPr>
-          <p:cNvPr id="19" name="文本框 18">
-            <a:extLst>
-              <a:ext uri="{FF2B5EF4-FFF2-40B4-BE49-F238E27FC236}">
-                <a16:creationId xmlns:a16="http://schemas.microsoft.com/office/drawing/2014/main" id="{F90160AD-61C3-4701-B2C6-00FADFEFFFF4}"/>
-              </a:ext>
-            </a:extLst>
-          </p:cNvPr>
-          <p:cNvSpPr txBox="1"/>
-          <p:nvPr/>
-        </p:nvSpPr>
-        <p:spPr>
-          <a:xfrm>
-            <a:off x="10677847" y="6302107"/>
-            <a:ext cx="1800201" cy="338554"/>
-          </a:xfrm>
-          <a:prstGeom prst="rect">
-            <a:avLst/>
-          </a:prstGeom>
-          <a:noFill/>
-        </p:spPr>
-        <p:txBody>
-          <a:bodyPr wrap="square" rtlCol="0">
-            <a:spAutoFit/>
-          </a:bodyPr>
-          <a:lstStyle/>
-          <a:p>
-            <a:r>
-              <a:rPr lang="zh-CN" altLang="en-US" sz="1600" dirty="0">
-                <a:solidFill>
-                  <a:schemeClr val="bg1"/>
-                </a:solidFill>
-              </a:rPr>
-              <a:t>点击记账按钮</a:t>
-            </a:r>
-          </a:p>
-        </p:txBody>
-      </p:sp>
-      <p:pic>
-        <p:nvPicPr>
-          <p:cNvPr id="4" name="图片 3">
-            <a:extLst>
-              <a:ext uri="{FF2B5EF4-FFF2-40B4-BE49-F238E27FC236}">
-                <a16:creationId xmlns:a16="http://schemas.microsoft.com/office/drawing/2014/main" id="{48A042AC-4443-42A9-B15D-F515D430DF90}"/>
-              </a:ext>
-            </a:extLst>
-          </p:cNvPr>
-          <p:cNvPicPr>
-            <a:picLocks noChangeAspect="1"/>
-          </p:cNvPicPr>
-          <p:nvPr/>
-        </p:nvPicPr>
-        <p:blipFill>
-          <a:blip r:embed="rId2" cstate="print">
-            <a:extLst>
-              <a:ext uri="{28A0092B-C50C-407E-A947-70E740481C1C}">
-                <a14:useLocalDpi xmlns:a14="http://schemas.microsoft.com/office/drawing/2010/main" val="0"/>
-              </a:ext>
-            </a:extLst>
-          </a:blip>
-          <a:stretch>
-            <a:fillRect/>
-          </a:stretch>
-        </p:blipFill>
-        <p:spPr>
-          <a:xfrm>
-            <a:off x="3621060" y="551511"/>
-            <a:ext cx="2619702" cy="5669693"/>
-          </a:xfrm>
-          <a:prstGeom prst="rect">
-            <a:avLst/>
-          </a:prstGeom>
-        </p:spPr>
-      </p:pic>
-      <p:pic>
-        <p:nvPicPr>
-          <p:cNvPr id="8" name="图片 7">
-            <a:extLst>
-              <a:ext uri="{FF2B5EF4-FFF2-40B4-BE49-F238E27FC236}">
-                <a16:creationId xmlns:a16="http://schemas.microsoft.com/office/drawing/2014/main" id="{43549108-838A-4949-9F81-1742B39BFEA5}"/>
-              </a:ext>
-            </a:extLst>
-          </p:cNvPr>
-          <p:cNvPicPr>
-            <a:picLocks noChangeAspect="1"/>
-          </p:cNvPicPr>
-          <p:nvPr/>
-        </p:nvPicPr>
-        <p:blipFill>
-          <a:blip r:embed="rId3" cstate="print">
-            <a:extLst>
-              <a:ext uri="{28A0092B-C50C-407E-A947-70E740481C1C}">
-                <a14:useLocalDpi xmlns:a14="http://schemas.microsoft.com/office/drawing/2010/main" val="0"/>
-              </a:ext>
-            </a:extLst>
-          </a:blip>
-          <a:stretch>
-            <a:fillRect/>
-          </a:stretch>
-        </p:blipFill>
-        <p:spPr>
-          <a:xfrm>
-            <a:off x="6789413" y="566354"/>
-            <a:ext cx="2619703" cy="5669694"/>
-          </a:xfrm>
-          <a:prstGeom prst="rect">
-            <a:avLst/>
-          </a:prstGeom>
-        </p:spPr>
-      </p:pic>
-      <p:pic>
-        <p:nvPicPr>
-          <p:cNvPr id="12" name="图片 11">
-            <a:extLst>
-              <a:ext uri="{FF2B5EF4-FFF2-40B4-BE49-F238E27FC236}">
-                <a16:creationId xmlns:a16="http://schemas.microsoft.com/office/drawing/2014/main" id="{3DE998FB-A418-4AEB-912A-0E0998B7CE80}"/>
-              </a:ext>
-            </a:extLst>
-          </p:cNvPr>
-          <p:cNvPicPr>
-            <a:picLocks noChangeAspect="1"/>
-          </p:cNvPicPr>
-          <p:nvPr/>
-        </p:nvPicPr>
-        <p:blipFill>
-          <a:blip r:embed="rId4"/>
-          <a:stretch>
-            <a:fillRect/>
-          </a:stretch>
-        </p:blipFill>
-        <p:spPr>
-          <a:xfrm>
-            <a:off x="9957767" y="553372"/>
-            <a:ext cx="2630375" cy="5667832"/>
-          </a:xfrm>
-          <a:prstGeom prst="rect">
-            <a:avLst/>
-          </a:prstGeom>
-        </p:spPr>
-      </p:pic>
-    </p:spTree>
-    <p:extLst>
-      <p:ext uri="{BB962C8B-B14F-4D97-AF65-F5344CB8AC3E}">
-        <p14:creationId xmlns:p14="http://schemas.microsoft.com/office/powerpoint/2010/main" val="2263721515"/>
-      </p:ext>
-    </p:extLst>
-  </p:cSld>
-  <p:clrMapOvr>
-    <a:masterClrMapping/>
-  </p:clrMapOvr>
-</p:sld>
-</file>
-
-<file path=ppt/slides/slide15.xml><?xml version="1.0" encoding="utf-8"?>
-<p:sld xmlns:a="http://schemas.openxmlformats.org/drawingml/2006/main" xmlns:r="http://schemas.openxmlformats.org/officeDocument/2006/relationships" xmlns:p="http://schemas.openxmlformats.org/presentationml/2006/main">
-  <p:cSld>
-    <p:bg>
-      <p:bgPr>
-        <a:solidFill>
-          <a:schemeClr val="tx1"/>
-        </a:solidFill>
-        <a:effectLst/>
-      </p:bgPr>
-    </p:bg>
-    <p:spTree>
-      <p:nvGrpSpPr>
-        <p:cNvPr id="1" name=""/>
-        <p:cNvGrpSpPr/>
-        <p:nvPr/>
-      </p:nvGrpSpPr>
-      <p:grpSpPr>
-        <a:xfrm>
-          <a:off x="0" y="0"/>
-          <a:ext cx="0" cy="0"/>
-          <a:chOff x="0" y="0"/>
-          <a:chExt cx="0" cy="0"/>
-        </a:xfrm>
-      </p:grpSpPr>
-      <p:sp>
-        <p:nvSpPr>
-          <p:cNvPr id="5" name="椭圆 4">
-            <a:extLst>
-              <a:ext uri="{FF2B5EF4-FFF2-40B4-BE49-F238E27FC236}">
-                <a16:creationId xmlns:a16="http://schemas.microsoft.com/office/drawing/2014/main" id="{F1E17BAF-219F-45C1-AE09-47D140557B75}"/>
-              </a:ext>
-            </a:extLst>
-          </p:cNvPr>
-          <p:cNvSpPr/>
-          <p:nvPr/>
-        </p:nvSpPr>
-        <p:spPr>
-          <a:xfrm>
-            <a:off x="532958" y="327049"/>
-            <a:ext cx="367982" cy="367982"/>
-          </a:xfrm>
-          <a:prstGeom prst="ellipse">
-            <a:avLst/>
-          </a:prstGeom>
-          <a:solidFill>
-            <a:schemeClr val="bg1"/>
-          </a:solidFill>
-          <a:ln>
-            <a:noFill/>
-          </a:ln>
-          <a:effectLst>
-            <a:outerShdw blurRad="127000" dist="76200" dir="2700000" algn="tl" rotWithShape="0">
-              <a:prstClr val="black">
-                <a:alpha val="40000"/>
-              </a:prstClr>
-            </a:outerShdw>
-          </a:effectLst>
-        </p:spPr>
-        <p:style>
-          <a:lnRef idx="2">
-            <a:schemeClr val="accent1">
-              <a:shade val="50000"/>
-            </a:schemeClr>
-          </a:lnRef>
-          <a:fillRef idx="1">
-            <a:schemeClr val="accent1"/>
-          </a:fillRef>
-          <a:effectRef idx="0">
-            <a:schemeClr val="accent1"/>
-          </a:effectRef>
-          <a:fontRef idx="minor">
-            <a:schemeClr val="lt1"/>
-          </a:fontRef>
-        </p:style>
-        <p:txBody>
-          <a:bodyPr rtlCol="0" anchor="ctr"/>
-          <a:lstStyle/>
-          <a:p>
-            <a:pPr algn="ctr"/>
-            <a:endParaRPr lang="zh-CN" altLang="en-US">
-              <a:solidFill>
-                <a:schemeClr val="accent2">
-                  <a:lumMod val="75000"/>
-                </a:schemeClr>
-              </a:solidFill>
-              <a:latin typeface="Arial" panose="020B0604020202020204" pitchFamily="34" charset="0"/>
-              <a:ea typeface="微软雅黑" panose="020B0503020204020204" pitchFamily="34" charset="-122"/>
-              <a:sym typeface="Arial" panose="020B0604020202020204" pitchFamily="34" charset="0"/>
-            </a:endParaRPr>
-          </a:p>
-        </p:txBody>
-      </p:sp>
-      <p:sp>
-        <p:nvSpPr>
-          <p:cNvPr id="7" name="椭圆 6">
-            <a:extLst>
-              <a:ext uri="{FF2B5EF4-FFF2-40B4-BE49-F238E27FC236}">
-                <a16:creationId xmlns:a16="http://schemas.microsoft.com/office/drawing/2014/main" id="{4966F4C6-FF98-46EB-9A27-78A113B51EF7}"/>
-              </a:ext>
-            </a:extLst>
-          </p:cNvPr>
-          <p:cNvSpPr/>
-          <p:nvPr/>
-        </p:nvSpPr>
-        <p:spPr>
-          <a:xfrm>
-            <a:off x="800016" y="327049"/>
-            <a:ext cx="201847" cy="201847"/>
-          </a:xfrm>
-          <a:prstGeom prst="ellipse">
-            <a:avLst/>
-          </a:prstGeom>
-          <a:solidFill>
-            <a:schemeClr val="bg1">
-              <a:lumMod val="95000"/>
-            </a:schemeClr>
-          </a:solidFill>
-          <a:ln>
-            <a:noFill/>
-          </a:ln>
-          <a:effectLst>
-            <a:outerShdw blurRad="127000" dist="76200" dir="2700000" algn="tl" rotWithShape="0">
-              <a:prstClr val="black">
-                <a:alpha val="40000"/>
-              </a:prstClr>
-            </a:outerShdw>
-          </a:effectLst>
-        </p:spPr>
-        <p:style>
-          <a:lnRef idx="2">
-            <a:schemeClr val="accent1">
-              <a:shade val="50000"/>
-            </a:schemeClr>
-          </a:lnRef>
-          <a:fillRef idx="1">
-            <a:schemeClr val="accent1"/>
-          </a:fillRef>
-          <a:effectRef idx="0">
-            <a:schemeClr val="accent1"/>
-          </a:effectRef>
-          <a:fontRef idx="minor">
-            <a:schemeClr val="lt1"/>
-          </a:fontRef>
-        </p:style>
-        <p:txBody>
-          <a:bodyPr rtlCol="0" anchor="ctr"/>
-          <a:lstStyle/>
-          <a:p>
-            <a:pPr algn="ctr"/>
-            <a:endParaRPr lang="zh-CN" altLang="en-US">
-              <a:solidFill>
-                <a:schemeClr val="accent2">
-                  <a:lumMod val="75000"/>
-                </a:schemeClr>
-              </a:solidFill>
-              <a:latin typeface="Arial" panose="020B0604020202020204" pitchFamily="34" charset="0"/>
-              <a:ea typeface="微软雅黑" panose="020B0503020204020204" pitchFamily="34" charset="-122"/>
-              <a:sym typeface="Arial" panose="020B0604020202020204" pitchFamily="34" charset="0"/>
-            </a:endParaRPr>
-          </a:p>
-        </p:txBody>
-      </p:sp>
-      <p:sp>
-        <p:nvSpPr>
-          <p:cNvPr id="9" name="Content Placeholder 2">
-            <a:extLst>
-              <a:ext uri="{FF2B5EF4-FFF2-40B4-BE49-F238E27FC236}">
-                <a16:creationId xmlns:a16="http://schemas.microsoft.com/office/drawing/2014/main" id="{0670751B-BF73-4E45-980D-EE450ED5704C}"/>
-              </a:ext>
-            </a:extLst>
-          </p:cNvPr>
-          <p:cNvSpPr txBox="1">
-            <a:spLocks/>
-          </p:cNvSpPr>
-          <p:nvPr/>
-        </p:nvSpPr>
-        <p:spPr>
-          <a:xfrm>
-            <a:off x="1095236" y="242438"/>
-            <a:ext cx="3067050" cy="367982"/>
-          </a:xfrm>
-          <a:prstGeom prst="rect">
-            <a:avLst/>
-          </a:prstGeom>
-        </p:spPr>
-        <p:txBody>
-          <a:bodyPr vert="horz" lIns="96435" tIns="48218" rIns="96435" bIns="48218" rtlCol="0" anchor="t">
-            <a:noAutofit/>
-          </a:bodyPr>
-          <a:lstStyle>
-            <a:lvl1pPr marL="0" indent="0" algn="r" defTabSz="457200" rtl="0" eaLnBrk="1" latinLnBrk="0" hangingPunct="1">
-              <a:spcBef>
-                <a:spcPct val="20000"/>
-              </a:spcBef>
-              <a:spcAft>
-                <a:spcPts val="600"/>
-              </a:spcAft>
-              <a:buClr>
-                <a:schemeClr val="accent1">
-                  <a:lumMod val="75000"/>
-                </a:schemeClr>
-              </a:buClr>
-              <a:buSzPct val="145000"/>
-              <a:buFont typeface="Arial"/>
-              <a:buNone/>
-              <a:defRPr sz="2100" kern="1200" cap="none">
-                <a:solidFill>
-                  <a:schemeClr val="tx1"/>
-                </a:solidFill>
-                <a:effectLst/>
-                <a:latin typeface="+mn-lt"/>
-                <a:ea typeface="+mn-ea"/>
-                <a:cs typeface="+mn-cs"/>
-              </a:defRPr>
-            </a:lvl1pPr>
-            <a:lvl2pPr marL="457200" indent="0" algn="ctr" defTabSz="457200" rtl="0" eaLnBrk="1" latinLnBrk="0" hangingPunct="1">
-              <a:spcBef>
-                <a:spcPct val="20000"/>
-              </a:spcBef>
-              <a:spcAft>
-                <a:spcPts val="600"/>
-              </a:spcAft>
-              <a:buClr>
-                <a:schemeClr val="accent1">
-                  <a:lumMod val="75000"/>
-                </a:schemeClr>
-              </a:buClr>
-              <a:buSzPct val="145000"/>
-              <a:buFont typeface="Arial"/>
-              <a:buNone/>
-              <a:defRPr sz="2000" kern="1200" cap="none">
-                <a:solidFill>
-                  <a:schemeClr val="tx1">
-                    <a:tint val="75000"/>
-                  </a:schemeClr>
-                </a:solidFill>
-                <a:effectLst/>
-                <a:latin typeface="+mn-lt"/>
-                <a:ea typeface="+mn-ea"/>
-                <a:cs typeface="+mn-cs"/>
-              </a:defRPr>
-            </a:lvl2pPr>
-            <a:lvl3pPr marL="914400" indent="0" algn="ctr" defTabSz="457200" rtl="0" eaLnBrk="1" latinLnBrk="0" hangingPunct="1">
-              <a:spcBef>
-                <a:spcPct val="20000"/>
-              </a:spcBef>
-              <a:spcAft>
-                <a:spcPts val="600"/>
-              </a:spcAft>
-              <a:buClr>
-                <a:schemeClr val="accent1">
-                  <a:lumMod val="75000"/>
-                </a:schemeClr>
-              </a:buClr>
-              <a:buSzPct val="145000"/>
-              <a:buFont typeface="Arial"/>
-              <a:buNone/>
-              <a:defRPr sz="1800" kern="1200" cap="none">
-                <a:solidFill>
-                  <a:schemeClr val="tx1">
-                    <a:tint val="75000"/>
-                  </a:schemeClr>
-                </a:solidFill>
-                <a:effectLst/>
-                <a:latin typeface="+mn-lt"/>
-                <a:ea typeface="+mn-ea"/>
-                <a:cs typeface="+mn-cs"/>
-              </a:defRPr>
-            </a:lvl3pPr>
-            <a:lvl4pPr marL="1371600" indent="0" algn="ctr" defTabSz="457200" rtl="0" eaLnBrk="1" latinLnBrk="0" hangingPunct="1">
-              <a:spcBef>
-                <a:spcPct val="20000"/>
-              </a:spcBef>
-              <a:spcAft>
-                <a:spcPts val="600"/>
-              </a:spcAft>
-              <a:buClr>
-                <a:schemeClr val="accent1">
-                  <a:lumMod val="75000"/>
-                </a:schemeClr>
-              </a:buClr>
-              <a:buSzPct val="145000"/>
-              <a:buFont typeface="Arial"/>
-              <a:buNone/>
-              <a:defRPr sz="1600" kern="1200" cap="none">
-                <a:solidFill>
-                  <a:schemeClr val="tx1">
-                    <a:tint val="75000"/>
-                  </a:schemeClr>
-                </a:solidFill>
-                <a:effectLst/>
-                <a:latin typeface="+mn-lt"/>
-                <a:ea typeface="+mn-ea"/>
-                <a:cs typeface="+mn-cs"/>
-              </a:defRPr>
-            </a:lvl4pPr>
-            <a:lvl5pPr marL="1828800" indent="0" algn="ctr" defTabSz="457200" rtl="0" eaLnBrk="1" latinLnBrk="0" hangingPunct="1">
-              <a:spcBef>
-                <a:spcPct val="20000"/>
-              </a:spcBef>
-              <a:spcAft>
-                <a:spcPts val="600"/>
-              </a:spcAft>
-              <a:buClr>
-                <a:schemeClr val="accent1">
-                  <a:lumMod val="75000"/>
-                </a:schemeClr>
-              </a:buClr>
-              <a:buSzPct val="145000"/>
-              <a:buFont typeface="Arial"/>
-              <a:buNone/>
-              <a:defRPr sz="1400" kern="1200" cap="none">
-                <a:solidFill>
-                  <a:schemeClr val="tx1">
-                    <a:tint val="75000"/>
-                  </a:schemeClr>
-                </a:solidFill>
-                <a:effectLst/>
-                <a:latin typeface="+mn-lt"/>
-                <a:ea typeface="+mn-ea"/>
-                <a:cs typeface="+mn-cs"/>
-              </a:defRPr>
-            </a:lvl5pPr>
-            <a:lvl6pPr marL="2286000" indent="0" algn="ctr" defTabSz="457200" rtl="0" eaLnBrk="1" latinLnBrk="0" hangingPunct="1">
-              <a:spcBef>
-                <a:spcPct val="20000"/>
-              </a:spcBef>
-              <a:spcAft>
-                <a:spcPts val="600"/>
-              </a:spcAft>
-              <a:buClr>
-                <a:schemeClr val="accent1">
-                  <a:lumMod val="75000"/>
-                </a:schemeClr>
-              </a:buClr>
-              <a:buSzPct val="145000"/>
-              <a:buFont typeface="Arial"/>
-              <a:buNone/>
-              <a:defRPr sz="1400" kern="1200" cap="none">
-                <a:solidFill>
-                  <a:schemeClr val="tx1">
-                    <a:tint val="75000"/>
-                  </a:schemeClr>
-                </a:solidFill>
-                <a:effectLst/>
-                <a:latin typeface="+mn-lt"/>
-                <a:ea typeface="+mn-ea"/>
-                <a:cs typeface="+mn-cs"/>
-              </a:defRPr>
-            </a:lvl6pPr>
-            <a:lvl7pPr marL="2743200" indent="0" algn="ctr" defTabSz="457200" rtl="0" eaLnBrk="1" latinLnBrk="0" hangingPunct="1">
-              <a:spcBef>
-                <a:spcPct val="20000"/>
-              </a:spcBef>
-              <a:spcAft>
-                <a:spcPts val="600"/>
-              </a:spcAft>
-              <a:buClr>
-                <a:schemeClr val="accent1">
-                  <a:lumMod val="75000"/>
-                </a:schemeClr>
-              </a:buClr>
-              <a:buSzPct val="145000"/>
-              <a:buFont typeface="Arial"/>
-              <a:buNone/>
-              <a:defRPr sz="1400" kern="1200" cap="none">
-                <a:solidFill>
-                  <a:schemeClr val="tx1">
-                    <a:tint val="75000"/>
-                  </a:schemeClr>
-                </a:solidFill>
-                <a:effectLst/>
-                <a:latin typeface="+mn-lt"/>
-                <a:ea typeface="+mn-ea"/>
-                <a:cs typeface="+mn-cs"/>
-              </a:defRPr>
-            </a:lvl7pPr>
-            <a:lvl8pPr marL="3200400" indent="0" algn="ctr" defTabSz="457200" rtl="0" eaLnBrk="1" latinLnBrk="0" hangingPunct="1">
-              <a:spcBef>
-                <a:spcPct val="20000"/>
-              </a:spcBef>
-              <a:spcAft>
-                <a:spcPts val="600"/>
-              </a:spcAft>
-              <a:buClr>
-                <a:schemeClr val="accent1">
-                  <a:lumMod val="75000"/>
-                </a:schemeClr>
-              </a:buClr>
-              <a:buSzPct val="145000"/>
-              <a:buFont typeface="Arial"/>
-              <a:buNone/>
-              <a:defRPr sz="1400" kern="1200" cap="none">
-                <a:solidFill>
-                  <a:schemeClr val="tx1">
-                    <a:tint val="75000"/>
-                  </a:schemeClr>
-                </a:solidFill>
-                <a:effectLst/>
-                <a:latin typeface="+mn-lt"/>
-                <a:ea typeface="+mn-ea"/>
-                <a:cs typeface="+mn-cs"/>
-              </a:defRPr>
-            </a:lvl8pPr>
-            <a:lvl9pPr marL="3657600" indent="0" algn="ctr" defTabSz="457200" rtl="0" eaLnBrk="1" latinLnBrk="0" hangingPunct="1">
-              <a:spcBef>
-                <a:spcPct val="20000"/>
-              </a:spcBef>
-              <a:spcAft>
-                <a:spcPts val="600"/>
-              </a:spcAft>
-              <a:buClr>
-                <a:schemeClr val="accent1">
-                  <a:lumMod val="75000"/>
-                </a:schemeClr>
-              </a:buClr>
-              <a:buSzPct val="145000"/>
-              <a:buFont typeface="Arial"/>
-              <a:buNone/>
-              <a:defRPr sz="1400" kern="1200" cap="none">
-                <a:solidFill>
-                  <a:schemeClr val="tx1">
-                    <a:tint val="75000"/>
-                  </a:schemeClr>
-                </a:solidFill>
-                <a:effectLst/>
-                <a:latin typeface="+mn-lt"/>
-                <a:ea typeface="+mn-ea"/>
-                <a:cs typeface="+mn-cs"/>
-              </a:defRPr>
-            </a:lvl9pPr>
-          </a:lstStyle>
-          <a:p>
-            <a:pPr algn="l"/>
-            <a:r>
-              <a:rPr lang="zh-CN" altLang="en-US" sz="3200" dirty="0">
-                <a:solidFill>
-                  <a:schemeClr val="bg1"/>
-                </a:solidFill>
-                <a:latin typeface="+mn-ea"/>
-                <a:cs typeface="+mn-ea"/>
-                <a:sym typeface="Arial" panose="020B0604020202020204" pitchFamily="34" charset="0"/>
-              </a:rPr>
-              <a:t>原型图（</a:t>
-            </a:r>
-            <a:r>
-              <a:rPr lang="en-US" altLang="zh-CN" sz="3200" dirty="0">
-                <a:solidFill>
-                  <a:schemeClr val="bg1"/>
-                </a:solidFill>
-                <a:latin typeface="+mn-ea"/>
-                <a:cs typeface="+mn-ea"/>
-                <a:sym typeface="Arial" panose="020B0604020202020204" pitchFamily="34" charset="0"/>
-              </a:rPr>
-              <a:t>5</a:t>
-            </a:r>
-            <a:r>
-              <a:rPr lang="zh-CN" altLang="en-US" sz="3200" dirty="0">
-                <a:solidFill>
-                  <a:schemeClr val="bg1"/>
-                </a:solidFill>
-                <a:latin typeface="+mn-ea"/>
-                <a:cs typeface="+mn-ea"/>
-                <a:sym typeface="Arial" panose="020B0604020202020204" pitchFamily="34" charset="0"/>
-              </a:rPr>
-              <a:t>）</a:t>
-            </a:r>
-            <a:endParaRPr lang="en-US" sz="3200" dirty="0">
-              <a:solidFill>
-                <a:schemeClr val="bg1"/>
-              </a:solidFill>
-              <a:latin typeface="+mn-ea"/>
-              <a:cs typeface="+mn-ea"/>
-              <a:sym typeface="Arial" panose="020B0604020202020204" pitchFamily="34" charset="0"/>
-            </a:endParaRPr>
-          </a:p>
-        </p:txBody>
-      </p:sp>
-      <p:sp>
-        <p:nvSpPr>
-          <p:cNvPr id="11" name="文本框 10">
-            <a:extLst>
-              <a:ext uri="{FF2B5EF4-FFF2-40B4-BE49-F238E27FC236}">
-                <a16:creationId xmlns:a16="http://schemas.microsoft.com/office/drawing/2014/main" id="{8A155DBB-8C31-4C91-AB69-550BAF33DAA5}"/>
-              </a:ext>
-            </a:extLst>
-          </p:cNvPr>
-          <p:cNvSpPr txBox="1"/>
-          <p:nvPr/>
-        </p:nvSpPr>
-        <p:spPr>
-          <a:xfrm>
-            <a:off x="4485159" y="6307109"/>
-            <a:ext cx="1709524" cy="338554"/>
-          </a:xfrm>
-          <a:prstGeom prst="rect">
-            <a:avLst/>
-          </a:prstGeom>
-          <a:noFill/>
-        </p:spPr>
-        <p:txBody>
-          <a:bodyPr wrap="square" rtlCol="0">
-            <a:spAutoFit/>
-          </a:bodyPr>
-          <a:lstStyle/>
-          <a:p>
-            <a:r>
-              <a:rPr lang="zh-CN" altLang="en-US" sz="1600" dirty="0">
-                <a:solidFill>
-                  <a:schemeClr val="bg1"/>
-                </a:solidFill>
-              </a:rPr>
-              <a:t>支出图表</a:t>
-            </a:r>
-          </a:p>
-        </p:txBody>
-      </p:sp>
-      <p:sp>
-        <p:nvSpPr>
-          <p:cNvPr id="15" name="文本框 14">
-            <a:extLst>
-              <a:ext uri="{FF2B5EF4-FFF2-40B4-BE49-F238E27FC236}">
-                <a16:creationId xmlns:a16="http://schemas.microsoft.com/office/drawing/2014/main" id="{8F586243-1AE7-4C52-B943-67E8DCDD9B8D}"/>
-              </a:ext>
-            </a:extLst>
-          </p:cNvPr>
-          <p:cNvSpPr txBox="1"/>
-          <p:nvPr/>
-        </p:nvSpPr>
-        <p:spPr>
-          <a:xfrm>
-            <a:off x="7435790" y="6302107"/>
-            <a:ext cx="1440160" cy="338554"/>
-          </a:xfrm>
-          <a:prstGeom prst="rect">
-            <a:avLst/>
-          </a:prstGeom>
-          <a:noFill/>
-        </p:spPr>
-        <p:txBody>
-          <a:bodyPr wrap="square" rtlCol="0">
-            <a:spAutoFit/>
-          </a:bodyPr>
-          <a:lstStyle/>
-          <a:p>
-            <a:r>
-              <a:rPr lang="zh-CN" altLang="en-US" sz="1600" dirty="0">
-                <a:solidFill>
-                  <a:schemeClr val="bg1"/>
-                </a:solidFill>
-              </a:rPr>
-              <a:t>个人信息界面</a:t>
-            </a:r>
-          </a:p>
-        </p:txBody>
-      </p:sp>
-      <p:sp>
-        <p:nvSpPr>
-          <p:cNvPr id="19" name="文本框 18">
-            <a:extLst>
-              <a:ext uri="{FF2B5EF4-FFF2-40B4-BE49-F238E27FC236}">
-                <a16:creationId xmlns:a16="http://schemas.microsoft.com/office/drawing/2014/main" id="{F90160AD-61C3-4701-B2C6-00FADFEFFFF4}"/>
-              </a:ext>
-            </a:extLst>
-          </p:cNvPr>
-          <p:cNvSpPr txBox="1"/>
-          <p:nvPr/>
-        </p:nvSpPr>
-        <p:spPr>
-          <a:xfrm>
-            <a:off x="10677847" y="6302107"/>
-            <a:ext cx="1800201" cy="338554"/>
-          </a:xfrm>
-          <a:prstGeom prst="rect">
-            <a:avLst/>
-          </a:prstGeom>
-          <a:noFill/>
-        </p:spPr>
-        <p:txBody>
-          <a:bodyPr wrap="square" rtlCol="0">
-            <a:spAutoFit/>
-          </a:bodyPr>
-          <a:lstStyle/>
-          <a:p>
-            <a:r>
-              <a:rPr lang="zh-CN" altLang="en-US" sz="1600" dirty="0">
-                <a:solidFill>
-                  <a:schemeClr val="bg1"/>
-                </a:solidFill>
-              </a:rPr>
-              <a:t>修改密码界面</a:t>
-            </a:r>
-          </a:p>
-        </p:txBody>
-      </p:sp>
-      <p:pic>
-        <p:nvPicPr>
-          <p:cNvPr id="3" name="图片 2">
-            <a:extLst>
-              <a:ext uri="{FF2B5EF4-FFF2-40B4-BE49-F238E27FC236}">
-                <a16:creationId xmlns:a16="http://schemas.microsoft.com/office/drawing/2014/main" id="{7A608EE0-F45A-42A4-AE0E-238644CCAB99}"/>
-              </a:ext>
-            </a:extLst>
-          </p:cNvPr>
-          <p:cNvPicPr>
-            <a:picLocks noChangeAspect="1"/>
-          </p:cNvPicPr>
-          <p:nvPr/>
-        </p:nvPicPr>
-        <p:blipFill>
-          <a:blip r:embed="rId2" cstate="print">
-            <a:extLst>
-              <a:ext uri="{28A0092B-C50C-407E-A947-70E740481C1C}">
-                <a14:useLocalDpi xmlns:a14="http://schemas.microsoft.com/office/drawing/2010/main" val="0"/>
-              </a:ext>
-            </a:extLst>
-          </a:blip>
-          <a:stretch>
-            <a:fillRect/>
-          </a:stretch>
-        </p:blipFill>
-        <p:spPr>
-          <a:xfrm>
-            <a:off x="3693071" y="585926"/>
-            <a:ext cx="2619703" cy="5669694"/>
-          </a:xfrm>
-          <a:prstGeom prst="rect">
-            <a:avLst/>
-          </a:prstGeom>
-        </p:spPr>
-      </p:pic>
-      <p:pic>
-        <p:nvPicPr>
-          <p:cNvPr id="10" name="图片 9">
-            <a:extLst>
-              <a:ext uri="{FF2B5EF4-FFF2-40B4-BE49-F238E27FC236}">
-                <a16:creationId xmlns:a16="http://schemas.microsoft.com/office/drawing/2014/main" id="{51939226-FCC4-4D79-A59A-785DC060F2E1}"/>
-              </a:ext>
-            </a:extLst>
-          </p:cNvPr>
-          <p:cNvPicPr>
-            <a:picLocks noChangeAspect="1"/>
-          </p:cNvPicPr>
-          <p:nvPr/>
-        </p:nvPicPr>
-        <p:blipFill>
-          <a:blip r:embed="rId3" cstate="print">
-            <a:extLst>
-              <a:ext uri="{28A0092B-C50C-407E-A947-70E740481C1C}">
-                <a14:useLocalDpi xmlns:a14="http://schemas.microsoft.com/office/drawing/2010/main" val="0"/>
-              </a:ext>
-            </a:extLst>
-          </a:blip>
-          <a:stretch>
-            <a:fillRect/>
-          </a:stretch>
-        </p:blipFill>
-        <p:spPr>
-          <a:xfrm>
-            <a:off x="6834286" y="560532"/>
-            <a:ext cx="2643169" cy="5720482"/>
-          </a:xfrm>
-          <a:prstGeom prst="rect">
-            <a:avLst/>
-          </a:prstGeom>
-        </p:spPr>
-      </p:pic>
-      <p:pic>
-        <p:nvPicPr>
-          <p:cNvPr id="14" name="图片 13">
-            <a:extLst>
-              <a:ext uri="{FF2B5EF4-FFF2-40B4-BE49-F238E27FC236}">
-                <a16:creationId xmlns:a16="http://schemas.microsoft.com/office/drawing/2014/main" id="{CC619873-2AC4-466D-9000-887A10599802}"/>
-              </a:ext>
-            </a:extLst>
-          </p:cNvPr>
-          <p:cNvPicPr>
-            <a:picLocks noChangeAspect="1"/>
-          </p:cNvPicPr>
-          <p:nvPr/>
-        </p:nvPicPr>
-        <p:blipFill>
-          <a:blip r:embed="rId4" cstate="print">
-            <a:extLst>
-              <a:ext uri="{28A0092B-C50C-407E-A947-70E740481C1C}">
-                <a14:useLocalDpi xmlns:a14="http://schemas.microsoft.com/office/drawing/2010/main" val="0"/>
-              </a:ext>
-            </a:extLst>
-          </a:blip>
-          <a:stretch>
-            <a:fillRect/>
-          </a:stretch>
-        </p:blipFill>
-        <p:spPr>
-          <a:xfrm>
-            <a:off x="10016127" y="553419"/>
-            <a:ext cx="2643170" cy="5720483"/>
-          </a:xfrm>
-          <a:prstGeom prst="rect">
-            <a:avLst/>
-          </a:prstGeom>
-        </p:spPr>
-      </p:pic>
-    </p:spTree>
-    <p:extLst>
-      <p:ext uri="{BB962C8B-B14F-4D97-AF65-F5344CB8AC3E}">
-        <p14:creationId xmlns:p14="http://schemas.microsoft.com/office/powerpoint/2010/main" val="1417150622"/>
-      </p:ext>
-    </p:extLst>
-  </p:cSld>
-  <p:clrMapOvr>
-    <a:masterClrMapping/>
-  </p:clrMapOvr>
-</p:sld>
-</file>
-
-<file path=ppt/slides/slide16.xml><?xml version="1.0" encoding="utf-8"?>
+<file path=ppt/slides/slide13.xml><?xml version="1.0" encoding="utf-8"?>
 <p:sld xmlns:a="http://schemas.openxmlformats.org/drawingml/2006/main" xmlns:r="http://schemas.openxmlformats.org/officeDocument/2006/relationships" xmlns:p="http://schemas.openxmlformats.org/presentationml/2006/main">
   <p:cSld>
     <p:spTree>
@@ -9050,7 +6685,7 @@
 </p:sld>
 </file>
 
-<file path=ppt/slides/slide17.xml><?xml version="1.0" encoding="utf-8"?>
+<file path=ppt/slides/slide14.xml><?xml version="1.0" encoding="utf-8"?>
 <p:sld xmlns:a="http://schemas.openxmlformats.org/drawingml/2006/main" xmlns:r="http://schemas.openxmlformats.org/officeDocument/2006/relationships" xmlns:p="http://schemas.openxmlformats.org/presentationml/2006/main">
   <p:cSld>
     <p:spTree>
@@ -9468,7 +7103,23 @@
                 <a:cs typeface="+mn-ea"/>
                 <a:sym typeface="Arial" panose="020B0604020202020204" pitchFamily="34" charset="0"/>
               </a:rPr>
-              <a:t>会议记录</a:t>
+              <a:t>会议记录（</a:t>
+            </a:r>
+            <a:r>
+              <a:rPr lang="en-US" altLang="zh-CN" sz="3200" dirty="0">
+                <a:latin typeface="+mn-ea"/>
+                <a:cs typeface="+mn-ea"/>
+                <a:sym typeface="Arial" panose="020B0604020202020204" pitchFamily="34" charset="0"/>
+              </a:rPr>
+              <a:t>1</a:t>
+            </a:r>
+            <a:r>
+              <a:rPr lang="zh-CN" altLang="en-US" sz="3200" dirty="0">
+                <a:latin typeface="+mn-ea"/>
+                <a:cs typeface="+mn-ea"/>
+                <a:sym typeface="Arial" panose="020B0604020202020204" pitchFamily="34" charset="0"/>
+              </a:rPr>
+              <a:t>）</a:t>
             </a:r>
             <a:endParaRPr lang="en-US" sz="3200" dirty="0">
               <a:latin typeface="+mn-ea"/>
@@ -9521,7 +7172,506 @@
 </p:sld>
 </file>
 
-<file path=ppt/slides/slide18.xml><?xml version="1.0" encoding="utf-8"?>
+<file path=ppt/slides/slide15.xml><?xml version="1.0" encoding="utf-8"?>
+<p:sld xmlns:a="http://schemas.openxmlformats.org/drawingml/2006/main" xmlns:r="http://schemas.openxmlformats.org/officeDocument/2006/relationships" xmlns:p="http://schemas.openxmlformats.org/presentationml/2006/main">
+  <p:cSld>
+    <p:spTree>
+      <p:nvGrpSpPr>
+        <p:cNvPr id="1" name=""/>
+        <p:cNvGrpSpPr/>
+        <p:nvPr/>
+      </p:nvGrpSpPr>
+      <p:grpSpPr>
+        <a:xfrm>
+          <a:off x="0" y="0"/>
+          <a:ext cx="0" cy="0"/>
+          <a:chOff x="0" y="0"/>
+          <a:chExt cx="0" cy="0"/>
+        </a:xfrm>
+      </p:grpSpPr>
+      <p:sp>
+        <p:nvSpPr>
+          <p:cNvPr id="3" name="椭圆 2">
+            <a:extLst>
+              <a:ext uri="{FF2B5EF4-FFF2-40B4-BE49-F238E27FC236}">
+                <a16:creationId xmlns:a16="http://schemas.microsoft.com/office/drawing/2014/main" id="{B1E6DE9D-8653-4E59-9640-BB8685D446C4}"/>
+              </a:ext>
+            </a:extLst>
+          </p:cNvPr>
+          <p:cNvSpPr/>
+          <p:nvPr/>
+        </p:nvSpPr>
+        <p:spPr>
+          <a:xfrm>
+            <a:off x="532958" y="327049"/>
+            <a:ext cx="367982" cy="367982"/>
+          </a:xfrm>
+          <a:prstGeom prst="ellipse">
+            <a:avLst/>
+          </a:prstGeom>
+          <a:ln>
+            <a:noFill/>
+          </a:ln>
+          <a:effectLst>
+            <a:outerShdw blurRad="127000" dist="76200" dir="2700000" algn="tl" rotWithShape="0">
+              <a:prstClr val="black">
+                <a:alpha val="40000"/>
+              </a:prstClr>
+            </a:outerShdw>
+          </a:effectLst>
+        </p:spPr>
+        <p:style>
+          <a:lnRef idx="2">
+            <a:schemeClr val="accent1">
+              <a:shade val="50000"/>
+            </a:schemeClr>
+          </a:lnRef>
+          <a:fillRef idx="1">
+            <a:schemeClr val="accent1"/>
+          </a:fillRef>
+          <a:effectRef idx="0">
+            <a:schemeClr val="accent1"/>
+          </a:effectRef>
+          <a:fontRef idx="minor">
+            <a:schemeClr val="lt1"/>
+          </a:fontRef>
+        </p:style>
+        <p:txBody>
+          <a:bodyPr rtlCol="0" anchor="ctr"/>
+          <a:lstStyle/>
+          <a:p>
+            <a:pPr algn="ctr"/>
+            <a:endParaRPr lang="zh-CN" altLang="en-US">
+              <a:solidFill>
+                <a:schemeClr val="accent2">
+                  <a:lumMod val="75000"/>
+                </a:schemeClr>
+              </a:solidFill>
+              <a:latin typeface="Arial" panose="020B0604020202020204" pitchFamily="34" charset="0"/>
+              <a:ea typeface="微软雅黑" panose="020B0503020204020204" pitchFamily="34" charset="-122"/>
+              <a:sym typeface="Arial" panose="020B0604020202020204" pitchFamily="34" charset="0"/>
+            </a:endParaRPr>
+          </a:p>
+        </p:txBody>
+      </p:sp>
+      <p:sp>
+        <p:nvSpPr>
+          <p:cNvPr id="5" name="椭圆 4">
+            <a:extLst>
+              <a:ext uri="{FF2B5EF4-FFF2-40B4-BE49-F238E27FC236}">
+                <a16:creationId xmlns:a16="http://schemas.microsoft.com/office/drawing/2014/main" id="{17D3F8B4-DA48-4C74-9863-FDCC1103D430}"/>
+              </a:ext>
+            </a:extLst>
+          </p:cNvPr>
+          <p:cNvSpPr/>
+          <p:nvPr/>
+        </p:nvSpPr>
+        <p:spPr>
+          <a:xfrm>
+            <a:off x="800016" y="327049"/>
+            <a:ext cx="201847" cy="201847"/>
+          </a:xfrm>
+          <a:prstGeom prst="ellipse">
+            <a:avLst/>
+          </a:prstGeom>
+          <a:solidFill>
+            <a:schemeClr val="bg1">
+              <a:lumMod val="95000"/>
+            </a:schemeClr>
+          </a:solidFill>
+          <a:ln>
+            <a:noFill/>
+          </a:ln>
+          <a:effectLst>
+            <a:outerShdw blurRad="127000" dist="76200" dir="2700000" algn="tl" rotWithShape="0">
+              <a:prstClr val="black">
+                <a:alpha val="40000"/>
+              </a:prstClr>
+            </a:outerShdw>
+          </a:effectLst>
+        </p:spPr>
+        <p:style>
+          <a:lnRef idx="2">
+            <a:schemeClr val="accent1">
+              <a:shade val="50000"/>
+            </a:schemeClr>
+          </a:lnRef>
+          <a:fillRef idx="1">
+            <a:schemeClr val="accent1"/>
+          </a:fillRef>
+          <a:effectRef idx="0">
+            <a:schemeClr val="accent1"/>
+          </a:effectRef>
+          <a:fontRef idx="minor">
+            <a:schemeClr val="lt1"/>
+          </a:fontRef>
+        </p:style>
+        <p:txBody>
+          <a:bodyPr rtlCol="0" anchor="ctr"/>
+          <a:lstStyle/>
+          <a:p>
+            <a:pPr algn="ctr"/>
+            <a:endParaRPr lang="zh-CN" altLang="en-US">
+              <a:solidFill>
+                <a:schemeClr val="accent2">
+                  <a:lumMod val="75000"/>
+                </a:schemeClr>
+              </a:solidFill>
+              <a:latin typeface="Arial" panose="020B0604020202020204" pitchFamily="34" charset="0"/>
+              <a:ea typeface="微软雅黑" panose="020B0503020204020204" pitchFamily="34" charset="-122"/>
+              <a:sym typeface="Arial" panose="020B0604020202020204" pitchFamily="34" charset="0"/>
+            </a:endParaRPr>
+          </a:p>
+        </p:txBody>
+      </p:sp>
+      <p:sp>
+        <p:nvSpPr>
+          <p:cNvPr id="7" name="Content Placeholder 2">
+            <a:extLst>
+              <a:ext uri="{FF2B5EF4-FFF2-40B4-BE49-F238E27FC236}">
+                <a16:creationId xmlns:a16="http://schemas.microsoft.com/office/drawing/2014/main" id="{882D9B06-BE1C-40BA-BA30-0F2EA2C45335}"/>
+              </a:ext>
+            </a:extLst>
+          </p:cNvPr>
+          <p:cNvSpPr txBox="1">
+            <a:spLocks/>
+          </p:cNvSpPr>
+          <p:nvPr/>
+        </p:nvSpPr>
+        <p:spPr>
+          <a:xfrm>
+            <a:off x="1152151" y="243981"/>
+            <a:ext cx="4470044" cy="367982"/>
+          </a:xfrm>
+          <a:prstGeom prst="rect">
+            <a:avLst/>
+          </a:prstGeom>
+        </p:spPr>
+        <p:txBody>
+          <a:bodyPr vert="horz" lIns="96435" tIns="48218" rIns="96435" bIns="48218" rtlCol="0" anchor="t">
+            <a:noAutofit/>
+          </a:bodyPr>
+          <a:lstStyle>
+            <a:lvl1pPr marL="0" indent="0" algn="r" defTabSz="457200" rtl="0" eaLnBrk="1" latinLnBrk="0" hangingPunct="1">
+              <a:spcBef>
+                <a:spcPct val="20000"/>
+              </a:spcBef>
+              <a:spcAft>
+                <a:spcPts val="600"/>
+              </a:spcAft>
+              <a:buClr>
+                <a:schemeClr val="accent1">
+                  <a:lumMod val="75000"/>
+                </a:schemeClr>
+              </a:buClr>
+              <a:buSzPct val="145000"/>
+              <a:buFont typeface="Arial"/>
+              <a:buNone/>
+              <a:defRPr sz="2100" kern="1200" cap="none">
+                <a:solidFill>
+                  <a:schemeClr val="tx1"/>
+                </a:solidFill>
+                <a:effectLst/>
+                <a:latin typeface="+mn-lt"/>
+                <a:ea typeface="+mn-ea"/>
+                <a:cs typeface="+mn-cs"/>
+              </a:defRPr>
+            </a:lvl1pPr>
+            <a:lvl2pPr marL="457200" indent="0" algn="ctr" defTabSz="457200" rtl="0" eaLnBrk="1" latinLnBrk="0" hangingPunct="1">
+              <a:spcBef>
+                <a:spcPct val="20000"/>
+              </a:spcBef>
+              <a:spcAft>
+                <a:spcPts val="600"/>
+              </a:spcAft>
+              <a:buClr>
+                <a:schemeClr val="accent1">
+                  <a:lumMod val="75000"/>
+                </a:schemeClr>
+              </a:buClr>
+              <a:buSzPct val="145000"/>
+              <a:buFont typeface="Arial"/>
+              <a:buNone/>
+              <a:defRPr sz="2000" kern="1200" cap="none">
+                <a:solidFill>
+                  <a:schemeClr val="tx1">
+                    <a:tint val="75000"/>
+                  </a:schemeClr>
+                </a:solidFill>
+                <a:effectLst/>
+                <a:latin typeface="+mn-lt"/>
+                <a:ea typeface="+mn-ea"/>
+                <a:cs typeface="+mn-cs"/>
+              </a:defRPr>
+            </a:lvl2pPr>
+            <a:lvl3pPr marL="914400" indent="0" algn="ctr" defTabSz="457200" rtl="0" eaLnBrk="1" latinLnBrk="0" hangingPunct="1">
+              <a:spcBef>
+                <a:spcPct val="20000"/>
+              </a:spcBef>
+              <a:spcAft>
+                <a:spcPts val="600"/>
+              </a:spcAft>
+              <a:buClr>
+                <a:schemeClr val="accent1">
+                  <a:lumMod val="75000"/>
+                </a:schemeClr>
+              </a:buClr>
+              <a:buSzPct val="145000"/>
+              <a:buFont typeface="Arial"/>
+              <a:buNone/>
+              <a:defRPr sz="1800" kern="1200" cap="none">
+                <a:solidFill>
+                  <a:schemeClr val="tx1">
+                    <a:tint val="75000"/>
+                  </a:schemeClr>
+                </a:solidFill>
+                <a:effectLst/>
+                <a:latin typeface="+mn-lt"/>
+                <a:ea typeface="+mn-ea"/>
+                <a:cs typeface="+mn-cs"/>
+              </a:defRPr>
+            </a:lvl3pPr>
+            <a:lvl4pPr marL="1371600" indent="0" algn="ctr" defTabSz="457200" rtl="0" eaLnBrk="1" latinLnBrk="0" hangingPunct="1">
+              <a:spcBef>
+                <a:spcPct val="20000"/>
+              </a:spcBef>
+              <a:spcAft>
+                <a:spcPts val="600"/>
+              </a:spcAft>
+              <a:buClr>
+                <a:schemeClr val="accent1">
+                  <a:lumMod val="75000"/>
+                </a:schemeClr>
+              </a:buClr>
+              <a:buSzPct val="145000"/>
+              <a:buFont typeface="Arial"/>
+              <a:buNone/>
+              <a:defRPr sz="1600" kern="1200" cap="none">
+                <a:solidFill>
+                  <a:schemeClr val="tx1">
+                    <a:tint val="75000"/>
+                  </a:schemeClr>
+                </a:solidFill>
+                <a:effectLst/>
+                <a:latin typeface="+mn-lt"/>
+                <a:ea typeface="+mn-ea"/>
+                <a:cs typeface="+mn-cs"/>
+              </a:defRPr>
+            </a:lvl4pPr>
+            <a:lvl5pPr marL="1828800" indent="0" algn="ctr" defTabSz="457200" rtl="0" eaLnBrk="1" latinLnBrk="0" hangingPunct="1">
+              <a:spcBef>
+                <a:spcPct val="20000"/>
+              </a:spcBef>
+              <a:spcAft>
+                <a:spcPts val="600"/>
+              </a:spcAft>
+              <a:buClr>
+                <a:schemeClr val="accent1">
+                  <a:lumMod val="75000"/>
+                </a:schemeClr>
+              </a:buClr>
+              <a:buSzPct val="145000"/>
+              <a:buFont typeface="Arial"/>
+              <a:buNone/>
+              <a:defRPr sz="1400" kern="1200" cap="none">
+                <a:solidFill>
+                  <a:schemeClr val="tx1">
+                    <a:tint val="75000"/>
+                  </a:schemeClr>
+                </a:solidFill>
+                <a:effectLst/>
+                <a:latin typeface="+mn-lt"/>
+                <a:ea typeface="+mn-ea"/>
+                <a:cs typeface="+mn-cs"/>
+              </a:defRPr>
+            </a:lvl5pPr>
+            <a:lvl6pPr marL="2286000" indent="0" algn="ctr" defTabSz="457200" rtl="0" eaLnBrk="1" latinLnBrk="0" hangingPunct="1">
+              <a:spcBef>
+                <a:spcPct val="20000"/>
+              </a:spcBef>
+              <a:spcAft>
+                <a:spcPts val="600"/>
+              </a:spcAft>
+              <a:buClr>
+                <a:schemeClr val="accent1">
+                  <a:lumMod val="75000"/>
+                </a:schemeClr>
+              </a:buClr>
+              <a:buSzPct val="145000"/>
+              <a:buFont typeface="Arial"/>
+              <a:buNone/>
+              <a:defRPr sz="1400" kern="1200" cap="none">
+                <a:solidFill>
+                  <a:schemeClr val="tx1">
+                    <a:tint val="75000"/>
+                  </a:schemeClr>
+                </a:solidFill>
+                <a:effectLst/>
+                <a:latin typeface="+mn-lt"/>
+                <a:ea typeface="+mn-ea"/>
+                <a:cs typeface="+mn-cs"/>
+              </a:defRPr>
+            </a:lvl6pPr>
+            <a:lvl7pPr marL="2743200" indent="0" algn="ctr" defTabSz="457200" rtl="0" eaLnBrk="1" latinLnBrk="0" hangingPunct="1">
+              <a:spcBef>
+                <a:spcPct val="20000"/>
+              </a:spcBef>
+              <a:spcAft>
+                <a:spcPts val="600"/>
+              </a:spcAft>
+              <a:buClr>
+                <a:schemeClr val="accent1">
+                  <a:lumMod val="75000"/>
+                </a:schemeClr>
+              </a:buClr>
+              <a:buSzPct val="145000"/>
+              <a:buFont typeface="Arial"/>
+              <a:buNone/>
+              <a:defRPr sz="1400" kern="1200" cap="none">
+                <a:solidFill>
+                  <a:schemeClr val="tx1">
+                    <a:tint val="75000"/>
+                  </a:schemeClr>
+                </a:solidFill>
+                <a:effectLst/>
+                <a:latin typeface="+mn-lt"/>
+                <a:ea typeface="+mn-ea"/>
+                <a:cs typeface="+mn-cs"/>
+              </a:defRPr>
+            </a:lvl7pPr>
+            <a:lvl8pPr marL="3200400" indent="0" algn="ctr" defTabSz="457200" rtl="0" eaLnBrk="1" latinLnBrk="0" hangingPunct="1">
+              <a:spcBef>
+                <a:spcPct val="20000"/>
+              </a:spcBef>
+              <a:spcAft>
+                <a:spcPts val="600"/>
+              </a:spcAft>
+              <a:buClr>
+                <a:schemeClr val="accent1">
+                  <a:lumMod val="75000"/>
+                </a:schemeClr>
+              </a:buClr>
+              <a:buSzPct val="145000"/>
+              <a:buFont typeface="Arial"/>
+              <a:buNone/>
+              <a:defRPr sz="1400" kern="1200" cap="none">
+                <a:solidFill>
+                  <a:schemeClr val="tx1">
+                    <a:tint val="75000"/>
+                  </a:schemeClr>
+                </a:solidFill>
+                <a:effectLst/>
+                <a:latin typeface="+mn-lt"/>
+                <a:ea typeface="+mn-ea"/>
+                <a:cs typeface="+mn-cs"/>
+              </a:defRPr>
+            </a:lvl8pPr>
+            <a:lvl9pPr marL="3657600" indent="0" algn="ctr" defTabSz="457200" rtl="0" eaLnBrk="1" latinLnBrk="0" hangingPunct="1">
+              <a:spcBef>
+                <a:spcPct val="20000"/>
+              </a:spcBef>
+              <a:spcAft>
+                <a:spcPts val="600"/>
+              </a:spcAft>
+              <a:buClr>
+                <a:schemeClr val="accent1">
+                  <a:lumMod val="75000"/>
+                </a:schemeClr>
+              </a:buClr>
+              <a:buSzPct val="145000"/>
+              <a:buFont typeface="Arial"/>
+              <a:buNone/>
+              <a:defRPr sz="1400" kern="1200" cap="none">
+                <a:solidFill>
+                  <a:schemeClr val="tx1">
+                    <a:tint val="75000"/>
+                  </a:schemeClr>
+                </a:solidFill>
+                <a:effectLst/>
+                <a:latin typeface="+mn-lt"/>
+                <a:ea typeface="+mn-ea"/>
+                <a:cs typeface="+mn-cs"/>
+              </a:defRPr>
+            </a:lvl9pPr>
+          </a:lstStyle>
+          <a:p>
+            <a:pPr algn="l"/>
+            <a:r>
+              <a:rPr lang="zh-CN" altLang="en-US" sz="3200" dirty="0">
+                <a:latin typeface="+mn-ea"/>
+                <a:cs typeface="+mn-ea"/>
+                <a:sym typeface="Arial" panose="020B0604020202020204" pitchFamily="34" charset="0"/>
+              </a:rPr>
+              <a:t>会议记录（</a:t>
+            </a:r>
+            <a:r>
+              <a:rPr lang="en-US" altLang="zh-CN" sz="3200" dirty="0">
+                <a:latin typeface="+mn-ea"/>
+                <a:cs typeface="+mn-ea"/>
+                <a:sym typeface="Arial" panose="020B0604020202020204" pitchFamily="34" charset="0"/>
+              </a:rPr>
+              <a:t>2</a:t>
+            </a:r>
+            <a:r>
+              <a:rPr lang="zh-CN" altLang="en-US" sz="3200" dirty="0">
+                <a:latin typeface="+mn-ea"/>
+                <a:cs typeface="+mn-ea"/>
+                <a:sym typeface="Arial" panose="020B0604020202020204" pitchFamily="34" charset="0"/>
+              </a:rPr>
+              <a:t>）</a:t>
+            </a:r>
+            <a:endParaRPr lang="en-US" sz="3200" dirty="0">
+              <a:latin typeface="+mn-ea"/>
+              <a:cs typeface="+mn-ea"/>
+              <a:sym typeface="Arial" panose="020B0604020202020204" pitchFamily="34" charset="0"/>
+            </a:endParaRPr>
+          </a:p>
+        </p:txBody>
+      </p:sp>
+      <p:pic>
+        <p:nvPicPr>
+          <p:cNvPr id="9" name="图片 8">
+            <a:extLst>
+              <a:ext uri="{FF2B5EF4-FFF2-40B4-BE49-F238E27FC236}">
+                <a16:creationId xmlns:a16="http://schemas.microsoft.com/office/drawing/2014/main" id="{34E3FAE5-8037-46EB-B815-A70D4A09435D}"/>
+              </a:ext>
+            </a:extLst>
+          </p:cNvPr>
+          <p:cNvPicPr>
+            <a:picLocks noChangeAspect="1"/>
+          </p:cNvPicPr>
+          <p:nvPr/>
+        </p:nvPicPr>
+        <p:blipFill>
+          <a:blip r:embed="rId2"/>
+          <a:stretch>
+            <a:fillRect/>
+          </a:stretch>
+        </p:blipFill>
+        <p:spPr>
+          <a:xfrm>
+            <a:off x="3164411" y="729212"/>
+            <a:ext cx="6529927" cy="5972493"/>
+          </a:xfrm>
+          <a:prstGeom prst="rect">
+            <a:avLst/>
+          </a:prstGeom>
+        </p:spPr>
+      </p:pic>
+    </p:spTree>
+    <p:extLst>
+      <p:ext uri="{BB962C8B-B14F-4D97-AF65-F5344CB8AC3E}">
+        <p14:creationId xmlns:p14="http://schemas.microsoft.com/office/powerpoint/2010/main" val="663072029"/>
+      </p:ext>
+    </p:extLst>
+  </p:cSld>
+  <p:clrMapOvr>
+    <a:masterClrMapping/>
+  </p:clrMapOvr>
+</p:sld>
+</file>
+
+<file path=ppt/slides/slide16.xml><?xml version="1.0" encoding="utf-8"?>
 <p:sld xmlns:a="http://schemas.openxmlformats.org/drawingml/2006/main" xmlns:r="http://schemas.openxmlformats.org/officeDocument/2006/relationships" xmlns:p="http://schemas.openxmlformats.org/presentationml/2006/main">
   <p:cSld>
     <p:spTree>
@@ -9961,6 +8111,36 @@
           </a:p>
         </p:txBody>
       </p:sp>
+      <p:pic>
+        <p:nvPicPr>
+          <p:cNvPr id="2" name="图片 1">
+            <a:extLst>
+              <a:ext uri="{FF2B5EF4-FFF2-40B4-BE49-F238E27FC236}">
+                <a16:creationId xmlns:a16="http://schemas.microsoft.com/office/drawing/2014/main" id="{DAE0C28A-D7CB-4758-9369-90FBC405D56A}"/>
+              </a:ext>
+            </a:extLst>
+          </p:cNvPr>
+          <p:cNvPicPr>
+            <a:picLocks noChangeAspect="1"/>
+          </p:cNvPicPr>
+          <p:nvPr/>
+        </p:nvPicPr>
+        <p:blipFill>
+          <a:blip r:embed="rId2"/>
+          <a:stretch>
+            <a:fillRect/>
+          </a:stretch>
+        </p:blipFill>
+        <p:spPr>
+          <a:xfrm>
+            <a:off x="236820" y="1221844"/>
+            <a:ext cx="12385110" cy="5648770"/>
+          </a:xfrm>
+          <a:prstGeom prst="rect">
+            <a:avLst/>
+          </a:prstGeom>
+        </p:spPr>
+      </p:pic>
     </p:spTree>
     <p:extLst>
       <p:ext uri="{BB962C8B-B14F-4D97-AF65-F5344CB8AC3E}">
@@ -9974,7 +8154,7 @@
 </p:sld>
 </file>
 
-<file path=ppt/slides/slide19.xml><?xml version="1.0" encoding="utf-8"?>
+<file path=ppt/slides/slide17.xml><?xml version="1.0" encoding="utf-8"?>
 <p:sld xmlns:a="http://schemas.openxmlformats.org/drawingml/2006/main" xmlns:r="http://schemas.openxmlformats.org/officeDocument/2006/relationships" xmlns:p="http://schemas.openxmlformats.org/presentationml/2006/main">
   <p:cSld>
     <p:spTree>
@@ -10481,1162 +8661,7 @@
 </p:sld>
 </file>
 
-<file path=ppt/slides/slide2.xml><?xml version="1.0" encoding="utf-8"?>
-<p:sld xmlns:a="http://schemas.openxmlformats.org/drawingml/2006/main" xmlns:r="http://schemas.openxmlformats.org/officeDocument/2006/relationships" xmlns:p="http://schemas.openxmlformats.org/presentationml/2006/main">
-  <p:cSld>
-    <p:spTree>
-      <p:nvGrpSpPr>
-        <p:cNvPr id="1" name=""/>
-        <p:cNvGrpSpPr/>
-        <p:nvPr/>
-      </p:nvGrpSpPr>
-      <p:grpSpPr>
-        <a:xfrm>
-          <a:off x="0" y="0"/>
-          <a:ext cx="0" cy="0"/>
-          <a:chOff x="0" y="0"/>
-          <a:chExt cx="0" cy="0"/>
-        </a:xfrm>
-      </p:grpSpPr>
-      <p:sp>
-        <p:nvSpPr>
-          <p:cNvPr id="3" name="矩形 2"/>
-          <p:cNvSpPr/>
-          <p:nvPr/>
-        </p:nvSpPr>
-        <p:spPr>
-          <a:xfrm>
-            <a:off x="0" y="0"/>
-            <a:ext cx="12855576" cy="7230864"/>
-          </a:xfrm>
-          <a:prstGeom prst="rect">
-            <a:avLst/>
-          </a:prstGeom>
-          <a:solidFill>
-            <a:schemeClr val="accent1"/>
-          </a:solidFill>
-          <a:ln>
-            <a:noFill/>
-          </a:ln>
-        </p:spPr>
-        <p:style>
-          <a:lnRef idx="2">
-            <a:schemeClr val="accent1">
-              <a:shade val="50000"/>
-            </a:schemeClr>
-          </a:lnRef>
-          <a:fillRef idx="1">
-            <a:schemeClr val="accent1"/>
-          </a:fillRef>
-          <a:effectRef idx="0">
-            <a:schemeClr val="accent1"/>
-          </a:effectRef>
-          <a:fontRef idx="minor">
-            <a:schemeClr val="lt1"/>
-          </a:fontRef>
-        </p:style>
-        <p:txBody>
-          <a:bodyPr rtlCol="0" anchor="ctr"/>
-          <a:lstStyle/>
-          <a:p>
-            <a:pPr algn="ctr"/>
-            <a:endParaRPr lang="zh-CN" altLang="en-US">
-              <a:ea typeface="微软雅黑" panose="020B0503020204020204" pitchFamily="34" charset="-122"/>
-            </a:endParaRPr>
-          </a:p>
-        </p:txBody>
-      </p:sp>
-      <p:sp>
-        <p:nvSpPr>
-          <p:cNvPr id="2" name="矩形 1"/>
-          <p:cNvSpPr/>
-          <p:nvPr/>
-        </p:nvSpPr>
-        <p:spPr>
-          <a:xfrm>
-            <a:off x="909689" y="895"/>
-            <a:ext cx="3243774" cy="7230863"/>
-          </a:xfrm>
-          <a:prstGeom prst="rect">
-            <a:avLst/>
-          </a:prstGeom>
-          <a:solidFill>
-            <a:schemeClr val="accent6"/>
-          </a:solidFill>
-          <a:ln>
-            <a:noFill/>
-          </a:ln>
-        </p:spPr>
-        <p:style>
-          <a:lnRef idx="2">
-            <a:schemeClr val="accent1">
-              <a:shade val="50000"/>
-            </a:schemeClr>
-          </a:lnRef>
-          <a:fillRef idx="1">
-            <a:schemeClr val="accent1"/>
-          </a:fillRef>
-          <a:effectRef idx="0">
-            <a:schemeClr val="accent1"/>
-          </a:effectRef>
-          <a:fontRef idx="minor">
-            <a:schemeClr val="lt1"/>
-          </a:fontRef>
-        </p:style>
-        <p:txBody>
-          <a:bodyPr rtlCol="0" anchor="ctr"/>
-          <a:lstStyle/>
-          <a:p>
-            <a:pPr algn="ctr"/>
-            <a:endParaRPr lang="zh-CN" altLang="en-US">
-              <a:ea typeface="微软雅黑" panose="020B0503020204020204" pitchFamily="34" charset="-122"/>
-            </a:endParaRPr>
-          </a:p>
-        </p:txBody>
-      </p:sp>
-      <p:sp>
-        <p:nvSpPr>
-          <p:cNvPr id="52" name="矩形 51"/>
-          <p:cNvSpPr/>
-          <p:nvPr/>
-        </p:nvSpPr>
-        <p:spPr>
-          <a:xfrm>
-            <a:off x="7633407" y="963955"/>
-            <a:ext cx="902811" cy="564898"/>
-          </a:xfrm>
-          <a:prstGeom prst="rect">
-            <a:avLst/>
-          </a:prstGeom>
-          <a:effectLst/>
-        </p:spPr>
-        <p:txBody>
-          <a:bodyPr wrap="none">
-            <a:spAutoFit/>
-          </a:bodyPr>
-          <a:lstStyle/>
-          <a:p>
-            <a:pPr>
-              <a:lnSpc>
-                <a:spcPct val="120000"/>
-              </a:lnSpc>
-            </a:pPr>
-            <a:r>
-              <a:rPr lang="zh-CN" altLang="en-US" sz="2800" dirty="0">
-                <a:solidFill>
-                  <a:schemeClr val="bg1"/>
-                </a:solidFill>
-                <a:latin typeface="Arial" panose="020B0604020202020204" pitchFamily="34" charset="0"/>
-                <a:ea typeface="微软雅黑" panose="020B0503020204020204" pitchFamily="34" charset="-122"/>
-                <a:cs typeface="+mn-ea"/>
-                <a:sym typeface="Arial" panose="020B0604020202020204" pitchFamily="34" charset="0"/>
-              </a:rPr>
-              <a:t>引言</a:t>
-            </a:r>
-            <a:endParaRPr lang="en-US" altLang="zh-CN" sz="2800" dirty="0">
-              <a:solidFill>
-                <a:schemeClr val="bg1"/>
-              </a:solidFill>
-              <a:latin typeface="Arial" panose="020B0604020202020204" pitchFamily="34" charset="0"/>
-              <a:ea typeface="微软雅黑" panose="020B0503020204020204" pitchFamily="34" charset="-122"/>
-              <a:cs typeface="+mn-ea"/>
-              <a:sym typeface="Arial" panose="020B0604020202020204" pitchFamily="34" charset="0"/>
-            </a:endParaRPr>
-          </a:p>
-        </p:txBody>
-      </p:sp>
-      <p:sp>
-        <p:nvSpPr>
-          <p:cNvPr id="56" name="圆角矩形 55"/>
-          <p:cNvSpPr/>
-          <p:nvPr/>
-        </p:nvSpPr>
-        <p:spPr bwMode="auto">
-          <a:xfrm>
-            <a:off x="6268090" y="952029"/>
-            <a:ext cx="714104" cy="588750"/>
-          </a:xfrm>
-          <a:prstGeom prst="roundRect">
-            <a:avLst/>
-          </a:prstGeom>
-          <a:solidFill>
-            <a:schemeClr val="accent2"/>
-          </a:solidFill>
-          <a:ln w="38100">
-            <a:noFill/>
-          </a:ln>
-          <a:effectLst>
-            <a:outerShdw blurRad="203200" dist="88900" dir="8100000" sx="102000" sy="102000" algn="tr" rotWithShape="0">
-              <a:prstClr val="black">
-                <a:alpha val="30000"/>
-              </a:prstClr>
-            </a:outerShdw>
-          </a:effectLst>
-        </p:spPr>
-        <p:style>
-          <a:lnRef idx="2">
-            <a:schemeClr val="accent1">
-              <a:shade val="50000"/>
-            </a:schemeClr>
-          </a:lnRef>
-          <a:fillRef idx="1">
-            <a:schemeClr val="accent1"/>
-          </a:fillRef>
-          <a:effectRef idx="0">
-            <a:schemeClr val="accent1"/>
-          </a:effectRef>
-          <a:fontRef idx="minor">
-            <a:schemeClr val="lt1"/>
-          </a:fontRef>
-        </p:style>
-        <p:txBody>
-          <a:bodyPr anchor="ctr"/>
-          <a:lstStyle/>
-          <a:p>
-            <a:pPr algn="ctr" fontAlgn="auto">
-              <a:spcBef>
-                <a:spcPts val="0"/>
-              </a:spcBef>
-              <a:spcAft>
-                <a:spcPts val="0"/>
-              </a:spcAft>
-              <a:defRPr/>
-            </a:pPr>
-            <a:r>
-              <a:rPr lang="en-US" altLang="zh-CN" sz="2800" dirty="0">
-                <a:latin typeface="Impact" panose="020B0806030902050204" pitchFamily="34" charset="0"/>
-                <a:ea typeface="微软雅黑" panose="020B0503020204020204" pitchFamily="34" charset="-122"/>
-                <a:cs typeface="+mn-ea"/>
-                <a:sym typeface="+mn-lt"/>
-              </a:rPr>
-              <a:t>1</a:t>
-            </a:r>
-            <a:endParaRPr lang="zh-CN" altLang="en-US" sz="2800" dirty="0">
-              <a:latin typeface="Impact" panose="020B0806030902050204" pitchFamily="34" charset="0"/>
-              <a:ea typeface="微软雅黑" panose="020B0503020204020204" pitchFamily="34" charset="-122"/>
-              <a:cs typeface="+mn-ea"/>
-              <a:sym typeface="+mn-lt"/>
-            </a:endParaRPr>
-          </a:p>
-        </p:txBody>
-      </p:sp>
-      <p:sp>
-        <p:nvSpPr>
-          <p:cNvPr id="58" name="矩形 57"/>
-          <p:cNvSpPr/>
-          <p:nvPr/>
-        </p:nvSpPr>
-        <p:spPr>
-          <a:xfrm>
-            <a:off x="7633407" y="1888133"/>
-            <a:ext cx="1620957" cy="564898"/>
-          </a:xfrm>
-          <a:prstGeom prst="rect">
-            <a:avLst/>
-          </a:prstGeom>
-          <a:effectLst/>
-        </p:spPr>
-        <p:txBody>
-          <a:bodyPr wrap="none">
-            <a:spAutoFit/>
-          </a:bodyPr>
-          <a:lstStyle/>
-          <a:p>
-            <a:pPr>
-              <a:lnSpc>
-                <a:spcPct val="120000"/>
-              </a:lnSpc>
-            </a:pPr>
-            <a:r>
-              <a:rPr lang="zh-CN" altLang="en-US" sz="2800" dirty="0">
-                <a:solidFill>
-                  <a:schemeClr val="bg1"/>
-                </a:solidFill>
-                <a:latin typeface="Arial" panose="020B0604020202020204" pitchFamily="34" charset="0"/>
-                <a:ea typeface="微软雅黑" panose="020B0503020204020204" pitchFamily="34" charset="-122"/>
-                <a:cs typeface="+mn-ea"/>
-                <a:sym typeface="Arial" panose="020B0604020202020204" pitchFamily="34" charset="0"/>
-              </a:rPr>
-              <a:t>需求分析</a:t>
-            </a:r>
-            <a:endParaRPr lang="en-US" altLang="zh-CN" sz="2800" dirty="0">
-              <a:solidFill>
-                <a:schemeClr val="bg1"/>
-              </a:solidFill>
-              <a:latin typeface="Arial" panose="020B0604020202020204" pitchFamily="34" charset="0"/>
-              <a:ea typeface="微软雅黑" panose="020B0503020204020204" pitchFamily="34" charset="-122"/>
-              <a:cs typeface="+mn-ea"/>
-              <a:sym typeface="Arial" panose="020B0604020202020204" pitchFamily="34" charset="0"/>
-            </a:endParaRPr>
-          </a:p>
-        </p:txBody>
-      </p:sp>
-      <p:sp>
-        <p:nvSpPr>
-          <p:cNvPr id="75" name="圆角矩形 74"/>
-          <p:cNvSpPr/>
-          <p:nvPr/>
-        </p:nvSpPr>
-        <p:spPr bwMode="auto">
-          <a:xfrm>
-            <a:off x="6268090" y="1888133"/>
-            <a:ext cx="714104" cy="588750"/>
-          </a:xfrm>
-          <a:prstGeom prst="roundRect">
-            <a:avLst/>
-          </a:prstGeom>
-          <a:solidFill>
-            <a:schemeClr val="accent2"/>
-          </a:solidFill>
-          <a:ln w="38100">
-            <a:noFill/>
-          </a:ln>
-          <a:effectLst>
-            <a:outerShdw blurRad="203200" dist="88900" dir="8100000" sx="102000" sy="102000" algn="tr" rotWithShape="0">
-              <a:prstClr val="black">
-                <a:alpha val="30000"/>
-              </a:prstClr>
-            </a:outerShdw>
-          </a:effectLst>
-        </p:spPr>
-        <p:style>
-          <a:lnRef idx="2">
-            <a:schemeClr val="accent1">
-              <a:shade val="50000"/>
-            </a:schemeClr>
-          </a:lnRef>
-          <a:fillRef idx="1">
-            <a:schemeClr val="accent1"/>
-          </a:fillRef>
-          <a:effectRef idx="0">
-            <a:schemeClr val="accent1"/>
-          </a:effectRef>
-          <a:fontRef idx="minor">
-            <a:schemeClr val="lt1"/>
-          </a:fontRef>
-        </p:style>
-        <p:txBody>
-          <a:bodyPr anchor="ctr"/>
-          <a:lstStyle/>
-          <a:p>
-            <a:pPr algn="ctr" fontAlgn="auto">
-              <a:spcBef>
-                <a:spcPts val="0"/>
-              </a:spcBef>
-              <a:spcAft>
-                <a:spcPts val="0"/>
-              </a:spcAft>
-              <a:defRPr/>
-            </a:pPr>
-            <a:r>
-              <a:rPr lang="en-US" altLang="zh-CN" sz="2800" dirty="0">
-                <a:latin typeface="Impact" panose="020B0806030902050204" pitchFamily="34" charset="0"/>
-                <a:ea typeface="微软雅黑" panose="020B0503020204020204" pitchFamily="34" charset="-122"/>
-                <a:cs typeface="+mn-ea"/>
-                <a:sym typeface="+mn-lt"/>
-              </a:rPr>
-              <a:t>2</a:t>
-            </a:r>
-            <a:endParaRPr lang="zh-CN" altLang="en-US" sz="2800" dirty="0">
-              <a:latin typeface="Impact" panose="020B0806030902050204" pitchFamily="34" charset="0"/>
-              <a:ea typeface="微软雅黑" panose="020B0503020204020204" pitchFamily="34" charset="-122"/>
-              <a:cs typeface="+mn-ea"/>
-              <a:sym typeface="+mn-lt"/>
-            </a:endParaRPr>
-          </a:p>
-        </p:txBody>
-      </p:sp>
-      <p:sp>
-        <p:nvSpPr>
-          <p:cNvPr id="101" name="圆角矩形 100"/>
-          <p:cNvSpPr/>
-          <p:nvPr/>
-        </p:nvSpPr>
-        <p:spPr bwMode="auto">
-          <a:xfrm>
-            <a:off x="6268090" y="2896245"/>
-            <a:ext cx="714104" cy="588750"/>
-          </a:xfrm>
-          <a:prstGeom prst="roundRect">
-            <a:avLst/>
-          </a:prstGeom>
-          <a:solidFill>
-            <a:schemeClr val="accent2"/>
-          </a:solidFill>
-          <a:ln w="38100">
-            <a:noFill/>
-          </a:ln>
-          <a:effectLst>
-            <a:outerShdw blurRad="203200" dist="88900" dir="8100000" sx="102000" sy="102000" algn="tr" rotWithShape="0">
-              <a:prstClr val="black">
-                <a:alpha val="30000"/>
-              </a:prstClr>
-            </a:outerShdw>
-          </a:effectLst>
-        </p:spPr>
-        <p:style>
-          <a:lnRef idx="2">
-            <a:schemeClr val="accent1">
-              <a:shade val="50000"/>
-            </a:schemeClr>
-          </a:lnRef>
-          <a:fillRef idx="1">
-            <a:schemeClr val="accent1"/>
-          </a:fillRef>
-          <a:effectRef idx="0">
-            <a:schemeClr val="accent1"/>
-          </a:effectRef>
-          <a:fontRef idx="minor">
-            <a:schemeClr val="lt1"/>
-          </a:fontRef>
-        </p:style>
-        <p:txBody>
-          <a:bodyPr anchor="ctr"/>
-          <a:lstStyle/>
-          <a:p>
-            <a:pPr algn="ctr" fontAlgn="auto">
-              <a:spcBef>
-                <a:spcPts val="0"/>
-              </a:spcBef>
-              <a:spcAft>
-                <a:spcPts val="0"/>
-              </a:spcAft>
-              <a:defRPr/>
-            </a:pPr>
-            <a:r>
-              <a:rPr lang="en-US" altLang="zh-CN" sz="2800" dirty="0">
-                <a:latin typeface="Impact" panose="020B0806030902050204" pitchFamily="34" charset="0"/>
-                <a:ea typeface="微软雅黑" panose="020B0503020204020204" pitchFamily="34" charset="-122"/>
-                <a:cs typeface="+mn-ea"/>
-                <a:sym typeface="+mn-lt"/>
-              </a:rPr>
-              <a:t>3</a:t>
-            </a:r>
-            <a:endParaRPr lang="zh-CN" altLang="en-US" sz="2800" dirty="0">
-              <a:latin typeface="Impact" panose="020B0806030902050204" pitchFamily="34" charset="0"/>
-              <a:ea typeface="微软雅黑" panose="020B0503020204020204" pitchFamily="34" charset="-122"/>
-              <a:cs typeface="+mn-ea"/>
-              <a:sym typeface="+mn-lt"/>
-            </a:endParaRPr>
-          </a:p>
-        </p:txBody>
-      </p:sp>
-      <p:sp>
-        <p:nvSpPr>
-          <p:cNvPr id="103" name="矩形 102"/>
-          <p:cNvSpPr/>
-          <p:nvPr/>
-        </p:nvSpPr>
-        <p:spPr>
-          <a:xfrm>
-            <a:off x="7633407" y="2900375"/>
-            <a:ext cx="1620957" cy="564898"/>
-          </a:xfrm>
-          <a:prstGeom prst="rect">
-            <a:avLst/>
-          </a:prstGeom>
-          <a:effectLst/>
-        </p:spPr>
-        <p:txBody>
-          <a:bodyPr wrap="none">
-            <a:spAutoFit/>
-          </a:bodyPr>
-          <a:lstStyle/>
-          <a:p>
-            <a:pPr>
-              <a:lnSpc>
-                <a:spcPct val="120000"/>
-              </a:lnSpc>
-            </a:pPr>
-            <a:r>
-              <a:rPr lang="zh-CN" altLang="en-US" sz="2800" dirty="0">
-                <a:solidFill>
-                  <a:schemeClr val="bg1"/>
-                </a:solidFill>
-                <a:latin typeface="Arial" panose="020B0604020202020204" pitchFamily="34" charset="0"/>
-                <a:ea typeface="微软雅黑" panose="020B0503020204020204" pitchFamily="34" charset="-122"/>
-                <a:cs typeface="+mn-ea"/>
-                <a:sym typeface="Arial" panose="020B0604020202020204" pitchFamily="34" charset="0"/>
-              </a:rPr>
-              <a:t>界面原型</a:t>
-            </a:r>
-            <a:endParaRPr lang="en-US" altLang="zh-CN" sz="2800" dirty="0">
-              <a:solidFill>
-                <a:schemeClr val="bg1"/>
-              </a:solidFill>
-              <a:latin typeface="Arial" panose="020B0604020202020204" pitchFamily="34" charset="0"/>
-              <a:ea typeface="微软雅黑" panose="020B0503020204020204" pitchFamily="34" charset="-122"/>
-              <a:cs typeface="+mn-ea"/>
-              <a:sym typeface="Arial" panose="020B0604020202020204" pitchFamily="34" charset="0"/>
-            </a:endParaRPr>
-          </a:p>
-        </p:txBody>
-      </p:sp>
-      <p:sp>
-        <p:nvSpPr>
-          <p:cNvPr id="107" name="圆角矩形 106"/>
-          <p:cNvSpPr/>
-          <p:nvPr/>
-        </p:nvSpPr>
-        <p:spPr bwMode="auto">
-          <a:xfrm>
-            <a:off x="6268090" y="3904357"/>
-            <a:ext cx="714104" cy="588750"/>
-          </a:xfrm>
-          <a:prstGeom prst="roundRect">
-            <a:avLst/>
-          </a:prstGeom>
-          <a:solidFill>
-            <a:schemeClr val="accent2"/>
-          </a:solidFill>
-          <a:ln w="38100">
-            <a:noFill/>
-          </a:ln>
-          <a:effectLst>
-            <a:outerShdw blurRad="203200" dist="88900" dir="8100000" sx="102000" sy="102000" algn="tr" rotWithShape="0">
-              <a:prstClr val="black">
-                <a:alpha val="30000"/>
-              </a:prstClr>
-            </a:outerShdw>
-          </a:effectLst>
-        </p:spPr>
-        <p:style>
-          <a:lnRef idx="2">
-            <a:schemeClr val="accent1">
-              <a:shade val="50000"/>
-            </a:schemeClr>
-          </a:lnRef>
-          <a:fillRef idx="1">
-            <a:schemeClr val="accent1"/>
-          </a:fillRef>
-          <a:effectRef idx="0">
-            <a:schemeClr val="accent1"/>
-          </a:effectRef>
-          <a:fontRef idx="minor">
-            <a:schemeClr val="lt1"/>
-          </a:fontRef>
-        </p:style>
-        <p:txBody>
-          <a:bodyPr anchor="ctr"/>
-          <a:lstStyle/>
-          <a:p>
-            <a:pPr algn="ctr" fontAlgn="auto">
-              <a:spcBef>
-                <a:spcPts val="0"/>
-              </a:spcBef>
-              <a:spcAft>
-                <a:spcPts val="0"/>
-              </a:spcAft>
-              <a:defRPr/>
-            </a:pPr>
-            <a:r>
-              <a:rPr lang="en-US" altLang="zh-CN" sz="2800" dirty="0">
-                <a:latin typeface="Impact" panose="020B0806030902050204" pitchFamily="34" charset="0"/>
-                <a:ea typeface="微软雅黑" panose="020B0503020204020204" pitchFamily="34" charset="-122"/>
-                <a:cs typeface="+mn-ea"/>
-                <a:sym typeface="+mn-lt"/>
-              </a:rPr>
-              <a:t>4</a:t>
-            </a:r>
-            <a:endParaRPr lang="zh-CN" altLang="en-US" sz="2800" dirty="0">
-              <a:latin typeface="Impact" panose="020B0806030902050204" pitchFamily="34" charset="0"/>
-              <a:ea typeface="微软雅黑" panose="020B0503020204020204" pitchFamily="34" charset="-122"/>
-              <a:cs typeface="+mn-ea"/>
-              <a:sym typeface="+mn-lt"/>
-            </a:endParaRPr>
-          </a:p>
-        </p:txBody>
-      </p:sp>
-      <p:grpSp>
-        <p:nvGrpSpPr>
-          <p:cNvPr id="43" name="组合 42"/>
-          <p:cNvGrpSpPr/>
-          <p:nvPr/>
-        </p:nvGrpSpPr>
-        <p:grpSpPr>
-          <a:xfrm>
-            <a:off x="1387625" y="2472375"/>
-            <a:ext cx="2287905" cy="2287903"/>
-            <a:chOff x="3962648" y="2819400"/>
-            <a:chExt cx="1218704" cy="1218704"/>
-          </a:xfrm>
-        </p:grpSpPr>
-        <p:grpSp>
-          <p:nvGrpSpPr>
-            <p:cNvPr id="44" name="组合 43"/>
-            <p:cNvGrpSpPr/>
-            <p:nvPr/>
-          </p:nvGrpSpPr>
-          <p:grpSpPr>
-            <a:xfrm>
-              <a:off x="3962648" y="2819400"/>
-              <a:ext cx="1218704" cy="1218704"/>
-              <a:chOff x="304800" y="673100"/>
-              <a:chExt cx="4000500" cy="4000500"/>
-            </a:xfrm>
-            <a:effectLst>
-              <a:outerShdw blurRad="444500" dist="254000" dir="8100000" algn="tr" rotWithShape="0">
-                <a:prstClr val="black">
-                  <a:alpha val="50000"/>
-                </a:prstClr>
-              </a:outerShdw>
-            </a:effectLst>
-          </p:grpSpPr>
-          <p:sp>
-            <p:nvSpPr>
-              <p:cNvPr id="46" name="同心圆 45"/>
-              <p:cNvSpPr/>
-              <p:nvPr/>
-            </p:nvSpPr>
-            <p:spPr>
-              <a:xfrm>
-                <a:off x="304800" y="673100"/>
-                <a:ext cx="4000500" cy="4000500"/>
-              </a:xfrm>
-              <a:prstGeom prst="donut">
-                <a:avLst>
-                  <a:gd name="adj" fmla="val 4879"/>
-                </a:avLst>
-              </a:prstGeom>
-              <a:gradFill>
-                <a:gsLst>
-                  <a:gs pos="0">
-                    <a:schemeClr val="bg1"/>
-                  </a:gs>
-                  <a:gs pos="55000">
-                    <a:schemeClr val="bg1">
-                      <a:lumMod val="95000"/>
-                    </a:schemeClr>
-                  </a:gs>
-                  <a:gs pos="100000">
-                    <a:schemeClr val="bg1">
-                      <a:lumMod val="65000"/>
-                    </a:schemeClr>
-                  </a:gs>
-                </a:gsLst>
-                <a:lin ang="8100000" scaled="0"/>
-              </a:gradFill>
-              <a:ln>
-                <a:noFill/>
-              </a:ln>
-            </p:spPr>
-            <p:style>
-              <a:lnRef idx="2">
-                <a:schemeClr val="accent1">
-                  <a:shade val="50000"/>
-                </a:schemeClr>
-              </a:lnRef>
-              <a:fillRef idx="1">
-                <a:schemeClr val="accent1"/>
-              </a:fillRef>
-              <a:effectRef idx="0">
-                <a:schemeClr val="accent1"/>
-              </a:effectRef>
-              <a:fontRef idx="minor">
-                <a:schemeClr val="lt1"/>
-              </a:fontRef>
-            </p:style>
-            <p:txBody>
-              <a:bodyPr rtlCol="0" anchor="ctr"/>
-              <a:lstStyle/>
-              <a:p>
-                <a:pPr algn="ctr"/>
-                <a:endParaRPr lang="zh-CN" altLang="en-US" sz="1687">
-                  <a:solidFill>
-                    <a:schemeClr val="tx1"/>
-                  </a:solidFill>
-                  <a:ea typeface="微软雅黑" panose="020B0503020204020204" pitchFamily="34" charset="-122"/>
-                  <a:cs typeface="+mn-ea"/>
-                  <a:sym typeface="+mn-lt"/>
-                </a:endParaRPr>
-              </a:p>
-            </p:txBody>
-          </p:sp>
-          <p:sp>
-            <p:nvSpPr>
-              <p:cNvPr id="47" name="椭圆 46"/>
-              <p:cNvSpPr/>
-              <p:nvPr/>
-            </p:nvSpPr>
-            <p:spPr>
-              <a:xfrm>
-                <a:off x="392112" y="760412"/>
-                <a:ext cx="3825874" cy="3825874"/>
-              </a:xfrm>
-              <a:prstGeom prst="ellipse">
-                <a:avLst/>
-              </a:prstGeom>
-              <a:gradFill>
-                <a:gsLst>
-                  <a:gs pos="0">
-                    <a:schemeClr val="bg1"/>
-                  </a:gs>
-                  <a:gs pos="51000">
-                    <a:schemeClr val="bg1">
-                      <a:lumMod val="95000"/>
-                    </a:schemeClr>
-                  </a:gs>
-                  <a:gs pos="100000">
-                    <a:schemeClr val="bg1">
-                      <a:lumMod val="75000"/>
-                    </a:schemeClr>
-                  </a:gs>
-                </a:gsLst>
-                <a:lin ang="18900000" scaled="0"/>
-              </a:gradFill>
-              <a:ln>
-                <a:noFill/>
-              </a:ln>
-            </p:spPr>
-            <p:style>
-              <a:lnRef idx="2">
-                <a:schemeClr val="accent1">
-                  <a:shade val="50000"/>
-                </a:schemeClr>
-              </a:lnRef>
-              <a:fillRef idx="1">
-                <a:schemeClr val="accent1"/>
-              </a:fillRef>
-              <a:effectRef idx="0">
-                <a:schemeClr val="accent1"/>
-              </a:effectRef>
-              <a:fontRef idx="minor">
-                <a:schemeClr val="lt1"/>
-              </a:fontRef>
-            </p:style>
-            <p:txBody>
-              <a:bodyPr rtlCol="0" anchor="ctr"/>
-              <a:lstStyle/>
-              <a:p>
-                <a:pPr algn="ctr"/>
-                <a:endParaRPr lang="zh-CN" altLang="en-US" sz="1687">
-                  <a:ea typeface="微软雅黑" panose="020B0503020204020204" pitchFamily="34" charset="-122"/>
-                  <a:cs typeface="+mn-ea"/>
-                  <a:sym typeface="+mn-lt"/>
-                </a:endParaRPr>
-              </a:p>
-            </p:txBody>
-          </p:sp>
-        </p:grpSp>
-        <p:sp>
-          <p:nvSpPr>
-            <p:cNvPr id="45" name="TextBox 5"/>
-            <p:cNvSpPr txBox="1"/>
-            <p:nvPr/>
-          </p:nvSpPr>
-          <p:spPr>
-            <a:xfrm>
-              <a:off x="4146363" y="3165339"/>
-              <a:ext cx="852982" cy="475321"/>
-            </a:xfrm>
-            <a:prstGeom prst="rect">
-              <a:avLst/>
-            </a:prstGeom>
-            <a:noFill/>
-          </p:spPr>
-          <p:txBody>
-            <a:bodyPr wrap="none" rtlCol="0">
-              <a:spAutoFit/>
-            </a:bodyPr>
-            <a:lstStyle/>
-            <a:p>
-              <a:pPr algn="ctr"/>
-              <a:r>
-                <a:rPr lang="zh-CN" altLang="en-US" sz="2800" b="1" spc="300" dirty="0">
-                  <a:solidFill>
-                    <a:schemeClr val="accent1"/>
-                  </a:solidFill>
-                  <a:latin typeface="微软雅黑" panose="020B0503020204020204" pitchFamily="34" charset="-122"/>
-                  <a:ea typeface="微软雅黑" panose="020B0503020204020204" pitchFamily="34" charset="-122"/>
-                  <a:cs typeface="+mn-ea"/>
-                  <a:sym typeface="+mn-lt"/>
-                </a:rPr>
-                <a:t>目录</a:t>
-              </a:r>
-              <a:endParaRPr lang="en-US" altLang="zh-CN" sz="2800" b="1" spc="300" dirty="0">
-                <a:solidFill>
-                  <a:schemeClr val="accent1"/>
-                </a:solidFill>
-                <a:latin typeface="微软雅黑" panose="020B0503020204020204" pitchFamily="34" charset="-122"/>
-                <a:ea typeface="微软雅黑" panose="020B0503020204020204" pitchFamily="34" charset="-122"/>
-                <a:cs typeface="+mn-ea"/>
-                <a:sym typeface="+mn-lt"/>
-              </a:endParaRPr>
-            </a:p>
-            <a:p>
-              <a:pPr algn="ctr"/>
-              <a:r>
-                <a:rPr lang="en-US" altLang="zh-CN" sz="2400" b="1" cap="all" dirty="0">
-                  <a:solidFill>
-                    <a:schemeClr val="accent1"/>
-                  </a:solidFill>
-                  <a:latin typeface="Franklin Gothic Book" panose="020B0503020102020204" pitchFamily="34" charset="0"/>
-                  <a:ea typeface="微软雅黑" panose="020B0503020204020204" pitchFamily="34" charset="-122"/>
-                  <a:cs typeface="+mn-ea"/>
-                  <a:sym typeface="+mn-lt"/>
-                </a:rPr>
-                <a:t>contents</a:t>
-              </a:r>
-              <a:endParaRPr lang="zh-CN" altLang="en-US" sz="2400" b="1" cap="all" dirty="0">
-                <a:solidFill>
-                  <a:schemeClr val="accent1"/>
-                </a:solidFill>
-                <a:latin typeface="Franklin Gothic Book" panose="020B0503020102020204" pitchFamily="34" charset="0"/>
-                <a:ea typeface="微软雅黑" panose="020B0503020204020204" pitchFamily="34" charset="-122"/>
-                <a:cs typeface="+mn-ea"/>
-                <a:sym typeface="+mn-lt"/>
-              </a:endParaRPr>
-            </a:p>
-          </p:txBody>
-        </p:sp>
-      </p:grpSp>
-      <p:sp>
-        <p:nvSpPr>
-          <p:cNvPr id="4" name="圆角矩形 106">
-            <a:extLst>
-              <a:ext uri="{FF2B5EF4-FFF2-40B4-BE49-F238E27FC236}">
-                <a16:creationId xmlns:a16="http://schemas.microsoft.com/office/drawing/2014/main" id="{58C2D861-B7E7-443A-8D12-BF79F05F4975}"/>
-              </a:ext>
-            </a:extLst>
-          </p:cNvPr>
-          <p:cNvSpPr/>
-          <p:nvPr/>
-        </p:nvSpPr>
-        <p:spPr bwMode="auto">
-          <a:xfrm>
-            <a:off x="6268090" y="4912469"/>
-            <a:ext cx="714104" cy="588750"/>
-          </a:xfrm>
-          <a:prstGeom prst="roundRect">
-            <a:avLst/>
-          </a:prstGeom>
-          <a:solidFill>
-            <a:schemeClr val="accent2"/>
-          </a:solidFill>
-          <a:ln w="38100">
-            <a:noFill/>
-          </a:ln>
-          <a:effectLst>
-            <a:outerShdw blurRad="203200" dist="88900" dir="8100000" sx="102000" sy="102000" algn="tr" rotWithShape="0">
-              <a:prstClr val="black">
-                <a:alpha val="30000"/>
-              </a:prstClr>
-            </a:outerShdw>
-          </a:effectLst>
-        </p:spPr>
-        <p:style>
-          <a:lnRef idx="2">
-            <a:schemeClr val="accent1">
-              <a:shade val="50000"/>
-            </a:schemeClr>
-          </a:lnRef>
-          <a:fillRef idx="1">
-            <a:schemeClr val="accent1"/>
-          </a:fillRef>
-          <a:effectRef idx="0">
-            <a:schemeClr val="accent1"/>
-          </a:effectRef>
-          <a:fontRef idx="minor">
-            <a:schemeClr val="lt1"/>
-          </a:fontRef>
-        </p:style>
-        <p:txBody>
-          <a:bodyPr anchor="ctr"/>
-          <a:lstStyle/>
-          <a:p>
-            <a:pPr algn="ctr" fontAlgn="auto">
-              <a:spcBef>
-                <a:spcPts val="0"/>
-              </a:spcBef>
-              <a:spcAft>
-                <a:spcPts val="0"/>
-              </a:spcAft>
-              <a:defRPr/>
-            </a:pPr>
-            <a:r>
-              <a:rPr lang="en-US" altLang="zh-CN" sz="2800" dirty="0">
-                <a:latin typeface="Impact" panose="020B0806030902050204" pitchFamily="34" charset="0"/>
-                <a:ea typeface="微软雅黑" panose="020B0503020204020204" pitchFamily="34" charset="-122"/>
-                <a:cs typeface="+mn-ea"/>
-                <a:sym typeface="+mn-lt"/>
-              </a:rPr>
-              <a:t>5</a:t>
-            </a:r>
-            <a:endParaRPr lang="zh-CN" altLang="en-US" sz="2800" dirty="0">
-              <a:latin typeface="Impact" panose="020B0806030902050204" pitchFamily="34" charset="0"/>
-              <a:ea typeface="微软雅黑" panose="020B0503020204020204" pitchFamily="34" charset="-122"/>
-              <a:cs typeface="+mn-ea"/>
-              <a:sym typeface="+mn-lt"/>
-            </a:endParaRPr>
-          </a:p>
-        </p:txBody>
-      </p:sp>
-      <p:sp>
-        <p:nvSpPr>
-          <p:cNvPr id="6" name="矩形 5">
-            <a:extLst>
-              <a:ext uri="{FF2B5EF4-FFF2-40B4-BE49-F238E27FC236}">
-                <a16:creationId xmlns:a16="http://schemas.microsoft.com/office/drawing/2014/main" id="{1E723024-97CF-4934-AC2F-668C5F821257}"/>
-              </a:ext>
-            </a:extLst>
-          </p:cNvPr>
-          <p:cNvSpPr/>
-          <p:nvPr/>
-        </p:nvSpPr>
-        <p:spPr>
-          <a:xfrm>
-            <a:off x="7619607" y="4912469"/>
-            <a:ext cx="2698175" cy="564898"/>
-          </a:xfrm>
-          <a:prstGeom prst="rect">
-            <a:avLst/>
-          </a:prstGeom>
-          <a:effectLst/>
-        </p:spPr>
-        <p:txBody>
-          <a:bodyPr wrap="none">
-            <a:spAutoFit/>
-          </a:bodyPr>
-          <a:lstStyle/>
-          <a:p>
-            <a:pPr>
-              <a:lnSpc>
-                <a:spcPct val="120000"/>
-              </a:lnSpc>
-            </a:pPr>
-            <a:r>
-              <a:rPr lang="zh-CN" altLang="en-US" sz="2800" dirty="0">
-                <a:solidFill>
-                  <a:schemeClr val="bg1"/>
-                </a:solidFill>
-                <a:latin typeface="Arial" panose="020B0604020202020204" pitchFamily="34" charset="0"/>
-                <a:ea typeface="微软雅黑" panose="020B0503020204020204" pitchFamily="34" charset="-122"/>
-                <a:cs typeface="+mn-ea"/>
-                <a:sym typeface="Arial" panose="020B0604020202020204" pitchFamily="34" charset="0"/>
-              </a:rPr>
-              <a:t>小组分工及评价</a:t>
-            </a:r>
-            <a:endParaRPr lang="en-US" altLang="zh-CN" sz="2800" dirty="0">
-              <a:solidFill>
-                <a:schemeClr val="bg1"/>
-              </a:solidFill>
-              <a:latin typeface="Arial" panose="020B0604020202020204" pitchFamily="34" charset="0"/>
-              <a:ea typeface="微软雅黑" panose="020B0503020204020204" pitchFamily="34" charset="-122"/>
-              <a:cs typeface="+mn-ea"/>
-              <a:sym typeface="Arial" panose="020B0604020202020204" pitchFamily="34" charset="0"/>
-            </a:endParaRPr>
-          </a:p>
-        </p:txBody>
-      </p:sp>
-      <p:sp>
-        <p:nvSpPr>
-          <p:cNvPr id="7" name="矩形 6">
-            <a:extLst>
-              <a:ext uri="{FF2B5EF4-FFF2-40B4-BE49-F238E27FC236}">
-                <a16:creationId xmlns:a16="http://schemas.microsoft.com/office/drawing/2014/main" id="{F10A4DA5-FB55-4EE4-A318-A8C9A7EEF95D}"/>
-              </a:ext>
-            </a:extLst>
-          </p:cNvPr>
-          <p:cNvSpPr/>
-          <p:nvPr/>
-        </p:nvSpPr>
-        <p:spPr>
-          <a:xfrm>
-            <a:off x="7638228" y="5932507"/>
-            <a:ext cx="1620957" cy="564898"/>
-          </a:xfrm>
-          <a:prstGeom prst="rect">
-            <a:avLst/>
-          </a:prstGeom>
-          <a:effectLst/>
-        </p:spPr>
-        <p:txBody>
-          <a:bodyPr wrap="none">
-            <a:spAutoFit/>
-          </a:bodyPr>
-          <a:lstStyle/>
-          <a:p>
-            <a:pPr>
-              <a:lnSpc>
-                <a:spcPct val="120000"/>
-              </a:lnSpc>
-            </a:pPr>
-            <a:r>
-              <a:rPr lang="zh-CN" altLang="en-US" sz="2800" dirty="0">
-                <a:solidFill>
-                  <a:schemeClr val="bg1"/>
-                </a:solidFill>
-                <a:latin typeface="Arial" panose="020B0604020202020204" pitchFamily="34" charset="0"/>
-                <a:ea typeface="微软雅黑" panose="020B0503020204020204" pitchFamily="34" charset="-122"/>
-                <a:cs typeface="+mn-ea"/>
-                <a:sym typeface="Arial" panose="020B0604020202020204" pitchFamily="34" charset="0"/>
-              </a:rPr>
-              <a:t>参考资料</a:t>
-            </a:r>
-            <a:endParaRPr lang="en-US" altLang="zh-CN" sz="2800" dirty="0">
-              <a:solidFill>
-                <a:schemeClr val="bg1"/>
-              </a:solidFill>
-              <a:latin typeface="Arial" panose="020B0604020202020204" pitchFamily="34" charset="0"/>
-              <a:ea typeface="微软雅黑" panose="020B0503020204020204" pitchFamily="34" charset="-122"/>
-              <a:cs typeface="+mn-ea"/>
-              <a:sym typeface="Arial" panose="020B0604020202020204" pitchFamily="34" charset="0"/>
-            </a:endParaRPr>
-          </a:p>
-        </p:txBody>
-      </p:sp>
-      <p:sp>
-        <p:nvSpPr>
-          <p:cNvPr id="5" name="圆角矩形 106">
-            <a:extLst>
-              <a:ext uri="{FF2B5EF4-FFF2-40B4-BE49-F238E27FC236}">
-                <a16:creationId xmlns:a16="http://schemas.microsoft.com/office/drawing/2014/main" id="{E3365C5A-B152-4048-9F1B-7F3BD851E72E}"/>
-              </a:ext>
-            </a:extLst>
-          </p:cNvPr>
-          <p:cNvSpPr/>
-          <p:nvPr/>
-        </p:nvSpPr>
-        <p:spPr bwMode="auto">
-          <a:xfrm>
-            <a:off x="6268090" y="5920581"/>
-            <a:ext cx="714104" cy="588750"/>
-          </a:xfrm>
-          <a:prstGeom prst="roundRect">
-            <a:avLst/>
-          </a:prstGeom>
-          <a:solidFill>
-            <a:schemeClr val="accent2"/>
-          </a:solidFill>
-          <a:ln w="38100">
-            <a:noFill/>
-          </a:ln>
-          <a:effectLst>
-            <a:outerShdw blurRad="203200" dist="88900" dir="8100000" sx="102000" sy="102000" algn="tr" rotWithShape="0">
-              <a:prstClr val="black">
-                <a:alpha val="30000"/>
-              </a:prstClr>
-            </a:outerShdw>
-          </a:effectLst>
-        </p:spPr>
-        <p:style>
-          <a:lnRef idx="2">
-            <a:schemeClr val="accent1">
-              <a:shade val="50000"/>
-            </a:schemeClr>
-          </a:lnRef>
-          <a:fillRef idx="1">
-            <a:schemeClr val="accent1"/>
-          </a:fillRef>
-          <a:effectRef idx="0">
-            <a:schemeClr val="accent1"/>
-          </a:effectRef>
-          <a:fontRef idx="minor">
-            <a:schemeClr val="lt1"/>
-          </a:fontRef>
-        </p:style>
-        <p:txBody>
-          <a:bodyPr anchor="ctr"/>
-          <a:lstStyle/>
-          <a:p>
-            <a:pPr algn="ctr" fontAlgn="auto">
-              <a:spcBef>
-                <a:spcPts val="0"/>
-              </a:spcBef>
-              <a:spcAft>
-                <a:spcPts val="0"/>
-              </a:spcAft>
-              <a:defRPr/>
-            </a:pPr>
-            <a:r>
-              <a:rPr lang="en-US" altLang="zh-CN" sz="2800" dirty="0">
-                <a:latin typeface="Impact" panose="020B0806030902050204" pitchFamily="34" charset="0"/>
-                <a:ea typeface="微软雅黑" panose="020B0503020204020204" pitchFamily="34" charset="-122"/>
-                <a:cs typeface="+mn-ea"/>
-                <a:sym typeface="+mn-lt"/>
-              </a:rPr>
-              <a:t>6</a:t>
-            </a:r>
-            <a:endParaRPr lang="zh-CN" altLang="en-US" sz="2800" dirty="0">
-              <a:latin typeface="Impact" panose="020B0806030902050204" pitchFamily="34" charset="0"/>
-              <a:ea typeface="微软雅黑" panose="020B0503020204020204" pitchFamily="34" charset="-122"/>
-              <a:cs typeface="+mn-ea"/>
-              <a:sym typeface="+mn-lt"/>
-            </a:endParaRPr>
-          </a:p>
-        </p:txBody>
-      </p:sp>
-      <p:sp>
-        <p:nvSpPr>
-          <p:cNvPr id="8" name="矩形 7">
-            <a:extLst>
-              <a:ext uri="{FF2B5EF4-FFF2-40B4-BE49-F238E27FC236}">
-                <a16:creationId xmlns:a16="http://schemas.microsoft.com/office/drawing/2014/main" id="{F6CFB9F0-2E31-4D30-8809-40288F33012E}"/>
-              </a:ext>
-            </a:extLst>
-          </p:cNvPr>
-          <p:cNvSpPr/>
-          <p:nvPr/>
-        </p:nvSpPr>
-        <p:spPr>
-          <a:xfrm>
-            <a:off x="7619606" y="3916283"/>
-            <a:ext cx="3416320" cy="564898"/>
-          </a:xfrm>
-          <a:prstGeom prst="rect">
-            <a:avLst/>
-          </a:prstGeom>
-          <a:effectLst/>
-        </p:spPr>
-        <p:txBody>
-          <a:bodyPr wrap="none">
-            <a:spAutoFit/>
-          </a:bodyPr>
-          <a:lstStyle/>
-          <a:p>
-            <a:pPr>
-              <a:lnSpc>
-                <a:spcPct val="120000"/>
-              </a:lnSpc>
-            </a:pPr>
-            <a:r>
-              <a:rPr lang="zh-CN" altLang="en-US" sz="2800" dirty="0">
-                <a:solidFill>
-                  <a:schemeClr val="bg1"/>
-                </a:solidFill>
-                <a:latin typeface="Arial" panose="020B0604020202020204" pitchFamily="34" charset="0"/>
-                <a:ea typeface="微软雅黑" panose="020B0503020204020204" pitchFamily="34" charset="-122"/>
-                <a:cs typeface="+mn-ea"/>
-                <a:sym typeface="Arial" panose="020B0604020202020204" pitchFamily="34" charset="0"/>
-              </a:rPr>
-              <a:t>会议记录及配置管理</a:t>
-            </a:r>
-            <a:endParaRPr lang="en-US" altLang="zh-CN" sz="2800" dirty="0">
-              <a:solidFill>
-                <a:schemeClr val="bg1"/>
-              </a:solidFill>
-              <a:latin typeface="Arial" panose="020B0604020202020204" pitchFamily="34" charset="0"/>
-              <a:ea typeface="微软雅黑" panose="020B0503020204020204" pitchFamily="34" charset="-122"/>
-              <a:cs typeface="+mn-ea"/>
-              <a:sym typeface="Arial" panose="020B0604020202020204" pitchFamily="34" charset="0"/>
-            </a:endParaRPr>
-          </a:p>
-        </p:txBody>
-      </p:sp>
-    </p:spTree>
-    <p:extLst>
-      <p:ext uri="{BB962C8B-B14F-4D97-AF65-F5344CB8AC3E}">
-        <p14:creationId xmlns:p14="http://schemas.microsoft.com/office/powerpoint/2010/main" val="3765236695"/>
-      </p:ext>
-    </p:extLst>
-  </p:cSld>
-  <p:clrMapOvr>
-    <a:masterClrMapping/>
-  </p:clrMapOvr>
-</p:sld>
-</file>
-
-<file path=ppt/slides/slide20.xml><?xml version="1.0" encoding="utf-8"?>
+<file path=ppt/slides/slide18.xml><?xml version="1.0" encoding="utf-8"?>
 <p:sld xmlns:a="http://schemas.openxmlformats.org/drawingml/2006/main" xmlns:r="http://schemas.openxmlformats.org/officeDocument/2006/relationships" xmlns:p="http://schemas.openxmlformats.org/presentationml/2006/main">
   <p:cSld>
     <p:spTree>
@@ -12299,69 +9324,36 @@
           </a:p>
         </p:txBody>
       </p:sp>
-      <p:graphicFrame>
-        <p:nvGraphicFramePr>
-          <p:cNvPr id="2" name="对象 1">
+      <p:pic>
+        <p:nvPicPr>
+          <p:cNvPr id="4" name="图片 3">
             <a:extLst>
               <a:ext uri="{FF2B5EF4-FFF2-40B4-BE49-F238E27FC236}">
-                <a16:creationId xmlns:a16="http://schemas.microsoft.com/office/drawing/2014/main" id="{955E07A3-3370-4032-B7C0-0FE1579F59A4}"/>
+                <a16:creationId xmlns:a16="http://schemas.microsoft.com/office/drawing/2014/main" id="{90E59177-9D86-4BF5-AA7B-048DAD6EBCD5}"/>
               </a:ext>
             </a:extLst>
           </p:cNvPr>
-          <p:cNvGraphicFramePr>
-            <a:graphicFrameLocks noChangeAspect="1"/>
-          </p:cNvGraphicFramePr>
-          <p:nvPr>
-            <p:extLst>
-              <p:ext uri="{D42A27DB-BD31-4B8C-83A1-F6EECF244321}">
-                <p14:modId xmlns:p14="http://schemas.microsoft.com/office/powerpoint/2010/main" val="9619968"/>
-              </p:ext>
-            </p:extLst>
-          </p:nvPr>
-        </p:nvGraphicFramePr>
-        <p:xfrm>
-          <a:off x="800803" y="1456085"/>
-          <a:ext cx="11390366" cy="3428044"/>
-        </p:xfrm>
-        <a:graphic>
-          <a:graphicData uri="http://schemas.openxmlformats.org/presentationml/2006/ole">
-            <mc:AlternateContent xmlns:mc="http://schemas.openxmlformats.org/markup-compatibility/2006">
-              <mc:Choice xmlns:v="urn:schemas-microsoft-com:vml" Requires="v">
-                <p:oleObj spid="_x0000_s2072" name="Worksheet" r:id="rId3" imgW="9921453" imgH="2986836" progId="Excel.Sheet.12">
-                  <p:embed/>
-                </p:oleObj>
-              </mc:Choice>
-              <mc:Fallback>
-                <p:oleObj name="Worksheet" r:id="rId3" imgW="9921453" imgH="2986836" progId="Excel.Sheet.12">
-                  <p:embed/>
-                  <p:pic>
-                    <p:nvPicPr>
-                      <p:cNvPr id="0" name=""/>
-                      <p:cNvPicPr/>
-                      <p:nvPr/>
-                    </p:nvPicPr>
-                    <p:blipFill>
-                      <a:blip r:embed="rId4"/>
-                      <a:stretch>
-                        <a:fillRect/>
-                      </a:stretch>
-                    </p:blipFill>
-                    <p:spPr>
-                      <a:xfrm>
-                        <a:off x="800803" y="1456085"/>
-                        <a:ext cx="11390366" cy="3428044"/>
-                      </a:xfrm>
-                      <a:prstGeom prst="rect">
-                        <a:avLst/>
-                      </a:prstGeom>
-                    </p:spPr>
-                  </p:pic>
-                </p:oleObj>
-              </mc:Fallback>
-            </mc:AlternateContent>
-          </a:graphicData>
-        </a:graphic>
-      </p:graphicFrame>
+          <p:cNvPicPr>
+            <a:picLocks noChangeAspect="1"/>
+          </p:cNvPicPr>
+          <p:nvPr/>
+        </p:nvPicPr>
+        <p:blipFill>
+          <a:blip r:embed="rId2"/>
+          <a:stretch>
+            <a:fillRect/>
+          </a:stretch>
+        </p:blipFill>
+        <p:spPr>
+          <a:xfrm>
+            <a:off x="699092" y="1528093"/>
+            <a:ext cx="11141224" cy="3360323"/>
+          </a:xfrm>
+          <a:prstGeom prst="rect">
+            <a:avLst/>
+          </a:prstGeom>
+        </p:spPr>
+      </p:pic>
     </p:spTree>
     <p:extLst>
       <p:ext uri="{BB962C8B-B14F-4D97-AF65-F5344CB8AC3E}">
@@ -12375,7 +9367,7 @@
 </p:sld>
 </file>
 
-<file path=ppt/slides/slide21.xml><?xml version="1.0" encoding="utf-8"?>
+<file path=ppt/slides/slide19.xml><?xml version="1.0" encoding="utf-8"?>
 <p:sld xmlns:a="http://schemas.openxmlformats.org/drawingml/2006/main" xmlns:r="http://schemas.openxmlformats.org/officeDocument/2006/relationships" xmlns:p="http://schemas.openxmlformats.org/presentationml/2006/main">
   <p:cSld>
     <p:spTree>
@@ -12882,7 +9874,1162 @@
 </p:sld>
 </file>
 
-<file path=ppt/slides/slide22.xml><?xml version="1.0" encoding="utf-8"?>
+<file path=ppt/slides/slide2.xml><?xml version="1.0" encoding="utf-8"?>
+<p:sld xmlns:a="http://schemas.openxmlformats.org/drawingml/2006/main" xmlns:r="http://schemas.openxmlformats.org/officeDocument/2006/relationships" xmlns:p="http://schemas.openxmlformats.org/presentationml/2006/main">
+  <p:cSld>
+    <p:spTree>
+      <p:nvGrpSpPr>
+        <p:cNvPr id="1" name=""/>
+        <p:cNvGrpSpPr/>
+        <p:nvPr/>
+      </p:nvGrpSpPr>
+      <p:grpSpPr>
+        <a:xfrm>
+          <a:off x="0" y="0"/>
+          <a:ext cx="0" cy="0"/>
+          <a:chOff x="0" y="0"/>
+          <a:chExt cx="0" cy="0"/>
+        </a:xfrm>
+      </p:grpSpPr>
+      <p:sp>
+        <p:nvSpPr>
+          <p:cNvPr id="3" name="矩形 2"/>
+          <p:cNvSpPr/>
+          <p:nvPr/>
+        </p:nvSpPr>
+        <p:spPr>
+          <a:xfrm>
+            <a:off x="0" y="0"/>
+            <a:ext cx="12855576" cy="7230864"/>
+          </a:xfrm>
+          <a:prstGeom prst="rect">
+            <a:avLst/>
+          </a:prstGeom>
+          <a:solidFill>
+            <a:schemeClr val="accent1"/>
+          </a:solidFill>
+          <a:ln>
+            <a:noFill/>
+          </a:ln>
+        </p:spPr>
+        <p:style>
+          <a:lnRef idx="2">
+            <a:schemeClr val="accent1">
+              <a:shade val="50000"/>
+            </a:schemeClr>
+          </a:lnRef>
+          <a:fillRef idx="1">
+            <a:schemeClr val="accent1"/>
+          </a:fillRef>
+          <a:effectRef idx="0">
+            <a:schemeClr val="accent1"/>
+          </a:effectRef>
+          <a:fontRef idx="minor">
+            <a:schemeClr val="lt1"/>
+          </a:fontRef>
+        </p:style>
+        <p:txBody>
+          <a:bodyPr rtlCol="0" anchor="ctr"/>
+          <a:lstStyle/>
+          <a:p>
+            <a:pPr algn="ctr"/>
+            <a:endParaRPr lang="zh-CN" altLang="en-US">
+              <a:ea typeface="微软雅黑" panose="020B0503020204020204" pitchFamily="34" charset="-122"/>
+            </a:endParaRPr>
+          </a:p>
+        </p:txBody>
+      </p:sp>
+      <p:sp>
+        <p:nvSpPr>
+          <p:cNvPr id="2" name="矩形 1"/>
+          <p:cNvSpPr/>
+          <p:nvPr/>
+        </p:nvSpPr>
+        <p:spPr>
+          <a:xfrm>
+            <a:off x="909689" y="895"/>
+            <a:ext cx="3243774" cy="7230863"/>
+          </a:xfrm>
+          <a:prstGeom prst="rect">
+            <a:avLst/>
+          </a:prstGeom>
+          <a:solidFill>
+            <a:schemeClr val="accent6"/>
+          </a:solidFill>
+          <a:ln>
+            <a:noFill/>
+          </a:ln>
+        </p:spPr>
+        <p:style>
+          <a:lnRef idx="2">
+            <a:schemeClr val="accent1">
+              <a:shade val="50000"/>
+            </a:schemeClr>
+          </a:lnRef>
+          <a:fillRef idx="1">
+            <a:schemeClr val="accent1"/>
+          </a:fillRef>
+          <a:effectRef idx="0">
+            <a:schemeClr val="accent1"/>
+          </a:effectRef>
+          <a:fontRef idx="minor">
+            <a:schemeClr val="lt1"/>
+          </a:fontRef>
+        </p:style>
+        <p:txBody>
+          <a:bodyPr rtlCol="0" anchor="ctr"/>
+          <a:lstStyle/>
+          <a:p>
+            <a:pPr algn="ctr"/>
+            <a:endParaRPr lang="zh-CN" altLang="en-US">
+              <a:ea typeface="微软雅黑" panose="020B0503020204020204" pitchFamily="34" charset="-122"/>
+            </a:endParaRPr>
+          </a:p>
+        </p:txBody>
+      </p:sp>
+      <p:sp>
+        <p:nvSpPr>
+          <p:cNvPr id="52" name="矩形 51"/>
+          <p:cNvSpPr/>
+          <p:nvPr/>
+        </p:nvSpPr>
+        <p:spPr>
+          <a:xfrm>
+            <a:off x="7633407" y="963955"/>
+            <a:ext cx="902811" cy="564898"/>
+          </a:xfrm>
+          <a:prstGeom prst="rect">
+            <a:avLst/>
+          </a:prstGeom>
+          <a:effectLst/>
+        </p:spPr>
+        <p:txBody>
+          <a:bodyPr wrap="none">
+            <a:spAutoFit/>
+          </a:bodyPr>
+          <a:lstStyle/>
+          <a:p>
+            <a:pPr>
+              <a:lnSpc>
+                <a:spcPct val="120000"/>
+              </a:lnSpc>
+            </a:pPr>
+            <a:r>
+              <a:rPr lang="zh-CN" altLang="en-US" sz="2800" dirty="0">
+                <a:solidFill>
+                  <a:schemeClr val="bg1"/>
+                </a:solidFill>
+                <a:latin typeface="Arial" panose="020B0604020202020204" pitchFamily="34" charset="0"/>
+                <a:ea typeface="微软雅黑" panose="020B0503020204020204" pitchFamily="34" charset="-122"/>
+                <a:cs typeface="+mn-ea"/>
+                <a:sym typeface="Arial" panose="020B0604020202020204" pitchFamily="34" charset="0"/>
+              </a:rPr>
+              <a:t>引言</a:t>
+            </a:r>
+            <a:endParaRPr lang="en-US" altLang="zh-CN" sz="2800" dirty="0">
+              <a:solidFill>
+                <a:schemeClr val="bg1"/>
+              </a:solidFill>
+              <a:latin typeface="Arial" panose="020B0604020202020204" pitchFamily="34" charset="0"/>
+              <a:ea typeface="微软雅黑" panose="020B0503020204020204" pitchFamily="34" charset="-122"/>
+              <a:cs typeface="+mn-ea"/>
+              <a:sym typeface="Arial" panose="020B0604020202020204" pitchFamily="34" charset="0"/>
+            </a:endParaRPr>
+          </a:p>
+        </p:txBody>
+      </p:sp>
+      <p:sp>
+        <p:nvSpPr>
+          <p:cNvPr id="56" name="圆角矩形 55"/>
+          <p:cNvSpPr/>
+          <p:nvPr/>
+        </p:nvSpPr>
+        <p:spPr bwMode="auto">
+          <a:xfrm>
+            <a:off x="6268090" y="952029"/>
+            <a:ext cx="714104" cy="588750"/>
+          </a:xfrm>
+          <a:prstGeom prst="roundRect">
+            <a:avLst/>
+          </a:prstGeom>
+          <a:solidFill>
+            <a:schemeClr val="accent2"/>
+          </a:solidFill>
+          <a:ln w="38100">
+            <a:noFill/>
+          </a:ln>
+          <a:effectLst>
+            <a:outerShdw blurRad="203200" dist="88900" dir="8100000" sx="102000" sy="102000" algn="tr" rotWithShape="0">
+              <a:prstClr val="black">
+                <a:alpha val="30000"/>
+              </a:prstClr>
+            </a:outerShdw>
+          </a:effectLst>
+        </p:spPr>
+        <p:style>
+          <a:lnRef idx="2">
+            <a:schemeClr val="accent1">
+              <a:shade val="50000"/>
+            </a:schemeClr>
+          </a:lnRef>
+          <a:fillRef idx="1">
+            <a:schemeClr val="accent1"/>
+          </a:fillRef>
+          <a:effectRef idx="0">
+            <a:schemeClr val="accent1"/>
+          </a:effectRef>
+          <a:fontRef idx="minor">
+            <a:schemeClr val="lt1"/>
+          </a:fontRef>
+        </p:style>
+        <p:txBody>
+          <a:bodyPr anchor="ctr"/>
+          <a:lstStyle/>
+          <a:p>
+            <a:pPr algn="ctr" fontAlgn="auto">
+              <a:spcBef>
+                <a:spcPts val="0"/>
+              </a:spcBef>
+              <a:spcAft>
+                <a:spcPts val="0"/>
+              </a:spcAft>
+              <a:defRPr/>
+            </a:pPr>
+            <a:r>
+              <a:rPr lang="en-US" altLang="zh-CN" sz="2800" dirty="0">
+                <a:latin typeface="Impact" panose="020B0806030902050204" pitchFamily="34" charset="0"/>
+                <a:ea typeface="微软雅黑" panose="020B0503020204020204" pitchFamily="34" charset="-122"/>
+                <a:cs typeface="+mn-ea"/>
+                <a:sym typeface="+mn-lt"/>
+              </a:rPr>
+              <a:t>1</a:t>
+            </a:r>
+            <a:endParaRPr lang="zh-CN" altLang="en-US" sz="2800" dirty="0">
+              <a:latin typeface="Impact" panose="020B0806030902050204" pitchFamily="34" charset="0"/>
+              <a:ea typeface="微软雅黑" panose="020B0503020204020204" pitchFamily="34" charset="-122"/>
+              <a:cs typeface="+mn-ea"/>
+              <a:sym typeface="+mn-lt"/>
+            </a:endParaRPr>
+          </a:p>
+        </p:txBody>
+      </p:sp>
+      <p:sp>
+        <p:nvSpPr>
+          <p:cNvPr id="58" name="矩形 57"/>
+          <p:cNvSpPr/>
+          <p:nvPr/>
+        </p:nvSpPr>
+        <p:spPr>
+          <a:xfrm>
+            <a:off x="7633407" y="1888133"/>
+            <a:ext cx="1620957" cy="564898"/>
+          </a:xfrm>
+          <a:prstGeom prst="rect">
+            <a:avLst/>
+          </a:prstGeom>
+          <a:effectLst/>
+        </p:spPr>
+        <p:txBody>
+          <a:bodyPr wrap="none">
+            <a:spAutoFit/>
+          </a:bodyPr>
+          <a:lstStyle/>
+          <a:p>
+            <a:pPr>
+              <a:lnSpc>
+                <a:spcPct val="120000"/>
+              </a:lnSpc>
+            </a:pPr>
+            <a:r>
+              <a:rPr lang="zh-CN" altLang="en-US" sz="2800" dirty="0">
+                <a:solidFill>
+                  <a:schemeClr val="bg1"/>
+                </a:solidFill>
+                <a:latin typeface="Arial" panose="020B0604020202020204" pitchFamily="34" charset="0"/>
+                <a:ea typeface="微软雅黑" panose="020B0503020204020204" pitchFamily="34" charset="-122"/>
+                <a:cs typeface="+mn-ea"/>
+                <a:sym typeface="Arial" panose="020B0604020202020204" pitchFamily="34" charset="0"/>
+              </a:rPr>
+              <a:t>需求分析</a:t>
+            </a:r>
+            <a:endParaRPr lang="en-US" altLang="zh-CN" sz="2800" dirty="0">
+              <a:solidFill>
+                <a:schemeClr val="bg1"/>
+              </a:solidFill>
+              <a:latin typeface="Arial" panose="020B0604020202020204" pitchFamily="34" charset="0"/>
+              <a:ea typeface="微软雅黑" panose="020B0503020204020204" pitchFamily="34" charset="-122"/>
+              <a:cs typeface="+mn-ea"/>
+              <a:sym typeface="Arial" panose="020B0604020202020204" pitchFamily="34" charset="0"/>
+            </a:endParaRPr>
+          </a:p>
+        </p:txBody>
+      </p:sp>
+      <p:sp>
+        <p:nvSpPr>
+          <p:cNvPr id="75" name="圆角矩形 74"/>
+          <p:cNvSpPr/>
+          <p:nvPr/>
+        </p:nvSpPr>
+        <p:spPr bwMode="auto">
+          <a:xfrm>
+            <a:off x="6268090" y="1888133"/>
+            <a:ext cx="714104" cy="588750"/>
+          </a:xfrm>
+          <a:prstGeom prst="roundRect">
+            <a:avLst/>
+          </a:prstGeom>
+          <a:solidFill>
+            <a:schemeClr val="accent2"/>
+          </a:solidFill>
+          <a:ln w="38100">
+            <a:noFill/>
+          </a:ln>
+          <a:effectLst>
+            <a:outerShdw blurRad="203200" dist="88900" dir="8100000" sx="102000" sy="102000" algn="tr" rotWithShape="0">
+              <a:prstClr val="black">
+                <a:alpha val="30000"/>
+              </a:prstClr>
+            </a:outerShdw>
+          </a:effectLst>
+        </p:spPr>
+        <p:style>
+          <a:lnRef idx="2">
+            <a:schemeClr val="accent1">
+              <a:shade val="50000"/>
+            </a:schemeClr>
+          </a:lnRef>
+          <a:fillRef idx="1">
+            <a:schemeClr val="accent1"/>
+          </a:fillRef>
+          <a:effectRef idx="0">
+            <a:schemeClr val="accent1"/>
+          </a:effectRef>
+          <a:fontRef idx="minor">
+            <a:schemeClr val="lt1"/>
+          </a:fontRef>
+        </p:style>
+        <p:txBody>
+          <a:bodyPr anchor="ctr"/>
+          <a:lstStyle/>
+          <a:p>
+            <a:pPr algn="ctr" fontAlgn="auto">
+              <a:spcBef>
+                <a:spcPts val="0"/>
+              </a:spcBef>
+              <a:spcAft>
+                <a:spcPts val="0"/>
+              </a:spcAft>
+              <a:defRPr/>
+            </a:pPr>
+            <a:r>
+              <a:rPr lang="en-US" altLang="zh-CN" sz="2800" dirty="0">
+                <a:latin typeface="Impact" panose="020B0806030902050204" pitchFamily="34" charset="0"/>
+                <a:ea typeface="微软雅黑" panose="020B0503020204020204" pitchFamily="34" charset="-122"/>
+                <a:cs typeface="+mn-ea"/>
+                <a:sym typeface="+mn-lt"/>
+              </a:rPr>
+              <a:t>2</a:t>
+            </a:r>
+            <a:endParaRPr lang="zh-CN" altLang="en-US" sz="2800" dirty="0">
+              <a:latin typeface="Impact" panose="020B0806030902050204" pitchFamily="34" charset="0"/>
+              <a:ea typeface="微软雅黑" panose="020B0503020204020204" pitchFamily="34" charset="-122"/>
+              <a:cs typeface="+mn-ea"/>
+              <a:sym typeface="+mn-lt"/>
+            </a:endParaRPr>
+          </a:p>
+        </p:txBody>
+      </p:sp>
+      <p:sp>
+        <p:nvSpPr>
+          <p:cNvPr id="101" name="圆角矩形 100"/>
+          <p:cNvSpPr/>
+          <p:nvPr/>
+        </p:nvSpPr>
+        <p:spPr bwMode="auto">
+          <a:xfrm>
+            <a:off x="6268090" y="2896245"/>
+            <a:ext cx="714104" cy="588750"/>
+          </a:xfrm>
+          <a:prstGeom prst="roundRect">
+            <a:avLst/>
+          </a:prstGeom>
+          <a:solidFill>
+            <a:schemeClr val="accent2"/>
+          </a:solidFill>
+          <a:ln w="38100">
+            <a:noFill/>
+          </a:ln>
+          <a:effectLst>
+            <a:outerShdw blurRad="203200" dist="88900" dir="8100000" sx="102000" sy="102000" algn="tr" rotWithShape="0">
+              <a:prstClr val="black">
+                <a:alpha val="30000"/>
+              </a:prstClr>
+            </a:outerShdw>
+          </a:effectLst>
+        </p:spPr>
+        <p:style>
+          <a:lnRef idx="2">
+            <a:schemeClr val="accent1">
+              <a:shade val="50000"/>
+            </a:schemeClr>
+          </a:lnRef>
+          <a:fillRef idx="1">
+            <a:schemeClr val="accent1"/>
+          </a:fillRef>
+          <a:effectRef idx="0">
+            <a:schemeClr val="accent1"/>
+          </a:effectRef>
+          <a:fontRef idx="minor">
+            <a:schemeClr val="lt1"/>
+          </a:fontRef>
+        </p:style>
+        <p:txBody>
+          <a:bodyPr anchor="ctr"/>
+          <a:lstStyle/>
+          <a:p>
+            <a:pPr algn="ctr" fontAlgn="auto">
+              <a:spcBef>
+                <a:spcPts val="0"/>
+              </a:spcBef>
+              <a:spcAft>
+                <a:spcPts val="0"/>
+              </a:spcAft>
+              <a:defRPr/>
+            </a:pPr>
+            <a:r>
+              <a:rPr lang="en-US" altLang="zh-CN" sz="2800" dirty="0">
+                <a:latin typeface="Impact" panose="020B0806030902050204" pitchFamily="34" charset="0"/>
+                <a:ea typeface="微软雅黑" panose="020B0503020204020204" pitchFamily="34" charset="-122"/>
+                <a:cs typeface="+mn-ea"/>
+                <a:sym typeface="+mn-lt"/>
+              </a:rPr>
+              <a:t>3</a:t>
+            </a:r>
+            <a:endParaRPr lang="zh-CN" altLang="en-US" sz="2800" dirty="0">
+              <a:latin typeface="Impact" panose="020B0806030902050204" pitchFamily="34" charset="0"/>
+              <a:ea typeface="微软雅黑" panose="020B0503020204020204" pitchFamily="34" charset="-122"/>
+              <a:cs typeface="+mn-ea"/>
+              <a:sym typeface="+mn-lt"/>
+            </a:endParaRPr>
+          </a:p>
+        </p:txBody>
+      </p:sp>
+      <p:sp>
+        <p:nvSpPr>
+          <p:cNvPr id="103" name="矩形 102"/>
+          <p:cNvSpPr/>
+          <p:nvPr/>
+        </p:nvSpPr>
+        <p:spPr>
+          <a:xfrm>
+            <a:off x="7633407" y="2900375"/>
+            <a:ext cx="1620957" cy="564898"/>
+          </a:xfrm>
+          <a:prstGeom prst="rect">
+            <a:avLst/>
+          </a:prstGeom>
+          <a:effectLst/>
+        </p:spPr>
+        <p:txBody>
+          <a:bodyPr wrap="none">
+            <a:spAutoFit/>
+          </a:bodyPr>
+          <a:lstStyle/>
+          <a:p>
+            <a:pPr>
+              <a:lnSpc>
+                <a:spcPct val="120000"/>
+              </a:lnSpc>
+            </a:pPr>
+            <a:r>
+              <a:rPr lang="zh-CN" altLang="en-US" sz="2800" dirty="0">
+                <a:solidFill>
+                  <a:schemeClr val="bg1"/>
+                </a:solidFill>
+                <a:latin typeface="Arial" panose="020B0604020202020204" pitchFamily="34" charset="0"/>
+                <a:ea typeface="微软雅黑" panose="020B0503020204020204" pitchFamily="34" charset="-122"/>
+                <a:cs typeface="+mn-ea"/>
+                <a:sym typeface="Arial" panose="020B0604020202020204" pitchFamily="34" charset="0"/>
+              </a:rPr>
+              <a:t>界面原型</a:t>
+            </a:r>
+            <a:endParaRPr lang="en-US" altLang="zh-CN" sz="2800" dirty="0">
+              <a:solidFill>
+                <a:schemeClr val="bg1"/>
+              </a:solidFill>
+              <a:latin typeface="Arial" panose="020B0604020202020204" pitchFamily="34" charset="0"/>
+              <a:ea typeface="微软雅黑" panose="020B0503020204020204" pitchFamily="34" charset="-122"/>
+              <a:cs typeface="+mn-ea"/>
+              <a:sym typeface="Arial" panose="020B0604020202020204" pitchFamily="34" charset="0"/>
+            </a:endParaRPr>
+          </a:p>
+        </p:txBody>
+      </p:sp>
+      <p:sp>
+        <p:nvSpPr>
+          <p:cNvPr id="107" name="圆角矩形 106"/>
+          <p:cNvSpPr/>
+          <p:nvPr/>
+        </p:nvSpPr>
+        <p:spPr bwMode="auto">
+          <a:xfrm>
+            <a:off x="6268090" y="3904357"/>
+            <a:ext cx="714104" cy="588750"/>
+          </a:xfrm>
+          <a:prstGeom prst="roundRect">
+            <a:avLst/>
+          </a:prstGeom>
+          <a:solidFill>
+            <a:schemeClr val="accent2"/>
+          </a:solidFill>
+          <a:ln w="38100">
+            <a:noFill/>
+          </a:ln>
+          <a:effectLst>
+            <a:outerShdw blurRad="203200" dist="88900" dir="8100000" sx="102000" sy="102000" algn="tr" rotWithShape="0">
+              <a:prstClr val="black">
+                <a:alpha val="30000"/>
+              </a:prstClr>
+            </a:outerShdw>
+          </a:effectLst>
+        </p:spPr>
+        <p:style>
+          <a:lnRef idx="2">
+            <a:schemeClr val="accent1">
+              <a:shade val="50000"/>
+            </a:schemeClr>
+          </a:lnRef>
+          <a:fillRef idx="1">
+            <a:schemeClr val="accent1"/>
+          </a:fillRef>
+          <a:effectRef idx="0">
+            <a:schemeClr val="accent1"/>
+          </a:effectRef>
+          <a:fontRef idx="minor">
+            <a:schemeClr val="lt1"/>
+          </a:fontRef>
+        </p:style>
+        <p:txBody>
+          <a:bodyPr anchor="ctr"/>
+          <a:lstStyle/>
+          <a:p>
+            <a:pPr algn="ctr" fontAlgn="auto">
+              <a:spcBef>
+                <a:spcPts val="0"/>
+              </a:spcBef>
+              <a:spcAft>
+                <a:spcPts val="0"/>
+              </a:spcAft>
+              <a:defRPr/>
+            </a:pPr>
+            <a:r>
+              <a:rPr lang="en-US" altLang="zh-CN" sz="2800" dirty="0">
+                <a:latin typeface="Impact" panose="020B0806030902050204" pitchFamily="34" charset="0"/>
+                <a:ea typeface="微软雅黑" panose="020B0503020204020204" pitchFamily="34" charset="-122"/>
+                <a:cs typeface="+mn-ea"/>
+                <a:sym typeface="+mn-lt"/>
+              </a:rPr>
+              <a:t>4</a:t>
+            </a:r>
+            <a:endParaRPr lang="zh-CN" altLang="en-US" sz="2800" dirty="0">
+              <a:latin typeface="Impact" panose="020B0806030902050204" pitchFamily="34" charset="0"/>
+              <a:ea typeface="微软雅黑" panose="020B0503020204020204" pitchFamily="34" charset="-122"/>
+              <a:cs typeface="+mn-ea"/>
+              <a:sym typeface="+mn-lt"/>
+            </a:endParaRPr>
+          </a:p>
+        </p:txBody>
+      </p:sp>
+      <p:grpSp>
+        <p:nvGrpSpPr>
+          <p:cNvPr id="43" name="组合 42"/>
+          <p:cNvGrpSpPr/>
+          <p:nvPr/>
+        </p:nvGrpSpPr>
+        <p:grpSpPr>
+          <a:xfrm>
+            <a:off x="1387625" y="2472375"/>
+            <a:ext cx="2287905" cy="2287903"/>
+            <a:chOff x="3962648" y="2819400"/>
+            <a:chExt cx="1218704" cy="1218704"/>
+          </a:xfrm>
+        </p:grpSpPr>
+        <p:grpSp>
+          <p:nvGrpSpPr>
+            <p:cNvPr id="44" name="组合 43"/>
+            <p:cNvGrpSpPr/>
+            <p:nvPr/>
+          </p:nvGrpSpPr>
+          <p:grpSpPr>
+            <a:xfrm>
+              <a:off x="3962648" y="2819400"/>
+              <a:ext cx="1218704" cy="1218704"/>
+              <a:chOff x="304800" y="673100"/>
+              <a:chExt cx="4000500" cy="4000500"/>
+            </a:xfrm>
+            <a:effectLst>
+              <a:outerShdw blurRad="444500" dist="254000" dir="8100000" algn="tr" rotWithShape="0">
+                <a:prstClr val="black">
+                  <a:alpha val="50000"/>
+                </a:prstClr>
+              </a:outerShdw>
+            </a:effectLst>
+          </p:grpSpPr>
+          <p:sp>
+            <p:nvSpPr>
+              <p:cNvPr id="46" name="同心圆 45"/>
+              <p:cNvSpPr/>
+              <p:nvPr/>
+            </p:nvSpPr>
+            <p:spPr>
+              <a:xfrm>
+                <a:off x="304800" y="673100"/>
+                <a:ext cx="4000500" cy="4000500"/>
+              </a:xfrm>
+              <a:prstGeom prst="donut">
+                <a:avLst>
+                  <a:gd name="adj" fmla="val 4879"/>
+                </a:avLst>
+              </a:prstGeom>
+              <a:gradFill>
+                <a:gsLst>
+                  <a:gs pos="0">
+                    <a:schemeClr val="bg1"/>
+                  </a:gs>
+                  <a:gs pos="55000">
+                    <a:schemeClr val="bg1">
+                      <a:lumMod val="95000"/>
+                    </a:schemeClr>
+                  </a:gs>
+                  <a:gs pos="100000">
+                    <a:schemeClr val="bg1">
+                      <a:lumMod val="65000"/>
+                    </a:schemeClr>
+                  </a:gs>
+                </a:gsLst>
+                <a:lin ang="8100000" scaled="0"/>
+              </a:gradFill>
+              <a:ln>
+                <a:noFill/>
+              </a:ln>
+            </p:spPr>
+            <p:style>
+              <a:lnRef idx="2">
+                <a:schemeClr val="accent1">
+                  <a:shade val="50000"/>
+                </a:schemeClr>
+              </a:lnRef>
+              <a:fillRef idx="1">
+                <a:schemeClr val="accent1"/>
+              </a:fillRef>
+              <a:effectRef idx="0">
+                <a:schemeClr val="accent1"/>
+              </a:effectRef>
+              <a:fontRef idx="minor">
+                <a:schemeClr val="lt1"/>
+              </a:fontRef>
+            </p:style>
+            <p:txBody>
+              <a:bodyPr rtlCol="0" anchor="ctr"/>
+              <a:lstStyle/>
+              <a:p>
+                <a:pPr algn="ctr"/>
+                <a:endParaRPr lang="zh-CN" altLang="en-US" sz="1687">
+                  <a:solidFill>
+                    <a:schemeClr val="tx1"/>
+                  </a:solidFill>
+                  <a:ea typeface="微软雅黑" panose="020B0503020204020204" pitchFamily="34" charset="-122"/>
+                  <a:cs typeface="+mn-ea"/>
+                  <a:sym typeface="+mn-lt"/>
+                </a:endParaRPr>
+              </a:p>
+            </p:txBody>
+          </p:sp>
+          <p:sp>
+            <p:nvSpPr>
+              <p:cNvPr id="47" name="椭圆 46"/>
+              <p:cNvSpPr/>
+              <p:nvPr/>
+            </p:nvSpPr>
+            <p:spPr>
+              <a:xfrm>
+                <a:off x="392112" y="760412"/>
+                <a:ext cx="3825874" cy="3825874"/>
+              </a:xfrm>
+              <a:prstGeom prst="ellipse">
+                <a:avLst/>
+              </a:prstGeom>
+              <a:gradFill>
+                <a:gsLst>
+                  <a:gs pos="0">
+                    <a:schemeClr val="bg1"/>
+                  </a:gs>
+                  <a:gs pos="51000">
+                    <a:schemeClr val="bg1">
+                      <a:lumMod val="95000"/>
+                    </a:schemeClr>
+                  </a:gs>
+                  <a:gs pos="100000">
+                    <a:schemeClr val="bg1">
+                      <a:lumMod val="75000"/>
+                    </a:schemeClr>
+                  </a:gs>
+                </a:gsLst>
+                <a:lin ang="18900000" scaled="0"/>
+              </a:gradFill>
+              <a:ln>
+                <a:noFill/>
+              </a:ln>
+            </p:spPr>
+            <p:style>
+              <a:lnRef idx="2">
+                <a:schemeClr val="accent1">
+                  <a:shade val="50000"/>
+                </a:schemeClr>
+              </a:lnRef>
+              <a:fillRef idx="1">
+                <a:schemeClr val="accent1"/>
+              </a:fillRef>
+              <a:effectRef idx="0">
+                <a:schemeClr val="accent1"/>
+              </a:effectRef>
+              <a:fontRef idx="minor">
+                <a:schemeClr val="lt1"/>
+              </a:fontRef>
+            </p:style>
+            <p:txBody>
+              <a:bodyPr rtlCol="0" anchor="ctr"/>
+              <a:lstStyle/>
+              <a:p>
+                <a:pPr algn="ctr"/>
+                <a:endParaRPr lang="zh-CN" altLang="en-US" sz="1687">
+                  <a:ea typeface="微软雅黑" panose="020B0503020204020204" pitchFamily="34" charset="-122"/>
+                  <a:cs typeface="+mn-ea"/>
+                  <a:sym typeface="+mn-lt"/>
+                </a:endParaRPr>
+              </a:p>
+            </p:txBody>
+          </p:sp>
+        </p:grpSp>
+        <p:sp>
+          <p:nvSpPr>
+            <p:cNvPr id="45" name="TextBox 5"/>
+            <p:cNvSpPr txBox="1"/>
+            <p:nvPr/>
+          </p:nvSpPr>
+          <p:spPr>
+            <a:xfrm>
+              <a:off x="4146363" y="3165339"/>
+              <a:ext cx="852982" cy="475321"/>
+            </a:xfrm>
+            <a:prstGeom prst="rect">
+              <a:avLst/>
+            </a:prstGeom>
+            <a:noFill/>
+          </p:spPr>
+          <p:txBody>
+            <a:bodyPr wrap="none" rtlCol="0">
+              <a:spAutoFit/>
+            </a:bodyPr>
+            <a:lstStyle/>
+            <a:p>
+              <a:pPr algn="ctr"/>
+              <a:r>
+                <a:rPr lang="zh-CN" altLang="en-US" sz="2800" b="1" spc="300" dirty="0">
+                  <a:solidFill>
+                    <a:schemeClr val="accent1"/>
+                  </a:solidFill>
+                  <a:latin typeface="微软雅黑" panose="020B0503020204020204" pitchFamily="34" charset="-122"/>
+                  <a:ea typeface="微软雅黑" panose="020B0503020204020204" pitchFamily="34" charset="-122"/>
+                  <a:cs typeface="+mn-ea"/>
+                  <a:sym typeface="+mn-lt"/>
+                </a:rPr>
+                <a:t>目录</a:t>
+              </a:r>
+              <a:endParaRPr lang="en-US" altLang="zh-CN" sz="2800" b="1" spc="300" dirty="0">
+                <a:solidFill>
+                  <a:schemeClr val="accent1"/>
+                </a:solidFill>
+                <a:latin typeface="微软雅黑" panose="020B0503020204020204" pitchFamily="34" charset="-122"/>
+                <a:ea typeface="微软雅黑" panose="020B0503020204020204" pitchFamily="34" charset="-122"/>
+                <a:cs typeface="+mn-ea"/>
+                <a:sym typeface="+mn-lt"/>
+              </a:endParaRPr>
+            </a:p>
+            <a:p>
+              <a:pPr algn="ctr"/>
+              <a:r>
+                <a:rPr lang="en-US" altLang="zh-CN" sz="2400" b="1" cap="all" dirty="0">
+                  <a:solidFill>
+                    <a:schemeClr val="accent1"/>
+                  </a:solidFill>
+                  <a:latin typeface="Franklin Gothic Book" panose="020B0503020102020204" pitchFamily="34" charset="0"/>
+                  <a:ea typeface="微软雅黑" panose="020B0503020204020204" pitchFamily="34" charset="-122"/>
+                  <a:cs typeface="+mn-ea"/>
+                  <a:sym typeface="+mn-lt"/>
+                </a:rPr>
+                <a:t>contents</a:t>
+              </a:r>
+              <a:endParaRPr lang="zh-CN" altLang="en-US" sz="2400" b="1" cap="all" dirty="0">
+                <a:solidFill>
+                  <a:schemeClr val="accent1"/>
+                </a:solidFill>
+                <a:latin typeface="Franklin Gothic Book" panose="020B0503020102020204" pitchFamily="34" charset="0"/>
+                <a:ea typeface="微软雅黑" panose="020B0503020204020204" pitchFamily="34" charset="-122"/>
+                <a:cs typeface="+mn-ea"/>
+                <a:sym typeface="+mn-lt"/>
+              </a:endParaRPr>
+            </a:p>
+          </p:txBody>
+        </p:sp>
+      </p:grpSp>
+      <p:sp>
+        <p:nvSpPr>
+          <p:cNvPr id="4" name="圆角矩形 106">
+            <a:extLst>
+              <a:ext uri="{FF2B5EF4-FFF2-40B4-BE49-F238E27FC236}">
+                <a16:creationId xmlns:a16="http://schemas.microsoft.com/office/drawing/2014/main" id="{58C2D861-B7E7-443A-8D12-BF79F05F4975}"/>
+              </a:ext>
+            </a:extLst>
+          </p:cNvPr>
+          <p:cNvSpPr/>
+          <p:nvPr/>
+        </p:nvSpPr>
+        <p:spPr bwMode="auto">
+          <a:xfrm>
+            <a:off x="6268090" y="4912469"/>
+            <a:ext cx="714104" cy="588750"/>
+          </a:xfrm>
+          <a:prstGeom prst="roundRect">
+            <a:avLst/>
+          </a:prstGeom>
+          <a:solidFill>
+            <a:schemeClr val="accent2"/>
+          </a:solidFill>
+          <a:ln w="38100">
+            <a:noFill/>
+          </a:ln>
+          <a:effectLst>
+            <a:outerShdw blurRad="203200" dist="88900" dir="8100000" sx="102000" sy="102000" algn="tr" rotWithShape="0">
+              <a:prstClr val="black">
+                <a:alpha val="30000"/>
+              </a:prstClr>
+            </a:outerShdw>
+          </a:effectLst>
+        </p:spPr>
+        <p:style>
+          <a:lnRef idx="2">
+            <a:schemeClr val="accent1">
+              <a:shade val="50000"/>
+            </a:schemeClr>
+          </a:lnRef>
+          <a:fillRef idx="1">
+            <a:schemeClr val="accent1"/>
+          </a:fillRef>
+          <a:effectRef idx="0">
+            <a:schemeClr val="accent1"/>
+          </a:effectRef>
+          <a:fontRef idx="minor">
+            <a:schemeClr val="lt1"/>
+          </a:fontRef>
+        </p:style>
+        <p:txBody>
+          <a:bodyPr anchor="ctr"/>
+          <a:lstStyle/>
+          <a:p>
+            <a:pPr algn="ctr" fontAlgn="auto">
+              <a:spcBef>
+                <a:spcPts val="0"/>
+              </a:spcBef>
+              <a:spcAft>
+                <a:spcPts val="0"/>
+              </a:spcAft>
+              <a:defRPr/>
+            </a:pPr>
+            <a:r>
+              <a:rPr lang="en-US" altLang="zh-CN" sz="2800" dirty="0">
+                <a:latin typeface="Impact" panose="020B0806030902050204" pitchFamily="34" charset="0"/>
+                <a:ea typeface="微软雅黑" panose="020B0503020204020204" pitchFamily="34" charset="-122"/>
+                <a:cs typeface="+mn-ea"/>
+                <a:sym typeface="+mn-lt"/>
+              </a:rPr>
+              <a:t>5</a:t>
+            </a:r>
+            <a:endParaRPr lang="zh-CN" altLang="en-US" sz="2800" dirty="0">
+              <a:latin typeface="Impact" panose="020B0806030902050204" pitchFamily="34" charset="0"/>
+              <a:ea typeface="微软雅黑" panose="020B0503020204020204" pitchFamily="34" charset="-122"/>
+              <a:cs typeface="+mn-ea"/>
+              <a:sym typeface="+mn-lt"/>
+            </a:endParaRPr>
+          </a:p>
+        </p:txBody>
+      </p:sp>
+      <p:sp>
+        <p:nvSpPr>
+          <p:cNvPr id="6" name="矩形 5">
+            <a:extLst>
+              <a:ext uri="{FF2B5EF4-FFF2-40B4-BE49-F238E27FC236}">
+                <a16:creationId xmlns:a16="http://schemas.microsoft.com/office/drawing/2014/main" id="{1E723024-97CF-4934-AC2F-668C5F821257}"/>
+              </a:ext>
+            </a:extLst>
+          </p:cNvPr>
+          <p:cNvSpPr/>
+          <p:nvPr/>
+        </p:nvSpPr>
+        <p:spPr>
+          <a:xfrm>
+            <a:off x="7619607" y="4912469"/>
+            <a:ext cx="2698175" cy="564898"/>
+          </a:xfrm>
+          <a:prstGeom prst="rect">
+            <a:avLst/>
+          </a:prstGeom>
+          <a:effectLst/>
+        </p:spPr>
+        <p:txBody>
+          <a:bodyPr wrap="none">
+            <a:spAutoFit/>
+          </a:bodyPr>
+          <a:lstStyle/>
+          <a:p>
+            <a:pPr>
+              <a:lnSpc>
+                <a:spcPct val="120000"/>
+              </a:lnSpc>
+            </a:pPr>
+            <a:r>
+              <a:rPr lang="zh-CN" altLang="en-US" sz="2800" dirty="0">
+                <a:solidFill>
+                  <a:schemeClr val="bg1"/>
+                </a:solidFill>
+                <a:latin typeface="Arial" panose="020B0604020202020204" pitchFamily="34" charset="0"/>
+                <a:ea typeface="微软雅黑" panose="020B0503020204020204" pitchFamily="34" charset="-122"/>
+                <a:cs typeface="+mn-ea"/>
+                <a:sym typeface="Arial" panose="020B0604020202020204" pitchFamily="34" charset="0"/>
+              </a:rPr>
+              <a:t>小组分工及评价</a:t>
+            </a:r>
+            <a:endParaRPr lang="en-US" altLang="zh-CN" sz="2800" dirty="0">
+              <a:solidFill>
+                <a:schemeClr val="bg1"/>
+              </a:solidFill>
+              <a:latin typeface="Arial" panose="020B0604020202020204" pitchFamily="34" charset="0"/>
+              <a:ea typeface="微软雅黑" panose="020B0503020204020204" pitchFamily="34" charset="-122"/>
+              <a:cs typeface="+mn-ea"/>
+              <a:sym typeface="Arial" panose="020B0604020202020204" pitchFamily="34" charset="0"/>
+            </a:endParaRPr>
+          </a:p>
+        </p:txBody>
+      </p:sp>
+      <p:sp>
+        <p:nvSpPr>
+          <p:cNvPr id="7" name="矩形 6">
+            <a:extLst>
+              <a:ext uri="{FF2B5EF4-FFF2-40B4-BE49-F238E27FC236}">
+                <a16:creationId xmlns:a16="http://schemas.microsoft.com/office/drawing/2014/main" id="{F10A4DA5-FB55-4EE4-A318-A8C9A7EEF95D}"/>
+              </a:ext>
+            </a:extLst>
+          </p:cNvPr>
+          <p:cNvSpPr/>
+          <p:nvPr/>
+        </p:nvSpPr>
+        <p:spPr>
+          <a:xfrm>
+            <a:off x="7638228" y="5932507"/>
+            <a:ext cx="1620957" cy="564898"/>
+          </a:xfrm>
+          <a:prstGeom prst="rect">
+            <a:avLst/>
+          </a:prstGeom>
+          <a:effectLst/>
+        </p:spPr>
+        <p:txBody>
+          <a:bodyPr wrap="none">
+            <a:spAutoFit/>
+          </a:bodyPr>
+          <a:lstStyle/>
+          <a:p>
+            <a:pPr>
+              <a:lnSpc>
+                <a:spcPct val="120000"/>
+              </a:lnSpc>
+            </a:pPr>
+            <a:r>
+              <a:rPr lang="zh-CN" altLang="en-US" sz="2800" dirty="0">
+                <a:solidFill>
+                  <a:schemeClr val="bg1"/>
+                </a:solidFill>
+                <a:latin typeface="Arial" panose="020B0604020202020204" pitchFamily="34" charset="0"/>
+                <a:ea typeface="微软雅黑" panose="020B0503020204020204" pitchFamily="34" charset="-122"/>
+                <a:cs typeface="+mn-ea"/>
+                <a:sym typeface="Arial" panose="020B0604020202020204" pitchFamily="34" charset="0"/>
+              </a:rPr>
+              <a:t>参考资料</a:t>
+            </a:r>
+            <a:endParaRPr lang="en-US" altLang="zh-CN" sz="2800" dirty="0">
+              <a:solidFill>
+                <a:schemeClr val="bg1"/>
+              </a:solidFill>
+              <a:latin typeface="Arial" panose="020B0604020202020204" pitchFamily="34" charset="0"/>
+              <a:ea typeface="微软雅黑" panose="020B0503020204020204" pitchFamily="34" charset="-122"/>
+              <a:cs typeface="+mn-ea"/>
+              <a:sym typeface="Arial" panose="020B0604020202020204" pitchFamily="34" charset="0"/>
+            </a:endParaRPr>
+          </a:p>
+        </p:txBody>
+      </p:sp>
+      <p:sp>
+        <p:nvSpPr>
+          <p:cNvPr id="5" name="圆角矩形 106">
+            <a:extLst>
+              <a:ext uri="{FF2B5EF4-FFF2-40B4-BE49-F238E27FC236}">
+                <a16:creationId xmlns:a16="http://schemas.microsoft.com/office/drawing/2014/main" id="{E3365C5A-B152-4048-9F1B-7F3BD851E72E}"/>
+              </a:ext>
+            </a:extLst>
+          </p:cNvPr>
+          <p:cNvSpPr/>
+          <p:nvPr/>
+        </p:nvSpPr>
+        <p:spPr bwMode="auto">
+          <a:xfrm>
+            <a:off x="6268090" y="5920581"/>
+            <a:ext cx="714104" cy="588750"/>
+          </a:xfrm>
+          <a:prstGeom prst="roundRect">
+            <a:avLst/>
+          </a:prstGeom>
+          <a:solidFill>
+            <a:schemeClr val="accent2"/>
+          </a:solidFill>
+          <a:ln w="38100">
+            <a:noFill/>
+          </a:ln>
+          <a:effectLst>
+            <a:outerShdw blurRad="203200" dist="88900" dir="8100000" sx="102000" sy="102000" algn="tr" rotWithShape="0">
+              <a:prstClr val="black">
+                <a:alpha val="30000"/>
+              </a:prstClr>
+            </a:outerShdw>
+          </a:effectLst>
+        </p:spPr>
+        <p:style>
+          <a:lnRef idx="2">
+            <a:schemeClr val="accent1">
+              <a:shade val="50000"/>
+            </a:schemeClr>
+          </a:lnRef>
+          <a:fillRef idx="1">
+            <a:schemeClr val="accent1"/>
+          </a:fillRef>
+          <a:effectRef idx="0">
+            <a:schemeClr val="accent1"/>
+          </a:effectRef>
+          <a:fontRef idx="minor">
+            <a:schemeClr val="lt1"/>
+          </a:fontRef>
+        </p:style>
+        <p:txBody>
+          <a:bodyPr anchor="ctr"/>
+          <a:lstStyle/>
+          <a:p>
+            <a:pPr algn="ctr" fontAlgn="auto">
+              <a:spcBef>
+                <a:spcPts val="0"/>
+              </a:spcBef>
+              <a:spcAft>
+                <a:spcPts val="0"/>
+              </a:spcAft>
+              <a:defRPr/>
+            </a:pPr>
+            <a:r>
+              <a:rPr lang="en-US" altLang="zh-CN" sz="2800" dirty="0">
+                <a:latin typeface="Impact" panose="020B0806030902050204" pitchFamily="34" charset="0"/>
+                <a:ea typeface="微软雅黑" panose="020B0503020204020204" pitchFamily="34" charset="-122"/>
+                <a:cs typeface="+mn-ea"/>
+                <a:sym typeface="+mn-lt"/>
+              </a:rPr>
+              <a:t>6</a:t>
+            </a:r>
+            <a:endParaRPr lang="zh-CN" altLang="en-US" sz="2800" dirty="0">
+              <a:latin typeface="Impact" panose="020B0806030902050204" pitchFamily="34" charset="0"/>
+              <a:ea typeface="微软雅黑" panose="020B0503020204020204" pitchFamily="34" charset="-122"/>
+              <a:cs typeface="+mn-ea"/>
+              <a:sym typeface="+mn-lt"/>
+            </a:endParaRPr>
+          </a:p>
+        </p:txBody>
+      </p:sp>
+      <p:sp>
+        <p:nvSpPr>
+          <p:cNvPr id="8" name="矩形 7">
+            <a:extLst>
+              <a:ext uri="{FF2B5EF4-FFF2-40B4-BE49-F238E27FC236}">
+                <a16:creationId xmlns:a16="http://schemas.microsoft.com/office/drawing/2014/main" id="{F6CFB9F0-2E31-4D30-8809-40288F33012E}"/>
+              </a:ext>
+            </a:extLst>
+          </p:cNvPr>
+          <p:cNvSpPr/>
+          <p:nvPr/>
+        </p:nvSpPr>
+        <p:spPr>
+          <a:xfrm>
+            <a:off x="7619606" y="3916283"/>
+            <a:ext cx="3416320" cy="564898"/>
+          </a:xfrm>
+          <a:prstGeom prst="rect">
+            <a:avLst/>
+          </a:prstGeom>
+          <a:effectLst/>
+        </p:spPr>
+        <p:txBody>
+          <a:bodyPr wrap="none">
+            <a:spAutoFit/>
+          </a:bodyPr>
+          <a:lstStyle/>
+          <a:p>
+            <a:pPr>
+              <a:lnSpc>
+                <a:spcPct val="120000"/>
+              </a:lnSpc>
+            </a:pPr>
+            <a:r>
+              <a:rPr lang="zh-CN" altLang="en-US" sz="2800" dirty="0">
+                <a:solidFill>
+                  <a:schemeClr val="bg1"/>
+                </a:solidFill>
+                <a:latin typeface="Arial" panose="020B0604020202020204" pitchFamily="34" charset="0"/>
+                <a:ea typeface="微软雅黑" panose="020B0503020204020204" pitchFamily="34" charset="-122"/>
+                <a:cs typeface="+mn-ea"/>
+                <a:sym typeface="Arial" panose="020B0604020202020204" pitchFamily="34" charset="0"/>
+              </a:rPr>
+              <a:t>会议记录及配置管理</a:t>
+            </a:r>
+            <a:endParaRPr lang="en-US" altLang="zh-CN" sz="2800" dirty="0">
+              <a:solidFill>
+                <a:schemeClr val="bg1"/>
+              </a:solidFill>
+              <a:latin typeface="Arial" panose="020B0604020202020204" pitchFamily="34" charset="0"/>
+              <a:ea typeface="微软雅黑" panose="020B0503020204020204" pitchFamily="34" charset="-122"/>
+              <a:cs typeface="+mn-ea"/>
+              <a:sym typeface="Arial" panose="020B0604020202020204" pitchFamily="34" charset="0"/>
+            </a:endParaRPr>
+          </a:p>
+        </p:txBody>
+      </p:sp>
+    </p:spTree>
+    <p:extLst>
+      <p:ext uri="{BB962C8B-B14F-4D97-AF65-F5344CB8AC3E}">
+        <p14:creationId xmlns:p14="http://schemas.microsoft.com/office/powerpoint/2010/main" val="3765236695"/>
+      </p:ext>
+    </p:extLst>
+  </p:cSld>
+  <p:clrMapOvr>
+    <a:masterClrMapping/>
+  </p:clrMapOvr>
+</p:sld>
+</file>
+
+<file path=ppt/slides/slide20.xml><?xml version="1.0" encoding="utf-8"?>
 <p:sld xmlns:a="http://schemas.openxmlformats.org/drawingml/2006/main" xmlns:r="http://schemas.openxmlformats.org/officeDocument/2006/relationships" xmlns:p="http://schemas.openxmlformats.org/presentationml/2006/main">
   <p:cSld>
     <p:spTree>
@@ -15583,7 +13730,7 @@
 </p:sld>
 </file>
 
-<file path=ppt/slides/slide23.xml><?xml version="1.0" encoding="utf-8"?>
+<file path=ppt/slides/slide21.xml><?xml version="1.0" encoding="utf-8"?>
 <p:sld xmlns:a="http://schemas.openxmlformats.org/drawingml/2006/main" xmlns:r="http://schemas.openxmlformats.org/officeDocument/2006/relationships" xmlns:p="http://schemas.openxmlformats.org/presentationml/2006/main">
   <p:cSld>
     <p:spTree>
@@ -21554,7 +19701,7 @@
         </p:blipFill>
         <p:spPr>
           <a:xfrm>
-            <a:off x="5781303" y="1240061"/>
+            <a:off x="4485159" y="1240061"/>
             <a:ext cx="542591" cy="1322947"/>
           </a:xfrm>
           <a:prstGeom prst="rect">
@@ -21999,7 +20146,7 @@
         </p:nvSpPr>
         <p:spPr>
           <a:xfrm>
-            <a:off x="4629175" y="2680221"/>
+            <a:off x="3333031" y="2680221"/>
             <a:ext cx="2592288" cy="400110"/>
           </a:xfrm>
           <a:prstGeom prst="rect">
@@ -22034,7 +20181,7 @@
         </p:nvSpPr>
         <p:spPr>
           <a:xfrm>
-            <a:off x="1399070" y="4699180"/>
+            <a:off x="732225" y="5247821"/>
             <a:ext cx="2763216" cy="369332"/>
           </a:xfrm>
           <a:prstGeom prst="rect">
@@ -22069,7 +20216,7 @@
         </p:nvGrpSpPr>
         <p:grpSpPr>
           <a:xfrm>
-            <a:off x="2627542" y="3114464"/>
+            <a:off x="1960697" y="3663105"/>
             <a:ext cx="544517" cy="1500105"/>
             <a:chOff x="1371598" y="1962150"/>
             <a:chExt cx="915449" cy="2522008"/>
@@ -22211,7 +20358,7 @@
         </p:nvGrpSpPr>
         <p:grpSpPr>
           <a:xfrm>
-            <a:off x="9686691" y="3190866"/>
+            <a:off x="7250665" y="3726021"/>
             <a:ext cx="544517" cy="1500105"/>
             <a:chOff x="1371598" y="1962150"/>
             <a:chExt cx="915449" cy="2522008"/>
@@ -22353,7 +20500,7 @@
         </p:nvSpPr>
         <p:spPr>
           <a:xfrm>
-            <a:off x="8208417" y="4750321"/>
+            <a:off x="5772391" y="5285476"/>
             <a:ext cx="2956547" cy="369332"/>
           </a:xfrm>
           <a:prstGeom prst="rect">
@@ -22388,7 +20535,7 @@
         </p:nvSpPr>
         <p:spPr>
           <a:xfrm>
-            <a:off x="4794239" y="3114464"/>
+            <a:off x="3498095" y="3114464"/>
             <a:ext cx="2262158" cy="369332"/>
           </a:xfrm>
           <a:prstGeom prst="rect">
@@ -22423,7 +20570,7 @@
         </p:nvSpPr>
         <p:spPr>
           <a:xfrm>
-            <a:off x="4563407" y="3504191"/>
+            <a:off x="3267263" y="3504191"/>
             <a:ext cx="2723823" cy="369332"/>
           </a:xfrm>
           <a:prstGeom prst="rect">
@@ -22458,7 +20605,7 @@
         </p:nvSpPr>
         <p:spPr>
           <a:xfrm>
-            <a:off x="5025071" y="3907656"/>
+            <a:off x="3728927" y="3907656"/>
             <a:ext cx="1800493" cy="369332"/>
           </a:xfrm>
           <a:prstGeom prst="rect">
@@ -22493,7 +20640,7 @@
         </p:nvSpPr>
         <p:spPr>
           <a:xfrm>
-            <a:off x="8445599" y="5068512"/>
+            <a:off x="6009573" y="5603667"/>
             <a:ext cx="936104" cy="338554"/>
           </a:xfrm>
           <a:prstGeom prst="rect">
@@ -22514,6 +20661,358 @@
           </a:p>
         </p:txBody>
       </p:sp>
+      <p:sp>
+        <p:nvSpPr>
+          <p:cNvPr id="18" name="文本框 17">
+            <a:extLst>
+              <a:ext uri="{FF2B5EF4-FFF2-40B4-BE49-F238E27FC236}">
+                <a16:creationId xmlns:a16="http://schemas.microsoft.com/office/drawing/2014/main" id="{F480F8AE-3DBF-4E5C-8C4F-F5620FFDFE55}"/>
+              </a:ext>
+            </a:extLst>
+          </p:cNvPr>
+          <p:cNvSpPr txBox="1"/>
+          <p:nvPr/>
+        </p:nvSpPr>
+        <p:spPr>
+          <a:xfrm>
+            <a:off x="6183875" y="5962436"/>
+            <a:ext cx="2262158" cy="369332"/>
+          </a:xfrm>
+          <a:prstGeom prst="rect">
+            <a:avLst/>
+          </a:prstGeom>
+          <a:noFill/>
+        </p:spPr>
+        <p:txBody>
+          <a:bodyPr wrap="none" rtlCol="0">
+            <a:spAutoFit/>
+          </a:bodyPr>
+          <a:lstStyle/>
+          <a:p>
+            <a:r>
+              <a:rPr lang="zh-CN" altLang="en-US" dirty="0"/>
+              <a:t>自定义收入支出类别</a:t>
+            </a:r>
+          </a:p>
+        </p:txBody>
+      </p:sp>
+      <p:sp>
+        <p:nvSpPr>
+          <p:cNvPr id="22" name="文本框 21">
+            <a:extLst>
+              <a:ext uri="{FF2B5EF4-FFF2-40B4-BE49-F238E27FC236}">
+                <a16:creationId xmlns:a16="http://schemas.microsoft.com/office/drawing/2014/main" id="{984E953F-AA36-4D20-BDB6-26A3FCFA0481}"/>
+              </a:ext>
+            </a:extLst>
+          </p:cNvPr>
+          <p:cNvSpPr txBox="1"/>
+          <p:nvPr/>
+        </p:nvSpPr>
+        <p:spPr>
+          <a:xfrm>
+            <a:off x="6068459" y="6331768"/>
+            <a:ext cx="2492990" cy="369332"/>
+          </a:xfrm>
+          <a:prstGeom prst="rect">
+            <a:avLst/>
+          </a:prstGeom>
+          <a:noFill/>
+        </p:spPr>
+        <p:txBody>
+          <a:bodyPr wrap="none" rtlCol="0">
+            <a:spAutoFit/>
+          </a:bodyPr>
+          <a:lstStyle/>
+          <a:p>
+            <a:r>
+              <a:rPr lang="zh-CN" altLang="en-US" dirty="0"/>
+              <a:t>收入支出类别分大小类</a:t>
+            </a:r>
+          </a:p>
+        </p:txBody>
+      </p:sp>
+      <p:grpSp>
+        <p:nvGrpSpPr>
+          <p:cNvPr id="23" name="Group 33">
+            <a:extLst>
+              <a:ext uri="{FF2B5EF4-FFF2-40B4-BE49-F238E27FC236}">
+                <a16:creationId xmlns:a16="http://schemas.microsoft.com/office/drawing/2014/main" id="{069193C5-DC4D-45F0-92FC-E38E2C6E06DF}"/>
+              </a:ext>
+            </a:extLst>
+          </p:cNvPr>
+          <p:cNvGrpSpPr/>
+          <p:nvPr/>
+        </p:nvGrpSpPr>
+        <p:grpSpPr>
+          <a:xfrm>
+            <a:off x="10558030" y="1236403"/>
+            <a:ext cx="544517" cy="1500105"/>
+            <a:chOff x="1371598" y="1962150"/>
+            <a:chExt cx="915449" cy="2522008"/>
+          </a:xfrm>
+          <a:solidFill>
+            <a:schemeClr val="accent1"/>
+          </a:solidFill>
+        </p:grpSpPr>
+        <p:sp>
+          <p:nvSpPr>
+            <p:cNvPr id="24" name="Isosceles Triangle 34">
+              <a:extLst>
+                <a:ext uri="{FF2B5EF4-FFF2-40B4-BE49-F238E27FC236}">
+                  <a16:creationId xmlns:a16="http://schemas.microsoft.com/office/drawing/2014/main" id="{ADB9C321-3770-4101-A49B-3FACD1554B38}"/>
+                </a:ext>
+              </a:extLst>
+            </p:cNvPr>
+            <p:cNvSpPr/>
+            <p:nvPr/>
+          </p:nvSpPr>
+          <p:spPr>
+            <a:xfrm rot="5400000">
+              <a:off x="1449332" y="2090117"/>
+              <a:ext cx="837231" cy="838198"/>
+            </a:xfrm>
+            <a:prstGeom prst="triangle">
+              <a:avLst/>
+            </a:prstGeom>
+            <a:grpFill/>
+            <a:ln>
+              <a:noFill/>
+            </a:ln>
+          </p:spPr>
+          <p:style>
+            <a:lnRef idx="2">
+              <a:schemeClr val="accent1">
+                <a:shade val="50000"/>
+              </a:schemeClr>
+            </a:lnRef>
+            <a:fillRef idx="1">
+              <a:schemeClr val="accent1"/>
+            </a:fillRef>
+            <a:effectRef idx="0">
+              <a:schemeClr val="accent1"/>
+            </a:effectRef>
+            <a:fontRef idx="minor">
+              <a:schemeClr val="lt1"/>
+            </a:fontRef>
+          </p:style>
+          <p:txBody>
+            <a:bodyPr rtlCol="0" anchor="ctr"/>
+            <a:lstStyle/>
+            <a:p>
+              <a:pPr algn="ctr">
+                <a:lnSpc>
+                  <a:spcPct val="120000"/>
+                </a:lnSpc>
+              </a:pPr>
+              <a:endParaRPr lang="en-US" sz="800">
+                <a:latin typeface="Arial" panose="020B0604020202020204" pitchFamily="34" charset="0"/>
+                <a:ea typeface="微软雅黑" panose="020B0503020204020204" pitchFamily="34" charset="-122"/>
+                <a:cs typeface="+mn-ea"/>
+                <a:sym typeface="Arial" panose="020B0604020202020204" pitchFamily="34" charset="0"/>
+              </a:endParaRPr>
+            </a:p>
+          </p:txBody>
+        </p:sp>
+        <p:sp>
+          <p:nvSpPr>
+            <p:cNvPr id="25" name="Can 35">
+              <a:extLst>
+                <a:ext uri="{FF2B5EF4-FFF2-40B4-BE49-F238E27FC236}">
+                  <a16:creationId xmlns:a16="http://schemas.microsoft.com/office/drawing/2014/main" id="{B33982F0-C75C-4BA7-A016-B89862E85937}"/>
+                </a:ext>
+              </a:extLst>
+            </p:cNvPr>
+            <p:cNvSpPr/>
+            <p:nvPr/>
+          </p:nvSpPr>
+          <p:spPr>
+            <a:xfrm>
+              <a:off x="1371598" y="1962150"/>
+              <a:ext cx="108083" cy="2522008"/>
+            </a:xfrm>
+            <a:prstGeom prst="can">
+              <a:avLst/>
+            </a:prstGeom>
+            <a:grpFill/>
+            <a:ln>
+              <a:noFill/>
+            </a:ln>
+          </p:spPr>
+          <p:style>
+            <a:lnRef idx="2">
+              <a:schemeClr val="accent1">
+                <a:shade val="50000"/>
+              </a:schemeClr>
+            </a:lnRef>
+            <a:fillRef idx="1">
+              <a:schemeClr val="accent1"/>
+            </a:fillRef>
+            <a:effectRef idx="0">
+              <a:schemeClr val="accent1"/>
+            </a:effectRef>
+            <a:fontRef idx="minor">
+              <a:schemeClr val="lt1"/>
+            </a:fontRef>
+          </p:style>
+          <p:txBody>
+            <a:bodyPr rtlCol="0" anchor="ctr"/>
+            <a:lstStyle/>
+            <a:p>
+              <a:pPr algn="ctr">
+                <a:lnSpc>
+                  <a:spcPct val="120000"/>
+                </a:lnSpc>
+              </a:pPr>
+              <a:endParaRPr lang="en-US" sz="800">
+                <a:latin typeface="Arial" panose="020B0604020202020204" pitchFamily="34" charset="0"/>
+                <a:ea typeface="微软雅黑" panose="020B0503020204020204" pitchFamily="34" charset="-122"/>
+                <a:cs typeface="+mn-ea"/>
+                <a:sym typeface="Arial" panose="020B0604020202020204" pitchFamily="34" charset="0"/>
+              </a:endParaRPr>
+            </a:p>
+          </p:txBody>
+        </p:sp>
+      </p:grpSp>
+      <p:sp>
+        <p:nvSpPr>
+          <p:cNvPr id="26" name="文本框 25">
+            <a:extLst>
+              <a:ext uri="{FF2B5EF4-FFF2-40B4-BE49-F238E27FC236}">
+                <a16:creationId xmlns:a16="http://schemas.microsoft.com/office/drawing/2014/main" id="{9F1ECEA8-B96E-46C8-A534-7CD8A005C834}"/>
+              </a:ext>
+            </a:extLst>
+          </p:cNvPr>
+          <p:cNvSpPr txBox="1"/>
+          <p:nvPr/>
+        </p:nvSpPr>
+        <p:spPr>
+          <a:xfrm>
+            <a:off x="9079756" y="2795858"/>
+            <a:ext cx="2956547" cy="369332"/>
+          </a:xfrm>
+          <a:prstGeom prst="rect">
+            <a:avLst/>
+          </a:prstGeom>
+          <a:noFill/>
+        </p:spPr>
+        <p:txBody>
+          <a:bodyPr wrap="square" rtlCol="0">
+            <a:spAutoFit/>
+          </a:bodyPr>
+          <a:lstStyle/>
+          <a:p>
+            <a:r>
+              <a:rPr lang="zh-CN" altLang="en-US" dirty="0"/>
+              <a:t>非本专业典型用户：赵宇阳</a:t>
+            </a:r>
+          </a:p>
+        </p:txBody>
+      </p:sp>
+      <p:sp>
+        <p:nvSpPr>
+          <p:cNvPr id="27" name="文本框 26">
+            <a:extLst>
+              <a:ext uri="{FF2B5EF4-FFF2-40B4-BE49-F238E27FC236}">
+                <a16:creationId xmlns:a16="http://schemas.microsoft.com/office/drawing/2014/main" id="{F04AD376-32F9-411E-A083-B83FB39C9519}"/>
+              </a:ext>
+            </a:extLst>
+          </p:cNvPr>
+          <p:cNvSpPr txBox="1"/>
+          <p:nvPr/>
+        </p:nvSpPr>
+        <p:spPr>
+          <a:xfrm>
+            <a:off x="9316938" y="3114049"/>
+            <a:ext cx="936104" cy="338554"/>
+          </a:xfrm>
+          <a:prstGeom prst="rect">
+            <a:avLst/>
+          </a:prstGeom>
+          <a:noFill/>
+        </p:spPr>
+        <p:txBody>
+          <a:bodyPr wrap="square" rtlCol="0">
+            <a:spAutoFit/>
+          </a:bodyPr>
+          <a:lstStyle/>
+          <a:p>
+            <a:r>
+              <a:rPr lang="zh-CN" altLang="en-US" sz="1600" dirty="0"/>
+              <a:t>计算机</a:t>
+            </a:r>
+          </a:p>
+        </p:txBody>
+      </p:sp>
+      <p:sp>
+        <p:nvSpPr>
+          <p:cNvPr id="28" name="文本框 27">
+            <a:extLst>
+              <a:ext uri="{FF2B5EF4-FFF2-40B4-BE49-F238E27FC236}">
+                <a16:creationId xmlns:a16="http://schemas.microsoft.com/office/drawing/2014/main" id="{71664817-A319-4E47-89C1-2C4D033D3692}"/>
+              </a:ext>
+            </a:extLst>
+          </p:cNvPr>
+          <p:cNvSpPr txBox="1"/>
+          <p:nvPr/>
+        </p:nvSpPr>
+        <p:spPr>
+          <a:xfrm>
+            <a:off x="9837490" y="3483660"/>
+            <a:ext cx="1569660" cy="369332"/>
+          </a:xfrm>
+          <a:prstGeom prst="rect">
+            <a:avLst/>
+          </a:prstGeom>
+          <a:noFill/>
+        </p:spPr>
+        <p:txBody>
+          <a:bodyPr wrap="none" rtlCol="0">
+            <a:spAutoFit/>
+          </a:bodyPr>
+          <a:lstStyle/>
+          <a:p>
+            <a:r>
+              <a:rPr lang="zh-CN" altLang="en-US" dirty="0"/>
+              <a:t>返回动画流畅</a:t>
+            </a:r>
+          </a:p>
+        </p:txBody>
+      </p:sp>
+      <p:sp>
+        <p:nvSpPr>
+          <p:cNvPr id="29" name="文本框 28">
+            <a:extLst>
+              <a:ext uri="{FF2B5EF4-FFF2-40B4-BE49-F238E27FC236}">
+                <a16:creationId xmlns:a16="http://schemas.microsoft.com/office/drawing/2014/main" id="{5AC4E0CC-97EA-4B03-88E2-EE4EE017DE65}"/>
+              </a:ext>
+            </a:extLst>
+          </p:cNvPr>
+          <p:cNvSpPr txBox="1"/>
+          <p:nvPr/>
+        </p:nvSpPr>
+        <p:spPr>
+          <a:xfrm>
+            <a:off x="9837490" y="3852992"/>
+            <a:ext cx="1569660" cy="369332"/>
+          </a:xfrm>
+          <a:prstGeom prst="rect">
+            <a:avLst/>
+          </a:prstGeom>
+          <a:noFill/>
+        </p:spPr>
+        <p:txBody>
+          <a:bodyPr wrap="none" rtlCol="0">
+            <a:spAutoFit/>
+          </a:bodyPr>
+          <a:lstStyle/>
+          <a:p>
+            <a:r>
+              <a:rPr lang="zh-CN" altLang="en-US" dirty="0"/>
+              <a:t>主题颜色更换</a:t>
+            </a:r>
+          </a:p>
+        </p:txBody>
+      </p:sp>
     </p:spTree>
     <p:extLst>
       <p:ext uri="{BB962C8B-B14F-4D97-AF65-F5344CB8AC3E}">
@@ -22528,6 +21027,549 @@
 </file>
 
 <file path=ppt/slides/slide8.xml><?xml version="1.0" encoding="utf-8"?>
+<p:sld xmlns:a="http://schemas.openxmlformats.org/drawingml/2006/main" xmlns:r="http://schemas.openxmlformats.org/officeDocument/2006/relationships" xmlns:p="http://schemas.openxmlformats.org/presentationml/2006/main">
+  <p:cSld>
+    <p:spTree>
+      <p:nvGrpSpPr>
+        <p:cNvPr id="1" name=""/>
+        <p:cNvGrpSpPr/>
+        <p:nvPr/>
+      </p:nvGrpSpPr>
+      <p:grpSpPr>
+        <a:xfrm>
+          <a:off x="0" y="0"/>
+          <a:ext cx="0" cy="0"/>
+          <a:chOff x="0" y="0"/>
+          <a:chExt cx="0" cy="0"/>
+        </a:xfrm>
+      </p:grpSpPr>
+      <p:sp>
+        <p:nvSpPr>
+          <p:cNvPr id="3" name="椭圆 2">
+            <a:extLst>
+              <a:ext uri="{FF2B5EF4-FFF2-40B4-BE49-F238E27FC236}">
+                <a16:creationId xmlns:a16="http://schemas.microsoft.com/office/drawing/2014/main" id="{4EA24F33-4D93-4E9C-99AF-79623C739F16}"/>
+              </a:ext>
+            </a:extLst>
+          </p:cNvPr>
+          <p:cNvSpPr/>
+          <p:nvPr/>
+        </p:nvSpPr>
+        <p:spPr>
+          <a:xfrm>
+            <a:off x="532958" y="327049"/>
+            <a:ext cx="367982" cy="367982"/>
+          </a:xfrm>
+          <a:prstGeom prst="ellipse">
+            <a:avLst/>
+          </a:prstGeom>
+          <a:ln>
+            <a:noFill/>
+          </a:ln>
+          <a:effectLst>
+            <a:outerShdw blurRad="127000" dist="76200" dir="2700000" algn="tl" rotWithShape="0">
+              <a:prstClr val="black">
+                <a:alpha val="40000"/>
+              </a:prstClr>
+            </a:outerShdw>
+          </a:effectLst>
+        </p:spPr>
+        <p:style>
+          <a:lnRef idx="2">
+            <a:schemeClr val="accent1">
+              <a:shade val="50000"/>
+            </a:schemeClr>
+          </a:lnRef>
+          <a:fillRef idx="1">
+            <a:schemeClr val="accent1"/>
+          </a:fillRef>
+          <a:effectRef idx="0">
+            <a:schemeClr val="accent1"/>
+          </a:effectRef>
+          <a:fontRef idx="minor">
+            <a:schemeClr val="lt1"/>
+          </a:fontRef>
+        </p:style>
+        <p:txBody>
+          <a:bodyPr rtlCol="0" anchor="ctr"/>
+          <a:lstStyle/>
+          <a:p>
+            <a:pPr algn="ctr"/>
+            <a:endParaRPr lang="zh-CN" altLang="en-US">
+              <a:solidFill>
+                <a:schemeClr val="accent2">
+                  <a:lumMod val="75000"/>
+                </a:schemeClr>
+              </a:solidFill>
+              <a:latin typeface="Arial" panose="020B0604020202020204" pitchFamily="34" charset="0"/>
+              <a:ea typeface="微软雅黑" panose="020B0503020204020204" pitchFamily="34" charset="-122"/>
+              <a:sym typeface="Arial" panose="020B0604020202020204" pitchFamily="34" charset="0"/>
+            </a:endParaRPr>
+          </a:p>
+        </p:txBody>
+      </p:sp>
+      <p:sp>
+        <p:nvSpPr>
+          <p:cNvPr id="5" name="椭圆 4">
+            <a:extLst>
+              <a:ext uri="{FF2B5EF4-FFF2-40B4-BE49-F238E27FC236}">
+                <a16:creationId xmlns:a16="http://schemas.microsoft.com/office/drawing/2014/main" id="{81BA1541-8FA4-4F63-AE02-E26F5D84F59D}"/>
+              </a:ext>
+            </a:extLst>
+          </p:cNvPr>
+          <p:cNvSpPr/>
+          <p:nvPr/>
+        </p:nvSpPr>
+        <p:spPr>
+          <a:xfrm>
+            <a:off x="800016" y="327049"/>
+            <a:ext cx="201847" cy="201847"/>
+          </a:xfrm>
+          <a:prstGeom prst="ellipse">
+            <a:avLst/>
+          </a:prstGeom>
+          <a:solidFill>
+            <a:schemeClr val="bg1">
+              <a:lumMod val="95000"/>
+            </a:schemeClr>
+          </a:solidFill>
+          <a:ln>
+            <a:noFill/>
+          </a:ln>
+          <a:effectLst>
+            <a:outerShdw blurRad="127000" dist="76200" dir="2700000" algn="tl" rotWithShape="0">
+              <a:prstClr val="black">
+                <a:alpha val="40000"/>
+              </a:prstClr>
+            </a:outerShdw>
+          </a:effectLst>
+        </p:spPr>
+        <p:style>
+          <a:lnRef idx="2">
+            <a:schemeClr val="accent1">
+              <a:shade val="50000"/>
+            </a:schemeClr>
+          </a:lnRef>
+          <a:fillRef idx="1">
+            <a:schemeClr val="accent1"/>
+          </a:fillRef>
+          <a:effectRef idx="0">
+            <a:schemeClr val="accent1"/>
+          </a:effectRef>
+          <a:fontRef idx="minor">
+            <a:schemeClr val="lt1"/>
+          </a:fontRef>
+        </p:style>
+        <p:txBody>
+          <a:bodyPr rtlCol="0" anchor="ctr"/>
+          <a:lstStyle/>
+          <a:p>
+            <a:pPr algn="ctr"/>
+            <a:endParaRPr lang="zh-CN" altLang="en-US">
+              <a:solidFill>
+                <a:schemeClr val="accent2">
+                  <a:lumMod val="75000"/>
+                </a:schemeClr>
+              </a:solidFill>
+              <a:latin typeface="Arial" panose="020B0604020202020204" pitchFamily="34" charset="0"/>
+              <a:ea typeface="微软雅黑" panose="020B0503020204020204" pitchFamily="34" charset="-122"/>
+              <a:sym typeface="Arial" panose="020B0604020202020204" pitchFamily="34" charset="0"/>
+            </a:endParaRPr>
+          </a:p>
+        </p:txBody>
+      </p:sp>
+      <p:sp>
+        <p:nvSpPr>
+          <p:cNvPr id="7" name="Content Placeholder 2">
+            <a:extLst>
+              <a:ext uri="{FF2B5EF4-FFF2-40B4-BE49-F238E27FC236}">
+                <a16:creationId xmlns:a16="http://schemas.microsoft.com/office/drawing/2014/main" id="{9711832A-D40D-4EA8-8B29-088C16793E77}"/>
+              </a:ext>
+            </a:extLst>
+          </p:cNvPr>
+          <p:cNvSpPr txBox="1">
+            <a:spLocks/>
+          </p:cNvSpPr>
+          <p:nvPr/>
+        </p:nvSpPr>
+        <p:spPr>
+          <a:xfrm>
+            <a:off x="1095235" y="242438"/>
+            <a:ext cx="4830083" cy="367982"/>
+          </a:xfrm>
+          <a:prstGeom prst="rect">
+            <a:avLst/>
+          </a:prstGeom>
+        </p:spPr>
+        <p:txBody>
+          <a:bodyPr vert="horz" lIns="96435" tIns="48218" rIns="96435" bIns="48218" rtlCol="0" anchor="t">
+            <a:noAutofit/>
+          </a:bodyPr>
+          <a:lstStyle>
+            <a:lvl1pPr marL="0" indent="0" algn="r" defTabSz="457200" rtl="0" eaLnBrk="1" latinLnBrk="0" hangingPunct="1">
+              <a:spcBef>
+                <a:spcPct val="20000"/>
+              </a:spcBef>
+              <a:spcAft>
+                <a:spcPts val="600"/>
+              </a:spcAft>
+              <a:buClr>
+                <a:schemeClr val="accent1">
+                  <a:lumMod val="75000"/>
+                </a:schemeClr>
+              </a:buClr>
+              <a:buSzPct val="145000"/>
+              <a:buFont typeface="Arial"/>
+              <a:buNone/>
+              <a:defRPr sz="2100" kern="1200" cap="none">
+                <a:solidFill>
+                  <a:schemeClr val="tx1"/>
+                </a:solidFill>
+                <a:effectLst/>
+                <a:latin typeface="+mn-lt"/>
+                <a:ea typeface="+mn-ea"/>
+                <a:cs typeface="+mn-cs"/>
+              </a:defRPr>
+            </a:lvl1pPr>
+            <a:lvl2pPr marL="457200" indent="0" algn="ctr" defTabSz="457200" rtl="0" eaLnBrk="1" latinLnBrk="0" hangingPunct="1">
+              <a:spcBef>
+                <a:spcPct val="20000"/>
+              </a:spcBef>
+              <a:spcAft>
+                <a:spcPts val="600"/>
+              </a:spcAft>
+              <a:buClr>
+                <a:schemeClr val="accent1">
+                  <a:lumMod val="75000"/>
+                </a:schemeClr>
+              </a:buClr>
+              <a:buSzPct val="145000"/>
+              <a:buFont typeface="Arial"/>
+              <a:buNone/>
+              <a:defRPr sz="2000" kern="1200" cap="none">
+                <a:solidFill>
+                  <a:schemeClr val="tx1">
+                    <a:tint val="75000"/>
+                  </a:schemeClr>
+                </a:solidFill>
+                <a:effectLst/>
+                <a:latin typeface="+mn-lt"/>
+                <a:ea typeface="+mn-ea"/>
+                <a:cs typeface="+mn-cs"/>
+              </a:defRPr>
+            </a:lvl2pPr>
+            <a:lvl3pPr marL="914400" indent="0" algn="ctr" defTabSz="457200" rtl="0" eaLnBrk="1" latinLnBrk="0" hangingPunct="1">
+              <a:spcBef>
+                <a:spcPct val="20000"/>
+              </a:spcBef>
+              <a:spcAft>
+                <a:spcPts val="600"/>
+              </a:spcAft>
+              <a:buClr>
+                <a:schemeClr val="accent1">
+                  <a:lumMod val="75000"/>
+                </a:schemeClr>
+              </a:buClr>
+              <a:buSzPct val="145000"/>
+              <a:buFont typeface="Arial"/>
+              <a:buNone/>
+              <a:defRPr sz="1800" kern="1200" cap="none">
+                <a:solidFill>
+                  <a:schemeClr val="tx1">
+                    <a:tint val="75000"/>
+                  </a:schemeClr>
+                </a:solidFill>
+                <a:effectLst/>
+                <a:latin typeface="+mn-lt"/>
+                <a:ea typeface="+mn-ea"/>
+                <a:cs typeface="+mn-cs"/>
+              </a:defRPr>
+            </a:lvl3pPr>
+            <a:lvl4pPr marL="1371600" indent="0" algn="ctr" defTabSz="457200" rtl="0" eaLnBrk="1" latinLnBrk="0" hangingPunct="1">
+              <a:spcBef>
+                <a:spcPct val="20000"/>
+              </a:spcBef>
+              <a:spcAft>
+                <a:spcPts val="600"/>
+              </a:spcAft>
+              <a:buClr>
+                <a:schemeClr val="accent1">
+                  <a:lumMod val="75000"/>
+                </a:schemeClr>
+              </a:buClr>
+              <a:buSzPct val="145000"/>
+              <a:buFont typeface="Arial"/>
+              <a:buNone/>
+              <a:defRPr sz="1600" kern="1200" cap="none">
+                <a:solidFill>
+                  <a:schemeClr val="tx1">
+                    <a:tint val="75000"/>
+                  </a:schemeClr>
+                </a:solidFill>
+                <a:effectLst/>
+                <a:latin typeface="+mn-lt"/>
+                <a:ea typeface="+mn-ea"/>
+                <a:cs typeface="+mn-cs"/>
+              </a:defRPr>
+            </a:lvl4pPr>
+            <a:lvl5pPr marL="1828800" indent="0" algn="ctr" defTabSz="457200" rtl="0" eaLnBrk="1" latinLnBrk="0" hangingPunct="1">
+              <a:spcBef>
+                <a:spcPct val="20000"/>
+              </a:spcBef>
+              <a:spcAft>
+                <a:spcPts val="600"/>
+              </a:spcAft>
+              <a:buClr>
+                <a:schemeClr val="accent1">
+                  <a:lumMod val="75000"/>
+                </a:schemeClr>
+              </a:buClr>
+              <a:buSzPct val="145000"/>
+              <a:buFont typeface="Arial"/>
+              <a:buNone/>
+              <a:defRPr sz="1400" kern="1200" cap="none">
+                <a:solidFill>
+                  <a:schemeClr val="tx1">
+                    <a:tint val="75000"/>
+                  </a:schemeClr>
+                </a:solidFill>
+                <a:effectLst/>
+                <a:latin typeface="+mn-lt"/>
+                <a:ea typeface="+mn-ea"/>
+                <a:cs typeface="+mn-cs"/>
+              </a:defRPr>
+            </a:lvl5pPr>
+            <a:lvl6pPr marL="2286000" indent="0" algn="ctr" defTabSz="457200" rtl="0" eaLnBrk="1" latinLnBrk="0" hangingPunct="1">
+              <a:spcBef>
+                <a:spcPct val="20000"/>
+              </a:spcBef>
+              <a:spcAft>
+                <a:spcPts val="600"/>
+              </a:spcAft>
+              <a:buClr>
+                <a:schemeClr val="accent1">
+                  <a:lumMod val="75000"/>
+                </a:schemeClr>
+              </a:buClr>
+              <a:buSzPct val="145000"/>
+              <a:buFont typeface="Arial"/>
+              <a:buNone/>
+              <a:defRPr sz="1400" kern="1200" cap="none">
+                <a:solidFill>
+                  <a:schemeClr val="tx1">
+                    <a:tint val="75000"/>
+                  </a:schemeClr>
+                </a:solidFill>
+                <a:effectLst/>
+                <a:latin typeface="+mn-lt"/>
+                <a:ea typeface="+mn-ea"/>
+                <a:cs typeface="+mn-cs"/>
+              </a:defRPr>
+            </a:lvl6pPr>
+            <a:lvl7pPr marL="2743200" indent="0" algn="ctr" defTabSz="457200" rtl="0" eaLnBrk="1" latinLnBrk="0" hangingPunct="1">
+              <a:spcBef>
+                <a:spcPct val="20000"/>
+              </a:spcBef>
+              <a:spcAft>
+                <a:spcPts val="600"/>
+              </a:spcAft>
+              <a:buClr>
+                <a:schemeClr val="accent1">
+                  <a:lumMod val="75000"/>
+                </a:schemeClr>
+              </a:buClr>
+              <a:buSzPct val="145000"/>
+              <a:buFont typeface="Arial"/>
+              <a:buNone/>
+              <a:defRPr sz="1400" kern="1200" cap="none">
+                <a:solidFill>
+                  <a:schemeClr val="tx1">
+                    <a:tint val="75000"/>
+                  </a:schemeClr>
+                </a:solidFill>
+                <a:effectLst/>
+                <a:latin typeface="+mn-lt"/>
+                <a:ea typeface="+mn-ea"/>
+                <a:cs typeface="+mn-cs"/>
+              </a:defRPr>
+            </a:lvl7pPr>
+            <a:lvl8pPr marL="3200400" indent="0" algn="ctr" defTabSz="457200" rtl="0" eaLnBrk="1" latinLnBrk="0" hangingPunct="1">
+              <a:spcBef>
+                <a:spcPct val="20000"/>
+              </a:spcBef>
+              <a:spcAft>
+                <a:spcPts val="600"/>
+              </a:spcAft>
+              <a:buClr>
+                <a:schemeClr val="accent1">
+                  <a:lumMod val="75000"/>
+                </a:schemeClr>
+              </a:buClr>
+              <a:buSzPct val="145000"/>
+              <a:buFont typeface="Arial"/>
+              <a:buNone/>
+              <a:defRPr sz="1400" kern="1200" cap="none">
+                <a:solidFill>
+                  <a:schemeClr val="tx1">
+                    <a:tint val="75000"/>
+                  </a:schemeClr>
+                </a:solidFill>
+                <a:effectLst/>
+                <a:latin typeface="+mn-lt"/>
+                <a:ea typeface="+mn-ea"/>
+                <a:cs typeface="+mn-cs"/>
+              </a:defRPr>
+            </a:lvl8pPr>
+            <a:lvl9pPr marL="3657600" indent="0" algn="ctr" defTabSz="457200" rtl="0" eaLnBrk="1" latinLnBrk="0" hangingPunct="1">
+              <a:spcBef>
+                <a:spcPct val="20000"/>
+              </a:spcBef>
+              <a:spcAft>
+                <a:spcPts val="600"/>
+              </a:spcAft>
+              <a:buClr>
+                <a:schemeClr val="accent1">
+                  <a:lumMod val="75000"/>
+                </a:schemeClr>
+              </a:buClr>
+              <a:buSzPct val="145000"/>
+              <a:buFont typeface="Arial"/>
+              <a:buNone/>
+              <a:defRPr sz="1400" kern="1200" cap="none">
+                <a:solidFill>
+                  <a:schemeClr val="tx1">
+                    <a:tint val="75000"/>
+                  </a:schemeClr>
+                </a:solidFill>
+                <a:effectLst/>
+                <a:latin typeface="+mn-lt"/>
+                <a:ea typeface="+mn-ea"/>
+                <a:cs typeface="+mn-cs"/>
+              </a:defRPr>
+            </a:lvl9pPr>
+          </a:lstStyle>
+          <a:p>
+            <a:pPr algn="l"/>
+            <a:r>
+              <a:rPr lang="zh-CN" altLang="en-US" sz="3200" dirty="0">
+                <a:latin typeface="+mn-ea"/>
+                <a:cs typeface="+mn-ea"/>
+                <a:sym typeface="Arial" panose="020B0604020202020204" pitchFamily="34" charset="0"/>
+              </a:rPr>
+              <a:t>功能需求和非功能需求</a:t>
+            </a:r>
+            <a:endParaRPr lang="en-US" sz="3200" dirty="0">
+              <a:latin typeface="+mn-ea"/>
+              <a:cs typeface="+mn-ea"/>
+              <a:sym typeface="Arial" panose="020B0604020202020204" pitchFamily="34" charset="0"/>
+            </a:endParaRPr>
+          </a:p>
+        </p:txBody>
+      </p:sp>
+      <p:pic>
+        <p:nvPicPr>
+          <p:cNvPr id="12" name="图片 11">
+            <a:extLst>
+              <a:ext uri="{FF2B5EF4-FFF2-40B4-BE49-F238E27FC236}">
+                <a16:creationId xmlns:a16="http://schemas.microsoft.com/office/drawing/2014/main" id="{EDA88800-9534-4A3B-8BE5-E6DC0A524359}"/>
+              </a:ext>
+            </a:extLst>
+          </p:cNvPr>
+          <p:cNvPicPr>
+            <a:picLocks noChangeAspect="1"/>
+          </p:cNvPicPr>
+          <p:nvPr/>
+        </p:nvPicPr>
+        <p:blipFill>
+          <a:blip r:embed="rId2"/>
+          <a:stretch>
+            <a:fillRect/>
+          </a:stretch>
+        </p:blipFill>
+        <p:spPr>
+          <a:xfrm>
+            <a:off x="1604839" y="1888133"/>
+            <a:ext cx="5276088" cy="4162044"/>
+          </a:xfrm>
+          <a:prstGeom prst="rect">
+            <a:avLst/>
+          </a:prstGeom>
+        </p:spPr>
+      </p:pic>
+      <p:pic>
+        <p:nvPicPr>
+          <p:cNvPr id="13" name="图片 12">
+            <a:extLst>
+              <a:ext uri="{FF2B5EF4-FFF2-40B4-BE49-F238E27FC236}">
+                <a16:creationId xmlns:a16="http://schemas.microsoft.com/office/drawing/2014/main" id="{8039426F-6855-4D80-91F4-44A2DBB1F7FF}"/>
+              </a:ext>
+            </a:extLst>
+          </p:cNvPr>
+          <p:cNvPicPr>
+            <a:picLocks noChangeAspect="1"/>
+          </p:cNvPicPr>
+          <p:nvPr/>
+        </p:nvPicPr>
+        <p:blipFill>
+          <a:blip r:embed="rId3"/>
+          <a:stretch>
+            <a:fillRect/>
+          </a:stretch>
+        </p:blipFill>
+        <p:spPr>
+          <a:xfrm>
+            <a:off x="7005439" y="3869333"/>
+            <a:ext cx="5276088" cy="2180844"/>
+          </a:xfrm>
+          <a:prstGeom prst="rect">
+            <a:avLst/>
+          </a:prstGeom>
+        </p:spPr>
+      </p:pic>
+      <p:pic>
+        <p:nvPicPr>
+          <p:cNvPr id="16" name="图片 15">
+            <a:extLst>
+              <a:ext uri="{FF2B5EF4-FFF2-40B4-BE49-F238E27FC236}">
+                <a16:creationId xmlns:a16="http://schemas.microsoft.com/office/drawing/2014/main" id="{BA998210-0190-46F2-B58C-4CF22D0BEFF3}"/>
+              </a:ext>
+            </a:extLst>
+          </p:cNvPr>
+          <p:cNvPicPr>
+            <a:picLocks noChangeAspect="1"/>
+          </p:cNvPicPr>
+          <p:nvPr/>
+        </p:nvPicPr>
+        <p:blipFill>
+          <a:blip r:embed="rId4"/>
+          <a:stretch>
+            <a:fillRect/>
+          </a:stretch>
+        </p:blipFill>
+        <p:spPr>
+          <a:xfrm>
+            <a:off x="7009065" y="2084729"/>
+            <a:ext cx="5276088" cy="1784604"/>
+          </a:xfrm>
+          <a:prstGeom prst="rect">
+            <a:avLst/>
+          </a:prstGeom>
+        </p:spPr>
+      </p:pic>
+    </p:spTree>
+    <p:extLst>
+      <p:ext uri="{BB962C8B-B14F-4D97-AF65-F5344CB8AC3E}">
+        <p14:creationId xmlns:p14="http://schemas.microsoft.com/office/powerpoint/2010/main" val="3276615793"/>
+      </p:ext>
+    </p:extLst>
+  </p:cSld>
+  <p:clrMapOvr>
+    <a:masterClrMapping/>
+  </p:clrMapOvr>
+</p:sld>
+</file>
+
+<file path=ppt/slides/slide9.xml><?xml version="1.0" encoding="utf-8"?>
 <p:sld xmlns:a="http://schemas.openxmlformats.org/drawingml/2006/main" xmlns:r="http://schemas.openxmlformats.org/officeDocument/2006/relationships" xmlns:p="http://schemas.openxmlformats.org/presentationml/2006/main">
   <p:cSld>
     <p:spTree>
@@ -23031,497 +22073,6 @@
     <p:extLst>
       <p:ext uri="{BB962C8B-B14F-4D97-AF65-F5344CB8AC3E}">
         <p14:creationId xmlns:p14="http://schemas.microsoft.com/office/powerpoint/2010/main" val="1046416874"/>
-      </p:ext>
-    </p:extLst>
-  </p:cSld>
-  <p:clrMapOvr>
-    <a:masterClrMapping/>
-  </p:clrMapOvr>
-</p:sld>
-</file>
-
-<file path=ppt/slides/slide9.xml><?xml version="1.0" encoding="utf-8"?>
-<p:sld xmlns:a="http://schemas.openxmlformats.org/drawingml/2006/main" xmlns:r="http://schemas.openxmlformats.org/officeDocument/2006/relationships" xmlns:p="http://schemas.openxmlformats.org/presentationml/2006/main">
-  <p:cSld>
-    <p:spTree>
-      <p:nvGrpSpPr>
-        <p:cNvPr id="1" name=""/>
-        <p:cNvGrpSpPr/>
-        <p:nvPr/>
-      </p:nvGrpSpPr>
-      <p:grpSpPr>
-        <a:xfrm>
-          <a:off x="0" y="0"/>
-          <a:ext cx="0" cy="0"/>
-          <a:chOff x="0" y="0"/>
-          <a:chExt cx="0" cy="0"/>
-        </a:xfrm>
-      </p:grpSpPr>
-      <p:sp>
-        <p:nvSpPr>
-          <p:cNvPr id="3" name="椭圆 2">
-            <a:extLst>
-              <a:ext uri="{FF2B5EF4-FFF2-40B4-BE49-F238E27FC236}">
-                <a16:creationId xmlns:a16="http://schemas.microsoft.com/office/drawing/2014/main" id="{EBBF36DC-77E8-4DEA-AEB2-8620B9DF24B7}"/>
-              </a:ext>
-            </a:extLst>
-          </p:cNvPr>
-          <p:cNvSpPr/>
-          <p:nvPr/>
-        </p:nvSpPr>
-        <p:spPr>
-          <a:xfrm>
-            <a:off x="532958" y="327049"/>
-            <a:ext cx="367982" cy="367982"/>
-          </a:xfrm>
-          <a:prstGeom prst="ellipse">
-            <a:avLst/>
-          </a:prstGeom>
-          <a:ln>
-            <a:noFill/>
-          </a:ln>
-          <a:effectLst>
-            <a:outerShdw blurRad="127000" dist="76200" dir="2700000" algn="tl" rotWithShape="0">
-              <a:prstClr val="black">
-                <a:alpha val="40000"/>
-              </a:prstClr>
-            </a:outerShdw>
-          </a:effectLst>
-        </p:spPr>
-        <p:style>
-          <a:lnRef idx="2">
-            <a:schemeClr val="accent1">
-              <a:shade val="50000"/>
-            </a:schemeClr>
-          </a:lnRef>
-          <a:fillRef idx="1">
-            <a:schemeClr val="accent1"/>
-          </a:fillRef>
-          <a:effectRef idx="0">
-            <a:schemeClr val="accent1"/>
-          </a:effectRef>
-          <a:fontRef idx="minor">
-            <a:schemeClr val="lt1"/>
-          </a:fontRef>
-        </p:style>
-        <p:txBody>
-          <a:bodyPr rtlCol="0" anchor="ctr"/>
-          <a:lstStyle/>
-          <a:p>
-            <a:pPr algn="ctr"/>
-            <a:endParaRPr lang="zh-CN" altLang="en-US">
-              <a:solidFill>
-                <a:schemeClr val="accent2">
-                  <a:lumMod val="75000"/>
-                </a:schemeClr>
-              </a:solidFill>
-              <a:latin typeface="Arial" panose="020B0604020202020204" pitchFamily="34" charset="0"/>
-              <a:ea typeface="微软雅黑" panose="020B0503020204020204" pitchFamily="34" charset="-122"/>
-              <a:sym typeface="Arial" panose="020B0604020202020204" pitchFamily="34" charset="0"/>
-            </a:endParaRPr>
-          </a:p>
-        </p:txBody>
-      </p:sp>
-      <p:sp>
-        <p:nvSpPr>
-          <p:cNvPr id="5" name="椭圆 4">
-            <a:extLst>
-              <a:ext uri="{FF2B5EF4-FFF2-40B4-BE49-F238E27FC236}">
-                <a16:creationId xmlns:a16="http://schemas.microsoft.com/office/drawing/2014/main" id="{F3559A36-02B3-431C-94D7-9D95B74F1B78}"/>
-              </a:ext>
-            </a:extLst>
-          </p:cNvPr>
-          <p:cNvSpPr/>
-          <p:nvPr/>
-        </p:nvSpPr>
-        <p:spPr>
-          <a:xfrm>
-            <a:off x="800016" y="327049"/>
-            <a:ext cx="201847" cy="201847"/>
-          </a:xfrm>
-          <a:prstGeom prst="ellipse">
-            <a:avLst/>
-          </a:prstGeom>
-          <a:solidFill>
-            <a:schemeClr val="bg1">
-              <a:lumMod val="95000"/>
-            </a:schemeClr>
-          </a:solidFill>
-          <a:ln>
-            <a:noFill/>
-          </a:ln>
-          <a:effectLst>
-            <a:outerShdw blurRad="127000" dist="76200" dir="2700000" algn="tl" rotWithShape="0">
-              <a:prstClr val="black">
-                <a:alpha val="40000"/>
-              </a:prstClr>
-            </a:outerShdw>
-          </a:effectLst>
-        </p:spPr>
-        <p:style>
-          <a:lnRef idx="2">
-            <a:schemeClr val="accent1">
-              <a:shade val="50000"/>
-            </a:schemeClr>
-          </a:lnRef>
-          <a:fillRef idx="1">
-            <a:schemeClr val="accent1"/>
-          </a:fillRef>
-          <a:effectRef idx="0">
-            <a:schemeClr val="accent1"/>
-          </a:effectRef>
-          <a:fontRef idx="minor">
-            <a:schemeClr val="lt1"/>
-          </a:fontRef>
-        </p:style>
-        <p:txBody>
-          <a:bodyPr rtlCol="0" anchor="ctr"/>
-          <a:lstStyle/>
-          <a:p>
-            <a:pPr algn="ctr"/>
-            <a:endParaRPr lang="zh-CN" altLang="en-US">
-              <a:solidFill>
-                <a:schemeClr val="accent2">
-                  <a:lumMod val="75000"/>
-                </a:schemeClr>
-              </a:solidFill>
-              <a:latin typeface="Arial" panose="020B0604020202020204" pitchFamily="34" charset="0"/>
-              <a:ea typeface="微软雅黑" panose="020B0503020204020204" pitchFamily="34" charset="-122"/>
-              <a:sym typeface="Arial" panose="020B0604020202020204" pitchFamily="34" charset="0"/>
-            </a:endParaRPr>
-          </a:p>
-        </p:txBody>
-      </p:sp>
-      <p:sp>
-        <p:nvSpPr>
-          <p:cNvPr id="7" name="Content Placeholder 2">
-            <a:extLst>
-              <a:ext uri="{FF2B5EF4-FFF2-40B4-BE49-F238E27FC236}">
-                <a16:creationId xmlns:a16="http://schemas.microsoft.com/office/drawing/2014/main" id="{CD95E236-9D21-43E9-B8CC-9428D6C33ECE}"/>
-              </a:ext>
-            </a:extLst>
-          </p:cNvPr>
-          <p:cNvSpPr txBox="1">
-            <a:spLocks/>
-          </p:cNvSpPr>
-          <p:nvPr/>
-        </p:nvSpPr>
-        <p:spPr>
-          <a:xfrm>
-            <a:off x="1095236" y="242438"/>
-            <a:ext cx="3067050" cy="367982"/>
-          </a:xfrm>
-          <a:prstGeom prst="rect">
-            <a:avLst/>
-          </a:prstGeom>
-        </p:spPr>
-        <p:txBody>
-          <a:bodyPr vert="horz" lIns="96435" tIns="48218" rIns="96435" bIns="48218" rtlCol="0" anchor="t">
-            <a:noAutofit/>
-          </a:bodyPr>
-          <a:lstStyle>
-            <a:lvl1pPr marL="0" indent="0" algn="r" defTabSz="457200" rtl="0" eaLnBrk="1" latinLnBrk="0" hangingPunct="1">
-              <a:spcBef>
-                <a:spcPct val="20000"/>
-              </a:spcBef>
-              <a:spcAft>
-                <a:spcPts val="600"/>
-              </a:spcAft>
-              <a:buClr>
-                <a:schemeClr val="accent1">
-                  <a:lumMod val="75000"/>
-                </a:schemeClr>
-              </a:buClr>
-              <a:buSzPct val="145000"/>
-              <a:buFont typeface="Arial"/>
-              <a:buNone/>
-              <a:defRPr sz="2100" kern="1200" cap="none">
-                <a:solidFill>
-                  <a:schemeClr val="tx1"/>
-                </a:solidFill>
-                <a:effectLst/>
-                <a:latin typeface="+mn-lt"/>
-                <a:ea typeface="+mn-ea"/>
-                <a:cs typeface="+mn-cs"/>
-              </a:defRPr>
-            </a:lvl1pPr>
-            <a:lvl2pPr marL="457200" indent="0" algn="ctr" defTabSz="457200" rtl="0" eaLnBrk="1" latinLnBrk="0" hangingPunct="1">
-              <a:spcBef>
-                <a:spcPct val="20000"/>
-              </a:spcBef>
-              <a:spcAft>
-                <a:spcPts val="600"/>
-              </a:spcAft>
-              <a:buClr>
-                <a:schemeClr val="accent1">
-                  <a:lumMod val="75000"/>
-                </a:schemeClr>
-              </a:buClr>
-              <a:buSzPct val="145000"/>
-              <a:buFont typeface="Arial"/>
-              <a:buNone/>
-              <a:defRPr sz="2000" kern="1200" cap="none">
-                <a:solidFill>
-                  <a:schemeClr val="tx1">
-                    <a:tint val="75000"/>
-                  </a:schemeClr>
-                </a:solidFill>
-                <a:effectLst/>
-                <a:latin typeface="+mn-lt"/>
-                <a:ea typeface="+mn-ea"/>
-                <a:cs typeface="+mn-cs"/>
-              </a:defRPr>
-            </a:lvl2pPr>
-            <a:lvl3pPr marL="914400" indent="0" algn="ctr" defTabSz="457200" rtl="0" eaLnBrk="1" latinLnBrk="0" hangingPunct="1">
-              <a:spcBef>
-                <a:spcPct val="20000"/>
-              </a:spcBef>
-              <a:spcAft>
-                <a:spcPts val="600"/>
-              </a:spcAft>
-              <a:buClr>
-                <a:schemeClr val="accent1">
-                  <a:lumMod val="75000"/>
-                </a:schemeClr>
-              </a:buClr>
-              <a:buSzPct val="145000"/>
-              <a:buFont typeface="Arial"/>
-              <a:buNone/>
-              <a:defRPr sz="1800" kern="1200" cap="none">
-                <a:solidFill>
-                  <a:schemeClr val="tx1">
-                    <a:tint val="75000"/>
-                  </a:schemeClr>
-                </a:solidFill>
-                <a:effectLst/>
-                <a:latin typeface="+mn-lt"/>
-                <a:ea typeface="+mn-ea"/>
-                <a:cs typeface="+mn-cs"/>
-              </a:defRPr>
-            </a:lvl3pPr>
-            <a:lvl4pPr marL="1371600" indent="0" algn="ctr" defTabSz="457200" rtl="0" eaLnBrk="1" latinLnBrk="0" hangingPunct="1">
-              <a:spcBef>
-                <a:spcPct val="20000"/>
-              </a:spcBef>
-              <a:spcAft>
-                <a:spcPts val="600"/>
-              </a:spcAft>
-              <a:buClr>
-                <a:schemeClr val="accent1">
-                  <a:lumMod val="75000"/>
-                </a:schemeClr>
-              </a:buClr>
-              <a:buSzPct val="145000"/>
-              <a:buFont typeface="Arial"/>
-              <a:buNone/>
-              <a:defRPr sz="1600" kern="1200" cap="none">
-                <a:solidFill>
-                  <a:schemeClr val="tx1">
-                    <a:tint val="75000"/>
-                  </a:schemeClr>
-                </a:solidFill>
-                <a:effectLst/>
-                <a:latin typeface="+mn-lt"/>
-                <a:ea typeface="+mn-ea"/>
-                <a:cs typeface="+mn-cs"/>
-              </a:defRPr>
-            </a:lvl4pPr>
-            <a:lvl5pPr marL="1828800" indent="0" algn="ctr" defTabSz="457200" rtl="0" eaLnBrk="1" latinLnBrk="0" hangingPunct="1">
-              <a:spcBef>
-                <a:spcPct val="20000"/>
-              </a:spcBef>
-              <a:spcAft>
-                <a:spcPts val="600"/>
-              </a:spcAft>
-              <a:buClr>
-                <a:schemeClr val="accent1">
-                  <a:lumMod val="75000"/>
-                </a:schemeClr>
-              </a:buClr>
-              <a:buSzPct val="145000"/>
-              <a:buFont typeface="Arial"/>
-              <a:buNone/>
-              <a:defRPr sz="1400" kern="1200" cap="none">
-                <a:solidFill>
-                  <a:schemeClr val="tx1">
-                    <a:tint val="75000"/>
-                  </a:schemeClr>
-                </a:solidFill>
-                <a:effectLst/>
-                <a:latin typeface="+mn-lt"/>
-                <a:ea typeface="+mn-ea"/>
-                <a:cs typeface="+mn-cs"/>
-              </a:defRPr>
-            </a:lvl5pPr>
-            <a:lvl6pPr marL="2286000" indent="0" algn="ctr" defTabSz="457200" rtl="0" eaLnBrk="1" latinLnBrk="0" hangingPunct="1">
-              <a:spcBef>
-                <a:spcPct val="20000"/>
-              </a:spcBef>
-              <a:spcAft>
-                <a:spcPts val="600"/>
-              </a:spcAft>
-              <a:buClr>
-                <a:schemeClr val="accent1">
-                  <a:lumMod val="75000"/>
-                </a:schemeClr>
-              </a:buClr>
-              <a:buSzPct val="145000"/>
-              <a:buFont typeface="Arial"/>
-              <a:buNone/>
-              <a:defRPr sz="1400" kern="1200" cap="none">
-                <a:solidFill>
-                  <a:schemeClr val="tx1">
-                    <a:tint val="75000"/>
-                  </a:schemeClr>
-                </a:solidFill>
-                <a:effectLst/>
-                <a:latin typeface="+mn-lt"/>
-                <a:ea typeface="+mn-ea"/>
-                <a:cs typeface="+mn-cs"/>
-              </a:defRPr>
-            </a:lvl6pPr>
-            <a:lvl7pPr marL="2743200" indent="0" algn="ctr" defTabSz="457200" rtl="0" eaLnBrk="1" latinLnBrk="0" hangingPunct="1">
-              <a:spcBef>
-                <a:spcPct val="20000"/>
-              </a:spcBef>
-              <a:spcAft>
-                <a:spcPts val="600"/>
-              </a:spcAft>
-              <a:buClr>
-                <a:schemeClr val="accent1">
-                  <a:lumMod val="75000"/>
-                </a:schemeClr>
-              </a:buClr>
-              <a:buSzPct val="145000"/>
-              <a:buFont typeface="Arial"/>
-              <a:buNone/>
-              <a:defRPr sz="1400" kern="1200" cap="none">
-                <a:solidFill>
-                  <a:schemeClr val="tx1">
-                    <a:tint val="75000"/>
-                  </a:schemeClr>
-                </a:solidFill>
-                <a:effectLst/>
-                <a:latin typeface="+mn-lt"/>
-                <a:ea typeface="+mn-ea"/>
-                <a:cs typeface="+mn-cs"/>
-              </a:defRPr>
-            </a:lvl7pPr>
-            <a:lvl8pPr marL="3200400" indent="0" algn="ctr" defTabSz="457200" rtl="0" eaLnBrk="1" latinLnBrk="0" hangingPunct="1">
-              <a:spcBef>
-                <a:spcPct val="20000"/>
-              </a:spcBef>
-              <a:spcAft>
-                <a:spcPts val="600"/>
-              </a:spcAft>
-              <a:buClr>
-                <a:schemeClr val="accent1">
-                  <a:lumMod val="75000"/>
-                </a:schemeClr>
-              </a:buClr>
-              <a:buSzPct val="145000"/>
-              <a:buFont typeface="Arial"/>
-              <a:buNone/>
-              <a:defRPr sz="1400" kern="1200" cap="none">
-                <a:solidFill>
-                  <a:schemeClr val="tx1">
-                    <a:tint val="75000"/>
-                  </a:schemeClr>
-                </a:solidFill>
-                <a:effectLst/>
-                <a:latin typeface="+mn-lt"/>
-                <a:ea typeface="+mn-ea"/>
-                <a:cs typeface="+mn-cs"/>
-              </a:defRPr>
-            </a:lvl8pPr>
-            <a:lvl9pPr marL="3657600" indent="0" algn="ctr" defTabSz="457200" rtl="0" eaLnBrk="1" latinLnBrk="0" hangingPunct="1">
-              <a:spcBef>
-                <a:spcPct val="20000"/>
-              </a:spcBef>
-              <a:spcAft>
-                <a:spcPts val="600"/>
-              </a:spcAft>
-              <a:buClr>
-                <a:schemeClr val="accent1">
-                  <a:lumMod val="75000"/>
-                </a:schemeClr>
-              </a:buClr>
-              <a:buSzPct val="145000"/>
-              <a:buFont typeface="Arial"/>
-              <a:buNone/>
-              <a:defRPr sz="1400" kern="1200" cap="none">
-                <a:solidFill>
-                  <a:schemeClr val="tx1">
-                    <a:tint val="75000"/>
-                  </a:schemeClr>
-                </a:solidFill>
-                <a:effectLst/>
-                <a:latin typeface="+mn-lt"/>
-                <a:ea typeface="+mn-ea"/>
-                <a:cs typeface="+mn-cs"/>
-              </a:defRPr>
-            </a:lvl9pPr>
-          </a:lstStyle>
-          <a:p>
-            <a:pPr algn="l"/>
-            <a:r>
-              <a:rPr lang="en-US" altLang="zh-CN" sz="3200" dirty="0">
-                <a:latin typeface="+mn-ea"/>
-                <a:cs typeface="+mn-ea"/>
-                <a:sym typeface="Arial" panose="020B0604020202020204" pitchFamily="34" charset="0"/>
-              </a:rPr>
-              <a:t>ER</a:t>
-            </a:r>
-            <a:r>
-              <a:rPr lang="zh-CN" altLang="en-US" sz="3200" dirty="0">
-                <a:latin typeface="+mn-ea"/>
-                <a:cs typeface="+mn-ea"/>
-                <a:sym typeface="Arial" panose="020B0604020202020204" pitchFamily="34" charset="0"/>
-              </a:rPr>
-              <a:t>图</a:t>
-            </a:r>
-            <a:endParaRPr lang="en-US" sz="3200" dirty="0">
-              <a:latin typeface="+mn-ea"/>
-              <a:cs typeface="+mn-ea"/>
-              <a:sym typeface="Arial" panose="020B0604020202020204" pitchFamily="34" charset="0"/>
-            </a:endParaRPr>
-          </a:p>
-        </p:txBody>
-      </p:sp>
-      <p:pic>
-        <p:nvPicPr>
-          <p:cNvPr id="8" name="图片 7">
-            <a:extLst>
-              <a:ext uri="{FF2B5EF4-FFF2-40B4-BE49-F238E27FC236}">
-                <a16:creationId xmlns:a16="http://schemas.microsoft.com/office/drawing/2014/main" id="{85D74427-71E8-4E50-BCED-864D2C9645E4}"/>
-              </a:ext>
-            </a:extLst>
-          </p:cNvPr>
-          <p:cNvPicPr>
-            <a:picLocks noChangeAspect="1"/>
-          </p:cNvPicPr>
-          <p:nvPr/>
-        </p:nvPicPr>
-        <p:blipFill>
-          <a:blip r:embed="rId2"/>
-          <a:stretch>
-            <a:fillRect/>
-          </a:stretch>
-        </p:blipFill>
-        <p:spPr>
-          <a:xfrm>
-            <a:off x="2618188" y="351088"/>
-            <a:ext cx="7314681" cy="6494707"/>
-          </a:xfrm>
-          <a:prstGeom prst="rect">
-            <a:avLst/>
-          </a:prstGeom>
-        </p:spPr>
-      </p:pic>
-    </p:spTree>
-    <p:extLst>
-      <p:ext uri="{BB962C8B-B14F-4D97-AF65-F5344CB8AC3E}">
-        <p14:creationId xmlns:p14="http://schemas.microsoft.com/office/powerpoint/2010/main" val="136936819"/>
       </p:ext>
     </p:extLst>
   </p:cSld>

--- a/需求分析/SE2020-G14-软件需求说明(SRS)0.2/SE2020-G14-软件需求规格说明(SRS)0.2.pptx
+++ b/需求分析/SE2020-G14-软件需求说明(SRS)0.2/SE2020-G14-软件需求规格说明(SRS)0.2.pptx
@@ -17074,7 +17074,7 @@
           <p:nvPr>
             <p:extLst>
               <p:ext uri="{D42A27DB-BD31-4B8C-83A1-F6EECF244321}">
-                <p14:modId xmlns:p14="http://schemas.microsoft.com/office/powerpoint/2010/main" val="2234346879"/>
+                <p14:modId xmlns:p14="http://schemas.microsoft.com/office/powerpoint/2010/main" val="620915628"/>
               </p:ext>
             </p:extLst>
           </p:nvPr>
@@ -17297,7 +17297,7 @@
                         <a:rPr lang="en-US" sz="1400" kern="100" dirty="0">
                           <a:effectLst/>
                         </a:rPr>
-                        <a:t>0.1.1</a:t>
+                        <a:t>0.2</a:t>
                       </a:r>
                       <a:endParaRPr lang="zh-CN" sz="1100" kern="100" dirty="0">
                         <a:effectLst/>
@@ -17419,7 +17419,7 @@
                         <a:rPr lang="en-US" sz="1400" kern="100" dirty="0">
                           <a:effectLst/>
                         </a:rPr>
-                        <a:t>2020-11-16</a:t>
+                        <a:t>2020-11-17</a:t>
                       </a:r>
                       <a:endParaRPr lang="zh-CN" sz="1100" kern="100" dirty="0">
                         <a:effectLst/>
@@ -17914,7 +17914,7 @@
         </p:nvSpPr>
         <p:spPr>
           <a:xfrm>
-            <a:off x="4778697" y="2078844"/>
+            <a:off x="4778697" y="1878291"/>
             <a:ext cx="6297975" cy="635112"/>
           </a:xfrm>
           <a:prstGeom prst="roundRect">
@@ -18245,7 +18245,7 @@
         </p:nvSpPr>
         <p:spPr>
           <a:xfrm>
-            <a:off x="4707858" y="3195917"/>
+            <a:off x="4778697" y="2814848"/>
             <a:ext cx="6297975" cy="635112"/>
           </a:xfrm>
           <a:prstGeom prst="roundRect">
@@ -18308,7 +18308,7 @@
         </p:nvSpPr>
         <p:spPr>
           <a:xfrm>
-            <a:off x="4720256" y="4350978"/>
+            <a:off x="4790214" y="3751405"/>
             <a:ext cx="6297975" cy="635112"/>
           </a:xfrm>
           <a:prstGeom prst="roundRect">
@@ -18371,7 +18371,7 @@
         </p:nvSpPr>
         <p:spPr>
           <a:xfrm>
-            <a:off x="4720256" y="5468051"/>
+            <a:off x="4790214" y="4687962"/>
             <a:ext cx="6297975" cy="635112"/>
           </a:xfrm>
           <a:prstGeom prst="roundRect">
@@ -18434,7 +18434,7 @@
         </p:nvSpPr>
         <p:spPr>
           <a:xfrm>
-            <a:off x="5428727" y="2235537"/>
+            <a:off x="5428727" y="2034984"/>
             <a:ext cx="4880472" cy="270010"/>
           </a:xfrm>
           <a:prstGeom prst="rect">
@@ -18481,29 +18481,7 @@
                 <a:cs typeface="+mn-ea"/>
                 <a:sym typeface="Arial" panose="020B0604020202020204" pitchFamily="34" charset="0"/>
               </a:rPr>
-              <a:t>手动</a:t>
-            </a:r>
-            <a:r>
-              <a:rPr lang="en-US" altLang="zh-CN" sz="1600" dirty="0">
-                <a:solidFill>
-                  <a:schemeClr val="bg1"/>
-                </a:solidFill>
-                <a:latin typeface="Arial" panose="020B0604020202020204" pitchFamily="34" charset="0"/>
-                <a:cs typeface="+mn-ea"/>
-                <a:sym typeface="Arial" panose="020B0604020202020204" pitchFamily="34" charset="0"/>
-              </a:rPr>
-              <a:t>+</a:t>
-            </a:r>
-            <a:r>
-              <a:rPr lang="zh-CN" altLang="en-US" sz="1600" dirty="0">
-                <a:solidFill>
-                  <a:schemeClr val="bg1"/>
-                </a:solidFill>
-                <a:latin typeface="Arial" panose="020B0604020202020204" pitchFamily="34" charset="0"/>
-                <a:cs typeface="+mn-ea"/>
-                <a:sym typeface="Arial" panose="020B0604020202020204" pitchFamily="34" charset="0"/>
-              </a:rPr>
-              <a:t>自动记录账单，节约懒人时间</a:t>
+              <a:t>需方：杨枨老师</a:t>
             </a:r>
             <a:endParaRPr lang="en-US" altLang="zh-CN" sz="1600" dirty="0">
               <a:solidFill>
@@ -18524,8 +18502,8 @@
         </p:nvSpPr>
         <p:spPr>
           <a:xfrm>
-            <a:off x="5357888" y="3378243"/>
-            <a:ext cx="4880472" cy="565924"/>
+            <a:off x="5428727" y="2997174"/>
+            <a:ext cx="4880472" cy="270459"/>
           </a:xfrm>
           <a:prstGeom prst="rect">
             <a:avLst/>
@@ -18570,22 +18548,28 @@
                 <a:cs typeface="+mn-ea"/>
                 <a:sym typeface="Arial" panose="020B0604020202020204" pitchFamily="34" charset="0"/>
               </a:rPr>
-              <a:t>详细账单展示，年月周收支尽在掌握</a:t>
+              <a:t>投资方：</a:t>
             </a:r>
-            <a:endParaRPr lang="en-US" altLang="zh-CN" sz="1600" dirty="0">
-              <a:solidFill>
-                <a:schemeClr val="tx1"/>
-              </a:solidFill>
-              <a:cs typeface="+mn-ea"/>
-              <a:sym typeface="Arial" panose="020B0604020202020204" pitchFamily="34" charset="0"/>
-            </a:endParaRPr>
-          </a:p>
-          <a:p>
-            <a:pPr>
-              <a:lnSpc>
-                <a:spcPct val="120000"/>
-              </a:lnSpc>
-            </a:pPr>
+            <a:r>
+              <a:rPr lang="en-US" altLang="zh-CN" sz="1600" dirty="0">
+                <a:solidFill>
+                  <a:schemeClr val="tx1"/>
+                </a:solidFill>
+                <a:cs typeface="+mn-ea"/>
+                <a:sym typeface="Arial" panose="020B0604020202020204" pitchFamily="34" charset="0"/>
+              </a:rPr>
+              <a:t>G14</a:t>
+            </a:r>
+            <a:r>
+              <a:rPr lang="zh-CN" altLang="en-US" sz="1600" dirty="0">
+                <a:solidFill>
+                  <a:schemeClr val="tx1"/>
+                </a:solidFill>
+                <a:cs typeface="+mn-ea"/>
+                <a:sym typeface="Arial" panose="020B0604020202020204" pitchFamily="34" charset="0"/>
+              </a:rPr>
+              <a:t>小组</a:t>
+            </a:r>
             <a:endParaRPr lang="en-US" altLang="zh-CN" sz="1600" dirty="0">
               <a:solidFill>
                 <a:schemeClr val="tx1"/>
@@ -18604,7 +18588,7 @@
         </p:nvSpPr>
         <p:spPr>
           <a:xfrm>
-            <a:off x="5274990" y="5650602"/>
+            <a:off x="5344948" y="4870513"/>
             <a:ext cx="4880472" cy="270010"/>
           </a:xfrm>
           <a:prstGeom prst="rect">
@@ -18651,7 +18635,29 @@
                 <a:cs typeface="+mn-ea"/>
                 <a:sym typeface="Arial" panose="020B0604020202020204" pitchFamily="34" charset="0"/>
               </a:rPr>
-              <a:t>时间识别、类别识别、导出表格等拓展功能正在路上</a:t>
+              <a:t>开发方：</a:t>
+            </a:r>
+            <a:r>
+              <a:rPr lang="en-US" altLang="zh-CN" sz="1600" dirty="0">
+                <a:solidFill>
+                  <a:schemeClr val="tx1"/>
+                </a:solidFill>
+                <a:latin typeface="Arial" panose="020B0604020202020204" pitchFamily="34" charset="0"/>
+                <a:cs typeface="+mn-ea"/>
+                <a:sym typeface="Arial" panose="020B0604020202020204" pitchFamily="34" charset="0"/>
+              </a:rPr>
+              <a:t>G14</a:t>
+            </a:r>
+            <a:r>
+              <a:rPr lang="zh-CN" altLang="en-US" sz="1600" dirty="0">
+                <a:solidFill>
+                  <a:schemeClr val="tx1"/>
+                </a:solidFill>
+                <a:latin typeface="Arial" panose="020B0604020202020204" pitchFamily="34" charset="0"/>
+                <a:cs typeface="+mn-ea"/>
+                <a:sym typeface="Arial" panose="020B0604020202020204" pitchFamily="34" charset="0"/>
+              </a:rPr>
+              <a:t>小组</a:t>
             </a:r>
             <a:endParaRPr lang="en-US" altLang="zh-CN" sz="1600" dirty="0">
               <a:solidFill>
@@ -19083,7 +19089,7 @@
         </p:nvSpPr>
         <p:spPr>
           <a:xfrm>
-            <a:off x="5277247" y="4526292"/>
+            <a:off x="5347205" y="3926719"/>
             <a:ext cx="4880472" cy="270010"/>
           </a:xfrm>
           <a:prstGeom prst="rect">
@@ -19129,7 +19135,149 @@
                 <a:cs typeface="+mn-ea"/>
                 <a:sym typeface="Arial" panose="020B0604020202020204" pitchFamily="34" charset="0"/>
               </a:rPr>
-              <a:t>清洁界面，追求少广告、功能完整的用户体验</a:t>
+              <a:t>用户：杨枨老师、邢海粟、廖安琪、赵宇阳</a:t>
+            </a:r>
+            <a:endParaRPr lang="en-US" altLang="zh-CN" sz="1600" dirty="0">
+              <a:solidFill>
+                <a:schemeClr val="bg1"/>
+              </a:solidFill>
+              <a:latin typeface="Arial" panose="020B0604020202020204" pitchFamily="34" charset="0"/>
+              <a:cs typeface="+mn-ea"/>
+              <a:sym typeface="Arial" panose="020B0604020202020204" pitchFamily="34" charset="0"/>
+            </a:endParaRPr>
+          </a:p>
+        </p:txBody>
+      </p:sp>
+      <p:sp>
+        <p:nvSpPr>
+          <p:cNvPr id="11" name="圆角矩形 6">
+            <a:extLst>
+              <a:ext uri="{FF2B5EF4-FFF2-40B4-BE49-F238E27FC236}">
+                <a16:creationId xmlns:a16="http://schemas.microsoft.com/office/drawing/2014/main" id="{7D5D8771-83F1-47F0-9ACB-519AC476E4D1}"/>
+              </a:ext>
+            </a:extLst>
+          </p:cNvPr>
+          <p:cNvSpPr/>
+          <p:nvPr/>
+        </p:nvSpPr>
+        <p:spPr>
+          <a:xfrm>
+            <a:off x="4778697" y="5624519"/>
+            <a:ext cx="6297975" cy="635112"/>
+          </a:xfrm>
+          <a:prstGeom prst="roundRect">
+            <a:avLst>
+              <a:gd name="adj" fmla="val 25274"/>
+            </a:avLst>
+          </a:prstGeom>
+          <a:solidFill>
+            <a:schemeClr val="accent3"/>
+          </a:solidFill>
+          <a:ln>
+            <a:noFill/>
+          </a:ln>
+        </p:spPr>
+        <p:style>
+          <a:lnRef idx="2">
+            <a:schemeClr val="accent1">
+              <a:shade val="50000"/>
+            </a:schemeClr>
+          </a:lnRef>
+          <a:fillRef idx="1">
+            <a:schemeClr val="accent1"/>
+          </a:fillRef>
+          <a:effectRef idx="0">
+            <a:schemeClr val="accent1"/>
+          </a:effectRef>
+          <a:fontRef idx="minor">
+            <a:schemeClr val="lt1"/>
+          </a:fontRef>
+        </p:style>
+        <p:txBody>
+          <a:bodyPr rtlCol="0" anchor="ctr"/>
+          <a:lstStyle/>
+          <a:p>
+            <a:pPr algn="ctr">
+              <a:lnSpc>
+                <a:spcPct val="120000"/>
+              </a:lnSpc>
+            </a:pPr>
+            <a:endParaRPr lang="zh-CN" altLang="en-US">
+              <a:solidFill>
+                <a:schemeClr val="tx1">
+                  <a:lumMod val="75000"/>
+                  <a:lumOff val="25000"/>
+                </a:schemeClr>
+              </a:solidFill>
+              <a:latin typeface="Arial" panose="020B0604020202020204" pitchFamily="34" charset="0"/>
+              <a:ea typeface="微软雅黑" panose="020B0503020204020204" pitchFamily="34" charset="-122"/>
+              <a:cs typeface="+mn-ea"/>
+              <a:sym typeface="Arial" panose="020B0604020202020204" pitchFamily="34" charset="0"/>
+            </a:endParaRPr>
+          </a:p>
+        </p:txBody>
+      </p:sp>
+      <p:sp>
+        <p:nvSpPr>
+          <p:cNvPr id="13" name="TextBox 8">
+            <a:extLst>
+              <a:ext uri="{FF2B5EF4-FFF2-40B4-BE49-F238E27FC236}">
+                <a16:creationId xmlns:a16="http://schemas.microsoft.com/office/drawing/2014/main" id="{6C17D414-ED2E-4690-9B7A-98ADCEC6DB26}"/>
+              </a:ext>
+            </a:extLst>
+          </p:cNvPr>
+          <p:cNvSpPr txBox="1"/>
+          <p:nvPr/>
+        </p:nvSpPr>
+        <p:spPr>
+          <a:xfrm>
+            <a:off x="5344948" y="5807070"/>
+            <a:ext cx="4880472" cy="270010"/>
+          </a:xfrm>
+          <a:prstGeom prst="rect">
+            <a:avLst/>
+          </a:prstGeom>
+          <a:noFill/>
+        </p:spPr>
+        <p:txBody>
+          <a:bodyPr wrap="square" lIns="0" tIns="0" rIns="0" bIns="0" rtlCol="0">
+            <a:spAutoFit/>
+          </a:bodyPr>
+          <a:lstStyle>
+            <a:defPPr>
+              <a:defRPr lang="zh-CN"/>
+            </a:defPPr>
+            <a:lvl1pPr algn="just">
+              <a:lnSpc>
+                <a:spcPts val="1300"/>
+              </a:lnSpc>
+              <a:defRPr sz="1000">
+                <a:solidFill>
+                  <a:schemeClr val="tx1">
+                    <a:lumMod val="65000"/>
+                    <a:lumOff val="35000"/>
+                  </a:schemeClr>
+                </a:solidFill>
+                <a:latin typeface="微软雅黑" pitchFamily="34" charset="-122"/>
+                <a:ea typeface="微软雅黑" pitchFamily="34" charset="-122"/>
+              </a:defRPr>
+            </a:lvl1pPr>
+          </a:lstStyle>
+          <a:p>
+            <a:pPr>
+              <a:lnSpc>
+                <a:spcPct val="120000"/>
+              </a:lnSpc>
+            </a:pPr>
+            <a:r>
+              <a:rPr lang="zh-CN" altLang="en-US" sz="1600" dirty="0">
+                <a:solidFill>
+                  <a:schemeClr val="bg1"/>
+                </a:solidFill>
+                <a:cs typeface="+mn-ea"/>
+                <a:sym typeface="Arial" panose="020B0604020202020204" pitchFamily="34" charset="0"/>
+              </a:rPr>
+              <a:t>支持机构：浙大城市学院</a:t>
             </a:r>
             <a:endParaRPr lang="en-US" altLang="zh-CN" sz="1600" dirty="0">
               <a:solidFill>

--- a/需求分析/SE2020-G14-软件需求说明(SRS)0.2/SE2020-G14-软件需求规格说明(SRS)0.2.pptx
+++ b/需求分析/SE2020-G14-软件需求说明(SRS)0.2/SE2020-G14-软件需求规格说明(SRS)0.2.pptx
@@ -6137,10 +6137,10 @@
       </p:pic>
       <p:pic>
         <p:nvPicPr>
-          <p:cNvPr id="2" name="图片 1">
+          <p:cNvPr id="4" name="图片 3">
             <a:extLst>
               <a:ext uri="{FF2B5EF4-FFF2-40B4-BE49-F238E27FC236}">
-                <a16:creationId xmlns:a16="http://schemas.microsoft.com/office/drawing/2014/main" id="{9B56798A-7AA4-4A55-9809-28D2A1BBC778}"/>
+                <a16:creationId xmlns:a16="http://schemas.microsoft.com/office/drawing/2014/main" id="{54C95BAE-048A-4148-9187-246ADC5A5FD1}"/>
               </a:ext>
             </a:extLst>
           </p:cNvPr>
@@ -6157,8 +6157,8 @@
         </p:blipFill>
         <p:spPr>
           <a:xfrm>
-            <a:off x="380703" y="2175659"/>
-            <a:ext cx="2881331" cy="2881331"/>
+            <a:off x="532958" y="2104157"/>
+            <a:ext cx="2820304" cy="2820304"/>
           </a:xfrm>
           <a:prstGeom prst="rect">
             <a:avLst/>

--- a/需求分析/SE2020-G14-软件需求说明(SRS)0.2/SE2020-G14-软件需求规格说明(SRS)0.2.pptx
+++ b/需求分析/SE2020-G14-软件需求说明(SRS)0.2/SE2020-G14-软件需求规格说明(SRS)0.2.pptx
@@ -292,7 +292,7 @@
           <a:p>
             <a:fld id="{717742FC-62BB-4B81-9CA5-3B750A4B4580}" type="datetimeFigureOut">
               <a:rPr lang="zh-CN" altLang="en-US" smtClean="0"/>
-              <a:t>2020/11/19</a:t>
+              <a:t>2020/11/20</a:t>
             </a:fld>
             <a:endParaRPr lang="zh-CN" altLang="en-US"/>
           </a:p>
@@ -466,7 +466,7 @@
               <a:pPr>
                 <a:defRPr/>
               </a:pPr>
-              <a:t>2020/11/19</a:t>
+              <a:t>2020/11/20</a:t>
             </a:fld>
             <a:endParaRPr lang="zh-CN" altLang="en-US"/>
           </a:p>
@@ -1992,7 +1992,7 @@
           <a:p>
             <a:fld id="{43A93E93-166D-47F5-9EF1-ACEABE24AEEA}" type="datetimeFigureOut">
               <a:rPr lang="zh-CN" altLang="en-US" smtClean="0"/>
-              <a:t>2020/11/19</a:t>
+              <a:t>2020/11/20</a:t>
             </a:fld>
             <a:endParaRPr lang="zh-CN" altLang="en-US"/>
           </a:p>
@@ -2752,7 +2752,7 @@
           <a:p>
             <a:fld id="{43A93E93-166D-47F5-9EF1-ACEABE24AEEA}" type="datetimeFigureOut">
               <a:rPr lang="zh-CN" altLang="en-US" smtClean="0"/>
-              <a:t>2020/11/19</a:t>
+              <a:t>2020/11/20</a:t>
             </a:fld>
             <a:endParaRPr lang="zh-CN" altLang="en-US"/>
           </a:p>
@@ -6129,36 +6129,6 @@
           <a:xfrm>
             <a:off x="9957767" y="545842"/>
             <a:ext cx="2619702" cy="5669692"/>
-          </a:xfrm>
-          <a:prstGeom prst="rect">
-            <a:avLst/>
-          </a:prstGeom>
-        </p:spPr>
-      </p:pic>
-      <p:pic>
-        <p:nvPicPr>
-          <p:cNvPr id="4" name="图片 3">
-            <a:extLst>
-              <a:ext uri="{FF2B5EF4-FFF2-40B4-BE49-F238E27FC236}">
-                <a16:creationId xmlns:a16="http://schemas.microsoft.com/office/drawing/2014/main" id="{54C95BAE-048A-4148-9187-246ADC5A5FD1}"/>
-              </a:ext>
-            </a:extLst>
-          </p:cNvPr>
-          <p:cNvPicPr>
-            <a:picLocks noChangeAspect="1"/>
-          </p:cNvPicPr>
-          <p:nvPr/>
-        </p:nvPicPr>
-        <p:blipFill>
-          <a:blip r:embed="rId5"/>
-          <a:stretch>
-            <a:fillRect/>
-          </a:stretch>
-        </p:blipFill>
-        <p:spPr>
-          <a:xfrm>
-            <a:off x="532958" y="2104157"/>
-            <a:ext cx="2820304" cy="2820304"/>
           </a:xfrm>
           <a:prstGeom prst="rect">
             <a:avLst/>
@@ -19849,7 +19819,7 @@
         </p:blipFill>
         <p:spPr>
           <a:xfrm>
-            <a:off x="4485159" y="1240061"/>
+            <a:off x="3668452" y="1337620"/>
             <a:ext cx="542591" cy="1322947"/>
           </a:xfrm>
           <a:prstGeom prst="rect">
@@ -20294,7 +20264,7 @@
         </p:nvSpPr>
         <p:spPr>
           <a:xfrm>
-            <a:off x="3333031" y="2680221"/>
+            <a:off x="2516324" y="2777780"/>
             <a:ext cx="2592288" cy="400110"/>
           </a:xfrm>
           <a:prstGeom prst="rect">
@@ -20329,7 +20299,7 @@
         </p:nvSpPr>
         <p:spPr>
           <a:xfrm>
-            <a:off x="732225" y="5247821"/>
+            <a:off x="300177" y="5319829"/>
             <a:ext cx="2763216" cy="369332"/>
           </a:xfrm>
           <a:prstGeom prst="rect">
@@ -20345,7 +20315,15 @@
           <a:p>
             <a:r>
               <a:rPr lang="zh-CN" altLang="en-US" dirty="0"/>
-              <a:t>本专业典型用户：邢海粟</a:t>
+              <a:t>本专业典型用户：邢</a:t>
+            </a:r>
+            <a:r>
+              <a:rPr lang="en-US" altLang="zh-CN" dirty="0"/>
+              <a:t>*</a:t>
+            </a:r>
+            <a:r>
+              <a:rPr lang="zh-CN" altLang="en-US" dirty="0"/>
+              <a:t>粟</a:t>
             </a:r>
           </a:p>
         </p:txBody>
@@ -20364,7 +20342,7 @@
         </p:nvGrpSpPr>
         <p:grpSpPr>
           <a:xfrm>
-            <a:off x="1960697" y="3663105"/>
+            <a:off x="1528649" y="3735113"/>
             <a:ext cx="544517" cy="1500105"/>
             <a:chOff x="1371598" y="1962150"/>
             <a:chExt cx="915449" cy="2522008"/>
@@ -20506,7 +20484,7 @@
         </p:nvGrpSpPr>
         <p:grpSpPr>
           <a:xfrm>
-            <a:off x="7250665" y="3726021"/>
+            <a:off x="6157116" y="3765973"/>
             <a:ext cx="544517" cy="1500105"/>
             <a:chOff x="1371598" y="1962150"/>
             <a:chExt cx="915449" cy="2522008"/>
@@ -20648,7 +20626,7 @@
         </p:nvSpPr>
         <p:spPr>
           <a:xfrm>
-            <a:off x="5772391" y="5285476"/>
+            <a:off x="4678842" y="5325428"/>
             <a:ext cx="2956547" cy="369332"/>
           </a:xfrm>
           <a:prstGeom prst="rect">
@@ -20664,7 +20642,15 @@
           <a:p>
             <a:r>
               <a:rPr lang="zh-CN" altLang="en-US" dirty="0"/>
-              <a:t>非本专业典型用户：廖安琪</a:t>
+              <a:t>非本专业典型用户：廖</a:t>
+            </a:r>
+            <a:r>
+              <a:rPr lang="en-US" altLang="zh-CN" dirty="0"/>
+              <a:t>*</a:t>
+            </a:r>
+            <a:r>
+              <a:rPr lang="zh-CN" altLang="en-US" dirty="0"/>
+              <a:t>琪</a:t>
             </a:r>
           </a:p>
         </p:txBody>
@@ -20683,7 +20669,7 @@
         </p:nvSpPr>
         <p:spPr>
           <a:xfrm>
-            <a:off x="3498095" y="3114464"/>
+            <a:off x="2681388" y="3212023"/>
             <a:ext cx="2262158" cy="369332"/>
           </a:xfrm>
           <a:prstGeom prst="rect">
@@ -20718,7 +20704,7 @@
         </p:nvSpPr>
         <p:spPr>
           <a:xfrm>
-            <a:off x="3267263" y="3504191"/>
+            <a:off x="2450556" y="3601750"/>
             <a:ext cx="2723823" cy="369332"/>
           </a:xfrm>
           <a:prstGeom prst="rect">
@@ -20753,7 +20739,7 @@
         </p:nvSpPr>
         <p:spPr>
           <a:xfrm>
-            <a:off x="3728927" y="3907656"/>
+            <a:off x="2912220" y="4005215"/>
             <a:ext cx="1800493" cy="369332"/>
           </a:xfrm>
           <a:prstGeom prst="rect">
@@ -20788,7 +20774,7 @@
         </p:nvSpPr>
         <p:spPr>
           <a:xfrm>
-            <a:off x="6009573" y="5603667"/>
+            <a:off x="4916024" y="5643619"/>
             <a:ext cx="936104" cy="338554"/>
           </a:xfrm>
           <a:prstGeom prst="rect">
@@ -20823,7 +20809,7 @@
         </p:nvSpPr>
         <p:spPr>
           <a:xfrm>
-            <a:off x="6183875" y="5962436"/>
+            <a:off x="5090326" y="6002388"/>
             <a:ext cx="2262158" cy="369332"/>
           </a:xfrm>
           <a:prstGeom prst="rect">
@@ -20858,7 +20844,7 @@
         </p:nvSpPr>
         <p:spPr>
           <a:xfrm>
-            <a:off x="6068459" y="6331768"/>
+            <a:off x="4974910" y="6371720"/>
             <a:ext cx="2492990" cy="369332"/>
           </a:xfrm>
           <a:prstGeom prst="rect">
@@ -20893,7 +20879,7 @@
         </p:nvGrpSpPr>
         <p:grpSpPr>
           <a:xfrm>
-            <a:off x="10558030" y="1236403"/>
+            <a:off x="8647709" y="1277675"/>
             <a:ext cx="544517" cy="1500105"/>
             <a:chOff x="1371598" y="1962150"/>
             <a:chExt cx="915449" cy="2522008"/>
@@ -21035,7 +21021,7 @@
         </p:nvSpPr>
         <p:spPr>
           <a:xfrm>
-            <a:off x="9079756" y="2795858"/>
+            <a:off x="7169435" y="2837130"/>
             <a:ext cx="2956547" cy="369332"/>
           </a:xfrm>
           <a:prstGeom prst="rect">
@@ -21051,7 +21037,15 @@
           <a:p>
             <a:r>
               <a:rPr lang="zh-CN" altLang="en-US" dirty="0"/>
-              <a:t>非本专业典型用户：赵宇阳</a:t>
+              <a:t>非本专业典型用户：赵</a:t>
+            </a:r>
+            <a:r>
+              <a:rPr lang="en-US" altLang="zh-CN" dirty="0"/>
+              <a:t>*</a:t>
+            </a:r>
+            <a:r>
+              <a:rPr lang="zh-CN" altLang="en-US" dirty="0"/>
+              <a:t>阳</a:t>
             </a:r>
           </a:p>
         </p:txBody>
@@ -21070,7 +21064,7 @@
         </p:nvSpPr>
         <p:spPr>
           <a:xfrm>
-            <a:off x="9316938" y="3114049"/>
+            <a:off x="7406617" y="3155321"/>
             <a:ext cx="936104" cy="338554"/>
           </a:xfrm>
           <a:prstGeom prst="rect">
@@ -21105,7 +21099,7 @@
         </p:nvSpPr>
         <p:spPr>
           <a:xfrm>
-            <a:off x="9837490" y="3483660"/>
+            <a:off x="7927169" y="3524932"/>
             <a:ext cx="1569660" cy="369332"/>
           </a:xfrm>
           <a:prstGeom prst="rect">
@@ -21140,7 +21134,7 @@
         </p:nvSpPr>
         <p:spPr>
           <a:xfrm>
-            <a:off x="9837490" y="3852992"/>
+            <a:off x="7927169" y="3894264"/>
             <a:ext cx="1569660" cy="369332"/>
           </a:xfrm>
           <a:prstGeom prst="rect">
@@ -21158,6 +21152,262 @@
               <a:rPr lang="zh-CN" altLang="en-US" dirty="0"/>
               <a:t>主题颜色更换</a:t>
             </a:r>
+          </a:p>
+        </p:txBody>
+      </p:sp>
+      <p:sp>
+        <p:nvSpPr>
+          <p:cNvPr id="30" name="文本框 29">
+            <a:extLst>
+              <a:ext uri="{FF2B5EF4-FFF2-40B4-BE49-F238E27FC236}">
+                <a16:creationId xmlns:a16="http://schemas.microsoft.com/office/drawing/2014/main" id="{547DF805-2E53-4187-B57C-39CF3E03E88D}"/>
+              </a:ext>
+            </a:extLst>
+          </p:cNvPr>
+          <p:cNvSpPr txBox="1"/>
+          <p:nvPr/>
+        </p:nvSpPr>
+        <p:spPr>
+          <a:xfrm>
+            <a:off x="692691" y="5690305"/>
+            <a:ext cx="1800493" cy="369332"/>
+          </a:xfrm>
+          <a:prstGeom prst="rect">
+            <a:avLst/>
+          </a:prstGeom>
+          <a:noFill/>
+        </p:spPr>
+        <p:txBody>
+          <a:bodyPr wrap="none" rtlCol="0">
+            <a:spAutoFit/>
+          </a:bodyPr>
+          <a:lstStyle/>
+          <a:p>
+            <a:r>
+              <a:rPr lang="zh-CN" altLang="en-US" dirty="0"/>
+              <a:t>加载界面太单调</a:t>
+            </a:r>
+          </a:p>
+        </p:txBody>
+      </p:sp>
+      <p:sp>
+        <p:nvSpPr>
+          <p:cNvPr id="31" name="文本框 30">
+            <a:extLst>
+              <a:ext uri="{FF2B5EF4-FFF2-40B4-BE49-F238E27FC236}">
+                <a16:creationId xmlns:a16="http://schemas.microsoft.com/office/drawing/2014/main" id="{9614445D-BEB0-4985-9624-74FE144593D0}"/>
+              </a:ext>
+            </a:extLst>
+          </p:cNvPr>
+          <p:cNvSpPr txBox="1"/>
+          <p:nvPr/>
+        </p:nvSpPr>
+        <p:spPr>
+          <a:xfrm>
+            <a:off x="461858" y="6060875"/>
+            <a:ext cx="2262158" cy="369332"/>
+          </a:xfrm>
+          <a:prstGeom prst="rect">
+            <a:avLst/>
+          </a:prstGeom>
+          <a:noFill/>
+        </p:spPr>
+        <p:txBody>
+          <a:bodyPr wrap="none" rtlCol="0">
+            <a:spAutoFit/>
+          </a:bodyPr>
+          <a:lstStyle/>
+          <a:p>
+            <a:r>
+              <a:rPr lang="zh-CN" altLang="en-US" dirty="0"/>
+              <a:t>自定义收入支出类别</a:t>
+            </a:r>
+          </a:p>
+        </p:txBody>
+      </p:sp>
+      <p:grpSp>
+        <p:nvGrpSpPr>
+          <p:cNvPr id="32" name="Group 33">
+            <a:extLst>
+              <a:ext uri="{FF2B5EF4-FFF2-40B4-BE49-F238E27FC236}">
+                <a16:creationId xmlns:a16="http://schemas.microsoft.com/office/drawing/2014/main" id="{7EB41575-BA1E-4AF4-B089-CAEDAEAE1E8C}"/>
+              </a:ext>
+            </a:extLst>
+          </p:cNvPr>
+          <p:cNvGrpSpPr/>
+          <p:nvPr/>
+        </p:nvGrpSpPr>
+        <p:grpSpPr>
+          <a:xfrm>
+            <a:off x="10346753" y="3616325"/>
+            <a:ext cx="544517" cy="1500105"/>
+            <a:chOff x="1371598" y="1962150"/>
+            <a:chExt cx="915449" cy="2522008"/>
+          </a:xfrm>
+          <a:solidFill>
+            <a:schemeClr val="accent1"/>
+          </a:solidFill>
+        </p:grpSpPr>
+        <p:sp>
+          <p:nvSpPr>
+            <p:cNvPr id="33" name="Isosceles Triangle 34">
+              <a:extLst>
+                <a:ext uri="{FF2B5EF4-FFF2-40B4-BE49-F238E27FC236}">
+                  <a16:creationId xmlns:a16="http://schemas.microsoft.com/office/drawing/2014/main" id="{B3C6B5CB-D2B6-4234-96FC-909764A73D2B}"/>
+                </a:ext>
+              </a:extLst>
+            </p:cNvPr>
+            <p:cNvSpPr/>
+            <p:nvPr/>
+          </p:nvSpPr>
+          <p:spPr>
+            <a:xfrm rot="5400000">
+              <a:off x="1449332" y="2090117"/>
+              <a:ext cx="837231" cy="838198"/>
+            </a:xfrm>
+            <a:prstGeom prst="triangle">
+              <a:avLst/>
+            </a:prstGeom>
+            <a:grpFill/>
+            <a:ln>
+              <a:noFill/>
+            </a:ln>
+          </p:spPr>
+          <p:style>
+            <a:lnRef idx="2">
+              <a:schemeClr val="accent1">
+                <a:shade val="50000"/>
+              </a:schemeClr>
+            </a:lnRef>
+            <a:fillRef idx="1">
+              <a:schemeClr val="accent1"/>
+            </a:fillRef>
+            <a:effectRef idx="0">
+              <a:schemeClr val="accent1"/>
+            </a:effectRef>
+            <a:fontRef idx="minor">
+              <a:schemeClr val="lt1"/>
+            </a:fontRef>
+          </p:style>
+          <p:txBody>
+            <a:bodyPr rtlCol="0" anchor="ctr"/>
+            <a:lstStyle/>
+            <a:p>
+              <a:pPr algn="ctr">
+                <a:lnSpc>
+                  <a:spcPct val="120000"/>
+                </a:lnSpc>
+              </a:pPr>
+              <a:endParaRPr lang="en-US" sz="800">
+                <a:latin typeface="Arial" panose="020B0604020202020204" pitchFamily="34" charset="0"/>
+                <a:ea typeface="微软雅黑" panose="020B0503020204020204" pitchFamily="34" charset="-122"/>
+                <a:cs typeface="+mn-ea"/>
+                <a:sym typeface="Arial" panose="020B0604020202020204" pitchFamily="34" charset="0"/>
+              </a:endParaRPr>
+            </a:p>
+          </p:txBody>
+        </p:sp>
+        <p:sp>
+          <p:nvSpPr>
+            <p:cNvPr id="34" name="Can 35">
+              <a:extLst>
+                <a:ext uri="{FF2B5EF4-FFF2-40B4-BE49-F238E27FC236}">
+                  <a16:creationId xmlns:a16="http://schemas.microsoft.com/office/drawing/2014/main" id="{382655DB-1B59-4EA6-BFE8-96CC64737BCD}"/>
+                </a:ext>
+              </a:extLst>
+            </p:cNvPr>
+            <p:cNvSpPr/>
+            <p:nvPr/>
+          </p:nvSpPr>
+          <p:spPr>
+            <a:xfrm>
+              <a:off x="1371598" y="1962150"/>
+              <a:ext cx="108083" cy="2522008"/>
+            </a:xfrm>
+            <a:prstGeom prst="can">
+              <a:avLst/>
+            </a:prstGeom>
+            <a:grpFill/>
+            <a:ln>
+              <a:noFill/>
+            </a:ln>
+          </p:spPr>
+          <p:style>
+            <a:lnRef idx="2">
+              <a:schemeClr val="accent1">
+                <a:shade val="50000"/>
+              </a:schemeClr>
+            </a:lnRef>
+            <a:fillRef idx="1">
+              <a:schemeClr val="accent1"/>
+            </a:fillRef>
+            <a:effectRef idx="0">
+              <a:schemeClr val="accent1"/>
+            </a:effectRef>
+            <a:fontRef idx="minor">
+              <a:schemeClr val="lt1"/>
+            </a:fontRef>
+          </p:style>
+          <p:txBody>
+            <a:bodyPr rtlCol="0" anchor="ctr"/>
+            <a:lstStyle/>
+            <a:p>
+              <a:pPr algn="ctr">
+                <a:lnSpc>
+                  <a:spcPct val="120000"/>
+                </a:lnSpc>
+              </a:pPr>
+              <a:endParaRPr lang="en-US" sz="800">
+                <a:latin typeface="Arial" panose="020B0604020202020204" pitchFamily="34" charset="0"/>
+                <a:ea typeface="微软雅黑" panose="020B0503020204020204" pitchFamily="34" charset="-122"/>
+                <a:cs typeface="+mn-ea"/>
+                <a:sym typeface="Arial" panose="020B0604020202020204" pitchFamily="34" charset="0"/>
+              </a:endParaRPr>
+            </a:p>
+          </p:txBody>
+        </p:sp>
+      </p:grpSp>
+      <p:sp>
+        <p:nvSpPr>
+          <p:cNvPr id="35" name="文本框 34">
+            <a:extLst>
+              <a:ext uri="{FF2B5EF4-FFF2-40B4-BE49-F238E27FC236}">
+                <a16:creationId xmlns:a16="http://schemas.microsoft.com/office/drawing/2014/main" id="{3DB26879-56E9-48AD-A736-D84CA3DF1E80}"/>
+              </a:ext>
+            </a:extLst>
+          </p:cNvPr>
+          <p:cNvSpPr txBox="1"/>
+          <p:nvPr/>
+        </p:nvSpPr>
+        <p:spPr>
+          <a:xfrm>
+            <a:off x="9412996" y="5274287"/>
+            <a:ext cx="2956547" cy="369332"/>
+          </a:xfrm>
+          <a:prstGeom prst="rect">
+            <a:avLst/>
+          </a:prstGeom>
+          <a:noFill/>
+        </p:spPr>
+        <p:txBody>
+          <a:bodyPr wrap="square" rtlCol="0">
+            <a:spAutoFit/>
+          </a:bodyPr>
+          <a:lstStyle/>
+          <a:p>
+            <a:r>
+              <a:rPr lang="zh-CN" altLang="en-US" dirty="0"/>
+              <a:t>管理员：杨</a:t>
+            </a:r>
+            <a:r>
+              <a:rPr lang="en-US" altLang="zh-CN"/>
+              <a:t>*</a:t>
+            </a:r>
+            <a:r>
+              <a:rPr lang="zh-CN" altLang="en-US"/>
+              <a:t>杰</a:t>
+            </a:r>
+            <a:endParaRPr lang="zh-CN" altLang="en-US" dirty="0"/>
           </a:p>
         </p:txBody>
       </p:sp>
